--- a/DeepLearning.pptx
+++ b/DeepLearning.pptx
@@ -6,7 +6,7 @@
     <p:sldMasterId id="2147483708" r:id="rId2"/>
   </p:sldMasterIdLst>
   <p:notesMasterIdLst>
-    <p:notesMasterId r:id="rId20"/>
+    <p:notesMasterId r:id="rId23"/>
   </p:notesMasterIdLst>
   <p:sldIdLst>
     <p:sldId id="262" r:id="rId3"/>
@@ -25,7 +25,10 @@
     <p:sldId id="258" r:id="rId16"/>
     <p:sldId id="277" r:id="rId17"/>
     <p:sldId id="278" r:id="rId18"/>
-    <p:sldId id="265" r:id="rId19"/>
+    <p:sldId id="279" r:id="rId19"/>
+    <p:sldId id="280" r:id="rId20"/>
+    <p:sldId id="281" r:id="rId21"/>
+    <p:sldId id="265" r:id="rId22"/>
   </p:sldIdLst>
   <p:sldSz cx="9144000" cy="6858000" type="screen4x3"/>
   <p:notesSz cx="6858000" cy="9144000"/>
@@ -124,6 +127,11 @@
       </a:defRPr>
     </a:lvl9pPr>
   </p:defaultTextStyle>
+  <p:extLst>
+    <p:ext uri="{EFAFB233-063F-42B5-8137-9DF3F51BA10A}">
+      <p15:sldGuideLst xmlns:p15="http://schemas.microsoft.com/office/powerpoint/2012/main"/>
+    </p:ext>
+  </p:extLst>
 </p:presentation>
 </file>
 
@@ -209,7 +217,7 @@
           <a:p>
             <a:fld id="{2750EE10-9B2A-43FD-9D8D-8786BE2718B0}" type="datetimeFigureOut">
               <a:rPr lang="en-US" smtClean="0"/>
-              <a:t>6/30/2018</a:t>
+              <a:t>7/2/2018</a:t>
             </a:fld>
             <a:endParaRPr lang="en-US"/>
           </a:p>
@@ -778,7 +786,7 @@
           <a:p>
             <a:fld id="{71062C2B-E158-4700-B682-BDCEF0FBB753}" type="datetimeFigureOut">
               <a:rPr lang="en-US" smtClean="0"/>
-              <a:t>6/30/2018</a:t>
+              <a:t>7/2/2018</a:t>
             </a:fld>
             <a:endParaRPr lang="en-US"/>
           </a:p>
@@ -999,7 +1007,7 @@
           <a:p>
             <a:fld id="{71062C2B-E158-4700-B682-BDCEF0FBB753}" type="datetimeFigureOut">
               <a:rPr lang="en-US" smtClean="0"/>
-              <a:t>6/30/2018</a:t>
+              <a:t>7/2/2018</a:t>
             </a:fld>
             <a:endParaRPr lang="en-US"/>
           </a:p>
@@ -1179,7 +1187,7 @@
           <a:p>
             <a:fld id="{71062C2B-E158-4700-B682-BDCEF0FBB753}" type="datetimeFigureOut">
               <a:rPr lang="en-US" smtClean="0"/>
-              <a:t>6/30/2018</a:t>
+              <a:t>7/2/2018</a:t>
             </a:fld>
             <a:endParaRPr lang="en-US"/>
           </a:p>
@@ -1438,7 +1446,7 @@
             <a:fld id="{51AC0816-1973-4673-A4A7-A524451E2329}" type="datetime1">
               <a:rPr lang="en-US" smtClean="0"/>
               <a:pPr/>
-              <a:t>6/30/2018</a:t>
+              <a:t>7/2/2018</a:t>
             </a:fld>
             <a:endParaRPr lang="en-US" dirty="0"/>
           </a:p>
@@ -1684,7 +1692,7 @@
                 </a:solidFill>
               </a:rPr>
               <a:pPr/>
-              <a:t>6/30/2018</a:t>
+              <a:t>7/2/2018</a:t>
             </a:fld>
             <a:endParaRPr lang="en-US" dirty="0">
               <a:solidFill>
@@ -1973,7 +1981,7 @@
                 </a:solidFill>
               </a:rPr>
               <a:pPr/>
-              <a:t>6/30/2018</a:t>
+              <a:t>7/2/2018</a:t>
             </a:fld>
             <a:endParaRPr lang="en-US" dirty="0">
               <a:solidFill>
@@ -2334,7 +2342,7 @@
                 </a:solidFill>
               </a:rPr>
               <a:pPr/>
-              <a:t>6/30/2018</a:t>
+              <a:t>7/2/2018</a:t>
             </a:fld>
             <a:endParaRPr lang="en-US" dirty="0">
               <a:solidFill>
@@ -2796,7 +2804,7 @@
                 </a:solidFill>
               </a:rPr>
               <a:pPr/>
-              <a:t>6/30/2018</a:t>
+              <a:t>7/2/2018</a:t>
             </a:fld>
             <a:endParaRPr lang="en-US" dirty="0">
               <a:solidFill>
@@ -2952,7 +2960,7 @@
                 </a:solidFill>
               </a:rPr>
               <a:pPr/>
-              <a:t>6/30/2018</a:t>
+              <a:t>7/2/2018</a:t>
             </a:fld>
             <a:endParaRPr lang="en-US" dirty="0">
               <a:solidFill>
@@ -3085,7 +3093,7 @@
                 </a:solidFill>
               </a:rPr>
               <a:pPr/>
-              <a:t>6/30/2018</a:t>
+              <a:t>7/2/2018</a:t>
             </a:fld>
             <a:endParaRPr lang="en-US" dirty="0">
               <a:solidFill>
@@ -3413,7 +3421,7 @@
                 </a:solidFill>
               </a:rPr>
               <a:pPr/>
-              <a:t>6/30/2018</a:t>
+              <a:t>7/2/2018</a:t>
             </a:fld>
             <a:endParaRPr lang="en-US" dirty="0">
               <a:solidFill>
@@ -3623,7 +3631,7 @@
           <a:p>
             <a:fld id="{71062C2B-E158-4700-B682-BDCEF0FBB753}" type="datetimeFigureOut">
               <a:rPr lang="en-US" smtClean="0"/>
-              <a:t>6/30/2018</a:t>
+              <a:t>7/2/2018</a:t>
             </a:fld>
             <a:endParaRPr lang="en-US"/>
           </a:p>
@@ -3900,7 +3908,7 @@
                 </a:solidFill>
               </a:rPr>
               <a:pPr/>
-              <a:t>6/30/2018</a:t>
+              <a:t>7/2/2018</a:t>
             </a:fld>
             <a:endParaRPr lang="en-US" dirty="0">
               <a:solidFill>
@@ -4108,7 +4116,7 @@
                 </a:solidFill>
               </a:rPr>
               <a:pPr/>
-              <a:t>6/30/2018</a:t>
+              <a:t>7/2/2018</a:t>
             </a:fld>
             <a:endParaRPr lang="en-US" dirty="0">
               <a:solidFill>
@@ -4326,7 +4334,7 @@
                 </a:solidFill>
               </a:rPr>
               <a:pPr/>
-              <a:t>6/30/2018</a:t>
+              <a:t>7/2/2018</a:t>
             </a:fld>
             <a:endParaRPr lang="en-US" dirty="0">
               <a:solidFill>
@@ -4610,7 +4618,7 @@
           <a:p>
             <a:fld id="{71062C2B-E158-4700-B682-BDCEF0FBB753}" type="datetimeFigureOut">
               <a:rPr lang="en-US" smtClean="0"/>
-              <a:t>6/30/2018</a:t>
+              <a:t>7/2/2018</a:t>
             </a:fld>
             <a:endParaRPr lang="en-US"/>
           </a:p>
@@ -4933,7 +4941,7 @@
           <a:p>
             <a:fld id="{71062C2B-E158-4700-B682-BDCEF0FBB753}" type="datetimeFigureOut">
               <a:rPr lang="en-US" smtClean="0"/>
-              <a:t>6/30/2018</a:t>
+              <a:t>7/2/2018</a:t>
             </a:fld>
             <a:endParaRPr lang="en-US"/>
           </a:p>
@@ -5357,7 +5365,7 @@
           <a:p>
             <a:fld id="{71062C2B-E158-4700-B682-BDCEF0FBB753}" type="datetimeFigureOut">
               <a:rPr lang="en-US" smtClean="0"/>
-              <a:t>6/30/2018</a:t>
+              <a:t>7/2/2018</a:t>
             </a:fld>
             <a:endParaRPr lang="en-US"/>
           </a:p>
@@ -5475,7 +5483,7 @@
           <a:p>
             <a:fld id="{71062C2B-E158-4700-B682-BDCEF0FBB753}" type="datetimeFigureOut">
               <a:rPr lang="en-US" smtClean="0"/>
-              <a:t>6/30/2018</a:t>
+              <a:t>7/2/2018</a:t>
             </a:fld>
             <a:endParaRPr lang="en-US"/>
           </a:p>
@@ -5570,7 +5578,7 @@
           <a:p>
             <a:fld id="{71062C2B-E158-4700-B682-BDCEF0FBB753}" type="datetimeFigureOut">
               <a:rPr lang="en-US" smtClean="0"/>
-              <a:t>6/30/2018</a:t>
+              <a:t>7/2/2018</a:t>
             </a:fld>
             <a:endParaRPr lang="en-US"/>
           </a:p>
@@ -5860,7 +5868,7 @@
           <a:p>
             <a:fld id="{71062C2B-E158-4700-B682-BDCEF0FBB753}" type="datetimeFigureOut">
               <a:rPr lang="en-US" smtClean="0"/>
-              <a:t>6/30/2018</a:t>
+              <a:t>7/2/2018</a:t>
             </a:fld>
             <a:endParaRPr lang="en-US"/>
           </a:p>
@@ -6132,7 +6140,7 @@
           <a:p>
             <a:fld id="{71062C2B-E158-4700-B682-BDCEF0FBB753}" type="datetimeFigureOut">
               <a:rPr lang="en-US" smtClean="0"/>
-              <a:t>6/30/2018</a:t>
+              <a:t>7/2/2018</a:t>
             </a:fld>
             <a:endParaRPr lang="en-US"/>
           </a:p>
@@ -6384,7 +6392,7 @@
           <a:p>
             <a:fld id="{71062C2B-E158-4700-B682-BDCEF0FBB753}" type="datetimeFigureOut">
               <a:rPr lang="en-US" smtClean="0"/>
-              <a:t>6/30/2018</a:t>
+              <a:t>7/2/2018</a:t>
             </a:fld>
             <a:endParaRPr lang="en-US"/>
           </a:p>
@@ -7025,7 +7033,7 @@
                 </a:solidFill>
               </a:rPr>
               <a:pPr defTabSz="457200"/>
-              <a:t>6/30/2018</a:t>
+              <a:t>7/2/2018</a:t>
             </a:fld>
             <a:endParaRPr lang="en-US" dirty="0">
               <a:solidFill>
@@ -9069,8 +9077,8 @@
           </a:p>
         </p:txBody>
       </p:sp>
-      <mc:AlternateContent xmlns:mc="http://schemas.openxmlformats.org/markup-compatibility/2006">
-        <mc:Choice xmlns:a14="http://schemas.microsoft.com/office/drawing/2010/main" Requires="a14">
+      <mc:AlternateContent xmlns:mc="http://schemas.openxmlformats.org/markup-compatibility/2006" xmlns:a14="http://schemas.microsoft.com/office/drawing/2010/main">
+        <mc:Choice Requires="a14">
           <p:sp>
             <p:nvSpPr>
               <p:cNvPr id="3" name="Content Placeholder 2"/>
@@ -9312,7 +9320,7 @@
             </p:txBody>
           </p:sp>
         </mc:Choice>
-        <mc:Fallback>
+        <mc:Fallback xmlns="">
           <p:sp>
             <p:nvSpPr>
               <p:cNvPr id="3" name="Content Placeholder 2"/>
@@ -10900,7 +10908,7 @@
                 <a:latin typeface="Calibri" panose="020F0502020204030204" pitchFamily="34" charset="0"/>
                 <a:cs typeface="Calibri" panose="020F0502020204030204" pitchFamily="34" charset="0"/>
               </a:rPr>
-              <a:t>Assignments</a:t>
+              <a:t>Back Propagation</a:t>
             </a:r>
             <a:endParaRPr lang="en-US" dirty="0">
               <a:solidFill>
@@ -10912,85 +10920,1377 @@
           </a:p>
         </p:txBody>
       </p:sp>
-      <p:sp>
-        <p:nvSpPr>
-          <p:cNvPr id="3" name="Content Placeholder 2"/>
+      <mc:AlternateContent xmlns:mc="http://schemas.openxmlformats.org/markup-compatibility/2006">
+        <mc:Choice xmlns:a14="http://schemas.microsoft.com/office/drawing/2010/main" Requires="a14">
+          <p:sp>
+            <p:nvSpPr>
+              <p:cNvPr id="3" name="Content Placeholder 2"/>
+              <p:cNvSpPr>
+                <a:spLocks noGrp="1"/>
+              </p:cNvSpPr>
+              <p:nvPr>
+                <p:ph idx="1"/>
+              </p:nvPr>
+            </p:nvSpPr>
+            <p:spPr/>
+            <p:txBody>
+              <a:bodyPr>
+                <a:normAutofit/>
+              </a:bodyPr>
+              <a:lstStyle/>
+              <a:p>
+                <a:r>
+                  <a:rPr lang="en-US" sz="2400" dirty="0" smtClean="0">
+                    <a:solidFill>
+                      <a:schemeClr val="tx1"/>
+                    </a:solidFill>
+                    <a:latin typeface="Calibri" panose="020F0502020204030204" pitchFamily="34" charset="0"/>
+                    <a:cs typeface="Calibri" panose="020F0502020204030204" pitchFamily="34" charset="0"/>
+                  </a:rPr>
+                  <a:t>Generative equation</a:t>
+                </a:r>
+              </a:p>
+              <a:p>
+                <a:pPr marL="34290" indent="0">
+                  <a:buNone/>
+                </a:pPr>
+                <a14:m>
+                  <m:oMathPara xmlns:m="http://schemas.openxmlformats.org/officeDocument/2006/math">
+                    <m:oMathParaPr>
+                      <m:jc m:val="centerGroup"/>
+                    </m:oMathParaPr>
+                    <m:oMath xmlns:m="http://schemas.openxmlformats.org/officeDocument/2006/math">
+                      <m:r>
+                        <a:rPr lang="en-US" sz="2400" b="0" i="1" smtClean="0">
+                          <a:solidFill>
+                            <a:schemeClr val="tx1"/>
+                          </a:solidFill>
+                          <a:latin typeface="Cambria Math" panose="02040503050406030204" pitchFamily="18" charset="0"/>
+                          <a:cs typeface="Calibri" panose="020F0502020204030204" pitchFamily="34" charset="0"/>
+                        </a:rPr>
+                        <m:t>𝑦</m:t>
+                      </m:r>
+                      <m:r>
+                        <a:rPr lang="en-US" sz="2400" b="0" i="1" smtClean="0">
+                          <a:solidFill>
+                            <a:schemeClr val="tx1"/>
+                          </a:solidFill>
+                          <a:latin typeface="Cambria Math" panose="02040503050406030204" pitchFamily="18" charset="0"/>
+                          <a:cs typeface="Calibri" panose="020F0502020204030204" pitchFamily="34" charset="0"/>
+                        </a:rPr>
+                        <m:t>=</m:t>
+                      </m:r>
+                      <m:sSup>
+                        <m:sSupPr>
+                          <m:ctrlPr>
+                            <a:rPr lang="en-US" sz="2400" b="0" i="1" smtClean="0">
+                              <a:solidFill>
+                                <a:schemeClr val="tx1"/>
+                              </a:solidFill>
+                              <a:latin typeface="Cambria Math" panose="02040503050406030204" pitchFamily="18" charset="0"/>
+                              <a:cs typeface="Calibri" panose="020F0502020204030204" pitchFamily="34" charset="0"/>
+                            </a:rPr>
+                          </m:ctrlPr>
+                        </m:sSupPr>
+                        <m:e>
+                          <m:r>
+                            <a:rPr lang="en-US" sz="2400" b="0" i="1" smtClean="0">
+                              <a:solidFill>
+                                <a:schemeClr val="tx1"/>
+                              </a:solidFill>
+                              <a:latin typeface="Cambria Math" panose="02040503050406030204" pitchFamily="18" charset="0"/>
+                              <a:cs typeface="Calibri" panose="020F0502020204030204" pitchFamily="34" charset="0"/>
+                            </a:rPr>
+                            <m:t>𝑤</m:t>
+                          </m:r>
+                        </m:e>
+                        <m:sup>
+                          <m:r>
+                            <a:rPr lang="en-US" sz="2400" b="0" i="1" smtClean="0">
+                              <a:solidFill>
+                                <a:schemeClr val="tx1"/>
+                              </a:solidFill>
+                              <a:latin typeface="Cambria Math" panose="02040503050406030204" pitchFamily="18" charset="0"/>
+                              <a:cs typeface="Calibri" panose="020F0502020204030204" pitchFamily="34" charset="0"/>
+                            </a:rPr>
+                            <m:t>𝑇</m:t>
+                          </m:r>
+                        </m:sup>
+                      </m:sSup>
+                      <m:r>
+                        <a:rPr lang="en-US" sz="2400" b="0" i="1" smtClean="0">
+                          <a:solidFill>
+                            <a:schemeClr val="tx1"/>
+                          </a:solidFill>
+                          <a:latin typeface="Cambria Math" panose="02040503050406030204" pitchFamily="18" charset="0"/>
+                          <a:cs typeface="Calibri" panose="020F0502020204030204" pitchFamily="34" charset="0"/>
+                        </a:rPr>
+                        <m:t>𝑥</m:t>
+                      </m:r>
+                      <m:r>
+                        <a:rPr lang="en-US" sz="2400" b="0" i="1" smtClean="0">
+                          <a:solidFill>
+                            <a:schemeClr val="tx1"/>
+                          </a:solidFill>
+                          <a:latin typeface="Cambria Math" panose="02040503050406030204" pitchFamily="18" charset="0"/>
+                          <a:cs typeface="Calibri" panose="020F0502020204030204" pitchFamily="34" charset="0"/>
+                        </a:rPr>
+                        <m:t>+</m:t>
+                      </m:r>
+                      <m:r>
+                        <a:rPr lang="en-US" sz="2400" b="0" i="1" smtClean="0">
+                          <a:solidFill>
+                            <a:schemeClr val="tx1"/>
+                          </a:solidFill>
+                          <a:latin typeface="Cambria Math" panose="02040503050406030204" pitchFamily="18" charset="0"/>
+                          <a:cs typeface="Calibri" panose="020F0502020204030204" pitchFamily="34" charset="0"/>
+                        </a:rPr>
+                        <m:t>𝑏</m:t>
+                      </m:r>
+                    </m:oMath>
+                  </m:oMathPara>
+                </a14:m>
+                <a:endParaRPr lang="en-US" sz="2400" b="0" dirty="0" smtClean="0">
+                  <a:solidFill>
+                    <a:schemeClr val="tx1"/>
+                  </a:solidFill>
+                  <a:latin typeface="Calibri" panose="020F0502020204030204" pitchFamily="34" charset="0"/>
+                  <a:cs typeface="Calibri" panose="020F0502020204030204" pitchFamily="34" charset="0"/>
+                </a:endParaRPr>
+              </a:p>
+              <a:p>
+                <a:r>
+                  <a:rPr lang="en-US" sz="2400" dirty="0" smtClean="0">
+                    <a:solidFill>
+                      <a:schemeClr val="tx1"/>
+                    </a:solidFill>
+                    <a:latin typeface="Calibri" panose="020F0502020204030204" pitchFamily="34" charset="0"/>
+                    <a:cs typeface="Calibri" panose="020F0502020204030204" pitchFamily="34" charset="0"/>
+                  </a:rPr>
+                  <a:t>Where x is input data</a:t>
+                </a:r>
+              </a:p>
+              <a:p>
+                <a:r>
+                  <a:rPr lang="en-US" sz="2400" dirty="0" smtClean="0">
+                    <a:solidFill>
+                      <a:schemeClr val="tx1"/>
+                    </a:solidFill>
+                    <a:latin typeface="Calibri" panose="020F0502020204030204" pitchFamily="34" charset="0"/>
+                    <a:cs typeface="Calibri" panose="020F0502020204030204" pitchFamily="34" charset="0"/>
+                  </a:rPr>
+                  <a:t>Y is label/target/ output vector</a:t>
+                </a:r>
+              </a:p>
+              <a:p>
+                <a:r>
+                  <a:rPr lang="en-US" sz="2400" dirty="0" smtClean="0">
+                    <a:solidFill>
+                      <a:schemeClr val="tx1"/>
+                    </a:solidFill>
+                    <a:latin typeface="Calibri" panose="020F0502020204030204" pitchFamily="34" charset="0"/>
+                    <a:cs typeface="Calibri" panose="020F0502020204030204" pitchFamily="34" charset="0"/>
+                  </a:rPr>
+                  <a:t>W and b are weights and bias</a:t>
+                </a:r>
+                <a:endParaRPr lang="en-US" sz="2400" dirty="0">
+                  <a:solidFill>
+                    <a:schemeClr val="tx1"/>
+                  </a:solidFill>
+                  <a:latin typeface="Calibri" panose="020F0502020204030204" pitchFamily="34" charset="0"/>
+                  <a:cs typeface="Calibri" panose="020F0502020204030204" pitchFamily="34" charset="0"/>
+                </a:endParaRPr>
+              </a:p>
+            </p:txBody>
+          </p:sp>
+        </mc:Choice>
+        <mc:Fallback>
+          <p:sp>
+            <p:nvSpPr>
+              <p:cNvPr id="3" name="Content Placeholder 2"/>
+              <p:cNvSpPr>
+                <a:spLocks noGrp="1" noRot="1" noChangeAspect="1" noMove="1" noResize="1" noEditPoints="1" noAdjustHandles="1" noChangeArrowheads="1" noChangeShapeType="1" noTextEdit="1"/>
+              </p:cNvSpPr>
+              <p:nvPr>
+                <p:ph idx="1"/>
+              </p:nvPr>
+            </p:nvSpPr>
+            <p:spPr>
+              <a:blipFill rotWithShape="0">
+                <a:blip r:embed="rId2"/>
+                <a:stretch>
+                  <a:fillRect l="-329" t="-2115"/>
+                </a:stretch>
+              </a:blipFill>
+            </p:spPr>
+            <p:txBody>
+              <a:bodyPr/>
+              <a:lstStyle/>
+              <a:p>
+                <a:r>
+                  <a:rPr lang="en-US">
+                    <a:noFill/>
+                  </a:rPr>
+                  <a:t> </a:t>
+                </a:r>
+              </a:p>
+            </p:txBody>
+          </p:sp>
+        </mc:Fallback>
+      </mc:AlternateContent>
+    </p:spTree>
+    <p:extLst>
+      <p:ext uri="{BB962C8B-B14F-4D97-AF65-F5344CB8AC3E}">
+        <p14:creationId xmlns:p14="http://schemas.microsoft.com/office/powerpoint/2010/main" val="1947651396"/>
+      </p:ext>
+    </p:extLst>
+  </p:cSld>
+  <p:clrMapOvr>
+    <a:masterClrMapping/>
+  </p:clrMapOvr>
+  <p:timing>
+    <p:tnLst>
+      <p:par>
+        <p:cTn id="1" dur="indefinite" restart="never" nodeType="tmRoot"/>
+      </p:par>
+    </p:tnLst>
+  </p:timing>
+</p:sld>
+</file>
+
+<file path=ppt/slides/slide18.xml><?xml version="1.0" encoding="utf-8"?>
+<p:sld xmlns:a="http://schemas.openxmlformats.org/drawingml/2006/main" xmlns:r="http://schemas.openxmlformats.org/officeDocument/2006/relationships" xmlns:p="http://schemas.openxmlformats.org/presentationml/2006/main">
+  <p:cSld>
+    <p:spTree>
+      <p:nvGrpSpPr>
+        <p:cNvPr id="1" name=""/>
+        <p:cNvGrpSpPr/>
+        <p:nvPr/>
+      </p:nvGrpSpPr>
+      <p:grpSpPr>
+        <a:xfrm>
+          <a:off x="0" y="0"/>
+          <a:ext cx="0" cy="0"/>
+          <a:chOff x="0" y="0"/>
+          <a:chExt cx="0" cy="0"/>
+        </a:xfrm>
+      </p:grpSpPr>
+      <p:sp>
+        <p:nvSpPr>
+          <p:cNvPr id="2" name="Title 1"/>
           <p:cNvSpPr>
             <a:spLocks noGrp="1"/>
           </p:cNvSpPr>
           <p:nvPr>
-            <p:ph idx="1"/>
+            <p:ph type="title"/>
           </p:nvPr>
         </p:nvSpPr>
         <p:spPr/>
         <p:txBody>
-          <a:bodyPr>
-            <a:normAutofit/>
-          </a:bodyPr>
-          <a:lstStyle/>
-          <a:p>
-            <a:pPr algn="just"/>
-            <a:r>
-              <a:rPr lang="en-US" sz="2400" dirty="0" smtClean="0">
+          <a:bodyPr/>
+          <a:lstStyle/>
+          <a:p>
+            <a:pPr algn="ctr"/>
+            <a:r>
+              <a:rPr lang="en-US" dirty="0" smtClean="0">
                 <a:solidFill>
                   <a:schemeClr val="tx1"/>
                 </a:solidFill>
                 <a:latin typeface="Calibri" panose="020F0502020204030204" pitchFamily="34" charset="0"/>
                 <a:cs typeface="Calibri" panose="020F0502020204030204" pitchFamily="34" charset="0"/>
               </a:rPr>
-              <a:t>Implement CNN classification for MNIST dataset. You can either use </a:t>
-            </a:r>
-            <a:r>
-              <a:rPr lang="en-US" sz="2400" dirty="0" err="1" smtClean="0">
+              <a:t>Gradient Decent</a:t>
+            </a:r>
+            <a:endParaRPr lang="en-US" dirty="0">
+              <a:solidFill>
+                <a:schemeClr val="tx1"/>
+              </a:solidFill>
+              <a:latin typeface="Calibri" panose="020F0502020204030204" pitchFamily="34" charset="0"/>
+              <a:cs typeface="Calibri" panose="020F0502020204030204" pitchFamily="34" charset="0"/>
+            </a:endParaRPr>
+          </a:p>
+        </p:txBody>
+      </p:sp>
+      <mc:AlternateContent xmlns:mc="http://schemas.openxmlformats.org/markup-compatibility/2006">
+        <mc:Choice xmlns:a14="http://schemas.microsoft.com/office/drawing/2010/main" Requires="a14">
+          <p:sp>
+            <p:nvSpPr>
+              <p:cNvPr id="3" name="Content Placeholder 2"/>
+              <p:cNvSpPr>
+                <a:spLocks noGrp="1"/>
+              </p:cNvSpPr>
+              <p:nvPr>
+                <p:ph idx="1"/>
+              </p:nvPr>
+            </p:nvSpPr>
+            <p:spPr/>
+            <p:txBody>
+              <a:bodyPr>
+                <a:normAutofit/>
+              </a:bodyPr>
+              <a:lstStyle/>
+              <a:p>
+                <a:r>
+                  <a:rPr lang="en-US" sz="2400" dirty="0" smtClean="0">
+                    <a:solidFill>
+                      <a:schemeClr val="tx1"/>
+                    </a:solidFill>
+                    <a:latin typeface="Calibri" panose="020F0502020204030204" pitchFamily="34" charset="0"/>
+                    <a:cs typeface="Calibri" panose="020F0502020204030204" pitchFamily="34" charset="0"/>
+                  </a:rPr>
+                  <a:t>Loss function:</a:t>
+                </a:r>
+              </a:p>
+              <a:p>
+                <a:pPr marL="34290" indent="0">
+                  <a:buNone/>
+                </a:pPr>
+                <a14:m>
+                  <m:oMathPara xmlns:m="http://schemas.openxmlformats.org/officeDocument/2006/math">
+                    <m:oMathParaPr>
+                      <m:jc m:val="centerGroup"/>
+                    </m:oMathParaPr>
+                    <m:oMath xmlns:m="http://schemas.openxmlformats.org/officeDocument/2006/math">
+                      <m:r>
+                        <a:rPr lang="en-US" sz="2400" b="0" i="1" smtClean="0">
+                          <a:solidFill>
+                            <a:schemeClr val="tx1"/>
+                          </a:solidFill>
+                          <a:latin typeface="Cambria Math" panose="02040503050406030204" pitchFamily="18" charset="0"/>
+                          <a:cs typeface="Calibri" panose="020F0502020204030204" pitchFamily="34" charset="0"/>
+                        </a:rPr>
+                        <m:t>𝐿</m:t>
+                      </m:r>
+                      <m:d>
+                        <m:dPr>
+                          <m:ctrlPr>
+                            <a:rPr lang="en-US" sz="2400" b="0" i="1" smtClean="0">
+                              <a:solidFill>
+                                <a:schemeClr val="tx1"/>
+                              </a:solidFill>
+                              <a:latin typeface="Cambria Math" panose="02040503050406030204" pitchFamily="18" charset="0"/>
+                              <a:cs typeface="Calibri" panose="020F0502020204030204" pitchFamily="34" charset="0"/>
+                            </a:rPr>
+                          </m:ctrlPr>
+                        </m:dPr>
+                        <m:e>
+                          <m:sSub>
+                            <m:sSubPr>
+                              <m:ctrlPr>
+                                <a:rPr lang="en-US" sz="2400" b="0" i="1" smtClean="0">
+                                  <a:solidFill>
+                                    <a:schemeClr val="tx1"/>
+                                  </a:solidFill>
+                                  <a:latin typeface="Cambria Math" panose="02040503050406030204" pitchFamily="18" charset="0"/>
+                                  <a:cs typeface="Calibri" panose="020F0502020204030204" pitchFamily="34" charset="0"/>
+                                </a:rPr>
+                              </m:ctrlPr>
+                            </m:sSubPr>
+                            <m:e>
+                              <m:r>
+                                <a:rPr lang="en-US" sz="2400" b="0" i="1" smtClean="0">
+                                  <a:solidFill>
+                                    <a:schemeClr val="tx1"/>
+                                  </a:solidFill>
+                                  <a:latin typeface="Cambria Math" panose="02040503050406030204" pitchFamily="18" charset="0"/>
+                                  <a:cs typeface="Calibri" panose="020F0502020204030204" pitchFamily="34" charset="0"/>
+                                </a:rPr>
+                                <m:t>𝑦</m:t>
+                              </m:r>
+                            </m:e>
+                            <m:sub>
+                              <m:r>
+                                <a:rPr lang="en-US" sz="2400" b="0" i="1" smtClean="0">
+                                  <a:solidFill>
+                                    <a:schemeClr val="tx1"/>
+                                  </a:solidFill>
+                                  <a:latin typeface="Cambria Math" panose="02040503050406030204" pitchFamily="18" charset="0"/>
+                                  <a:cs typeface="Calibri" panose="020F0502020204030204" pitchFamily="34" charset="0"/>
+                                </a:rPr>
+                                <m:t>𝑖</m:t>
+                              </m:r>
+                            </m:sub>
+                          </m:sSub>
+                          <m:r>
+                            <a:rPr lang="en-US" sz="2400" b="0" i="1" smtClean="0">
+                              <a:solidFill>
+                                <a:schemeClr val="tx1"/>
+                              </a:solidFill>
+                              <a:latin typeface="Cambria Math" panose="02040503050406030204" pitchFamily="18" charset="0"/>
+                              <a:cs typeface="Calibri" panose="020F0502020204030204" pitchFamily="34" charset="0"/>
+                            </a:rPr>
+                            <m:t>,</m:t>
+                          </m:r>
+                          <m:sSub>
+                            <m:sSubPr>
+                              <m:ctrlPr>
+                                <a:rPr lang="en-US" sz="2400" b="0" i="1" smtClean="0">
+                                  <a:solidFill>
+                                    <a:schemeClr val="tx1"/>
+                                  </a:solidFill>
+                                  <a:latin typeface="Cambria Math" panose="02040503050406030204" pitchFamily="18" charset="0"/>
+                                  <a:cs typeface="Calibri" panose="020F0502020204030204" pitchFamily="34" charset="0"/>
+                                </a:rPr>
+                              </m:ctrlPr>
+                            </m:sSubPr>
+                            <m:e>
+                              <m:acc>
+                                <m:accPr>
+                                  <m:chr m:val="̂"/>
+                                  <m:ctrlPr>
+                                    <a:rPr lang="en-US" sz="2400" b="0" i="1" smtClean="0">
+                                      <a:solidFill>
+                                        <a:schemeClr val="tx1"/>
+                                      </a:solidFill>
+                                      <a:latin typeface="Cambria Math" panose="02040503050406030204" pitchFamily="18" charset="0"/>
+                                      <a:cs typeface="Calibri" panose="020F0502020204030204" pitchFamily="34" charset="0"/>
+                                    </a:rPr>
+                                  </m:ctrlPr>
+                                </m:accPr>
+                                <m:e>
+                                  <m:r>
+                                    <a:rPr lang="en-US" sz="2400" b="0" i="1" smtClean="0">
+                                      <a:solidFill>
+                                        <a:schemeClr val="tx1"/>
+                                      </a:solidFill>
+                                      <a:latin typeface="Cambria Math" panose="02040503050406030204" pitchFamily="18" charset="0"/>
+                                      <a:cs typeface="Calibri" panose="020F0502020204030204" pitchFamily="34" charset="0"/>
+                                    </a:rPr>
+                                    <m:t>𝑦</m:t>
+                                  </m:r>
+                                </m:e>
+                              </m:acc>
+                            </m:e>
+                            <m:sub>
+                              <m:r>
+                                <a:rPr lang="en-US" sz="2400" b="0" i="1" smtClean="0">
+                                  <a:solidFill>
+                                    <a:schemeClr val="tx1"/>
+                                  </a:solidFill>
+                                  <a:latin typeface="Cambria Math" panose="02040503050406030204" pitchFamily="18" charset="0"/>
+                                  <a:cs typeface="Calibri" panose="020F0502020204030204" pitchFamily="34" charset="0"/>
+                                </a:rPr>
+                                <m:t>𝑖</m:t>
+                              </m:r>
+                            </m:sub>
+                          </m:sSub>
+                          <m:r>
+                            <a:rPr lang="en-US" sz="2400" b="0" i="1" smtClean="0">
+                              <a:solidFill>
+                                <a:schemeClr val="tx1"/>
+                              </a:solidFill>
+                              <a:latin typeface="Cambria Math" panose="02040503050406030204" pitchFamily="18" charset="0"/>
+                              <a:cs typeface="Calibri" panose="020F0502020204030204" pitchFamily="34" charset="0"/>
+                            </a:rPr>
+                            <m:t> </m:t>
+                          </m:r>
+                        </m:e>
+                      </m:d>
+                      <m:r>
+                        <a:rPr lang="en-US" sz="2400" b="0" i="1" smtClean="0">
+                          <a:solidFill>
+                            <a:schemeClr val="tx1"/>
+                          </a:solidFill>
+                          <a:latin typeface="Cambria Math" panose="02040503050406030204" pitchFamily="18" charset="0"/>
+                          <a:cs typeface="Calibri" panose="020F0502020204030204" pitchFamily="34" charset="0"/>
+                        </a:rPr>
+                        <m:t>=−</m:t>
+                      </m:r>
+                      <m:d>
+                        <m:dPr>
+                          <m:begChr m:val="["/>
+                          <m:endChr m:val="]"/>
+                          <m:ctrlPr>
+                            <a:rPr lang="en-US" sz="2400" b="0" i="1" smtClean="0">
+                              <a:solidFill>
+                                <a:schemeClr val="tx1"/>
+                              </a:solidFill>
+                              <a:latin typeface="Cambria Math" panose="02040503050406030204" pitchFamily="18" charset="0"/>
+                              <a:cs typeface="Calibri" panose="020F0502020204030204" pitchFamily="34" charset="0"/>
+                            </a:rPr>
+                          </m:ctrlPr>
+                        </m:dPr>
+                        <m:e>
+                          <m:sSub>
+                            <m:sSubPr>
+                              <m:ctrlPr>
+                                <a:rPr lang="en-US" sz="2400" b="0" i="1" smtClean="0">
+                                  <a:solidFill>
+                                    <a:schemeClr val="tx1"/>
+                                  </a:solidFill>
+                                  <a:latin typeface="Cambria Math" panose="02040503050406030204" pitchFamily="18" charset="0"/>
+                                  <a:cs typeface="Calibri" panose="020F0502020204030204" pitchFamily="34" charset="0"/>
+                                </a:rPr>
+                              </m:ctrlPr>
+                            </m:sSubPr>
+                            <m:e>
+                              <m:r>
+                                <a:rPr lang="en-US" sz="2400" b="0" i="1" smtClean="0">
+                                  <a:solidFill>
+                                    <a:schemeClr val="tx1"/>
+                                  </a:solidFill>
+                                  <a:latin typeface="Cambria Math" panose="02040503050406030204" pitchFamily="18" charset="0"/>
+                                  <a:cs typeface="Calibri" panose="020F0502020204030204" pitchFamily="34" charset="0"/>
+                                </a:rPr>
+                                <m:t>𝑦</m:t>
+                              </m:r>
+                            </m:e>
+                            <m:sub>
+                              <m:r>
+                                <a:rPr lang="en-US" sz="2400" b="0" i="1" smtClean="0">
+                                  <a:solidFill>
+                                    <a:schemeClr val="tx1"/>
+                                  </a:solidFill>
+                                  <a:latin typeface="Cambria Math" panose="02040503050406030204" pitchFamily="18" charset="0"/>
+                                  <a:cs typeface="Calibri" panose="020F0502020204030204" pitchFamily="34" charset="0"/>
+                                </a:rPr>
+                                <m:t>𝑖</m:t>
+                              </m:r>
+                            </m:sub>
+                          </m:sSub>
+                          <m:func>
+                            <m:funcPr>
+                              <m:ctrlPr>
+                                <a:rPr lang="en-US" sz="2400" b="0" i="1" smtClean="0">
+                                  <a:solidFill>
+                                    <a:schemeClr val="tx1"/>
+                                  </a:solidFill>
+                                  <a:latin typeface="Cambria Math" panose="02040503050406030204" pitchFamily="18" charset="0"/>
+                                  <a:cs typeface="Calibri" panose="020F0502020204030204" pitchFamily="34" charset="0"/>
+                                </a:rPr>
+                              </m:ctrlPr>
+                            </m:funcPr>
+                            <m:fName>
+                              <m:r>
+                                <m:rPr>
+                                  <m:sty m:val="p"/>
+                                </m:rPr>
+                                <a:rPr lang="en-US" sz="2400" b="0" i="0" smtClean="0">
+                                  <a:solidFill>
+                                    <a:schemeClr val="tx1"/>
+                                  </a:solidFill>
+                                  <a:latin typeface="Cambria Math" panose="02040503050406030204" pitchFamily="18" charset="0"/>
+                                  <a:cs typeface="Calibri" panose="020F0502020204030204" pitchFamily="34" charset="0"/>
+                                </a:rPr>
+                                <m:t>log</m:t>
+                              </m:r>
+                            </m:fName>
+                            <m:e>
+                              <m:sSub>
+                                <m:sSubPr>
+                                  <m:ctrlPr>
+                                    <a:rPr lang="en-US" sz="2400" b="0" i="1" smtClean="0">
+                                      <a:solidFill>
+                                        <a:schemeClr val="tx1"/>
+                                      </a:solidFill>
+                                      <a:latin typeface="Cambria Math" panose="02040503050406030204" pitchFamily="18" charset="0"/>
+                                      <a:cs typeface="Calibri" panose="020F0502020204030204" pitchFamily="34" charset="0"/>
+                                    </a:rPr>
+                                  </m:ctrlPr>
+                                </m:sSubPr>
+                                <m:e>
+                                  <m:acc>
+                                    <m:accPr>
+                                      <m:chr m:val="̂"/>
+                                      <m:ctrlPr>
+                                        <a:rPr lang="en-US" sz="2400" b="0" i="1" smtClean="0">
+                                          <a:solidFill>
+                                            <a:schemeClr val="tx1"/>
+                                          </a:solidFill>
+                                          <a:latin typeface="Cambria Math" panose="02040503050406030204" pitchFamily="18" charset="0"/>
+                                          <a:cs typeface="Calibri" panose="020F0502020204030204" pitchFamily="34" charset="0"/>
+                                        </a:rPr>
+                                      </m:ctrlPr>
+                                    </m:accPr>
+                                    <m:e>
+                                      <m:r>
+                                        <a:rPr lang="en-US" sz="2400" b="0" i="1" smtClean="0">
+                                          <a:solidFill>
+                                            <a:schemeClr val="tx1"/>
+                                          </a:solidFill>
+                                          <a:latin typeface="Cambria Math" panose="02040503050406030204" pitchFamily="18" charset="0"/>
+                                          <a:cs typeface="Calibri" panose="020F0502020204030204" pitchFamily="34" charset="0"/>
+                                        </a:rPr>
+                                        <m:t>𝑦</m:t>
+                                      </m:r>
+                                    </m:e>
+                                  </m:acc>
+                                </m:e>
+                                <m:sub>
+                                  <m:r>
+                                    <a:rPr lang="en-US" sz="2400" b="0" i="1" smtClean="0">
+                                      <a:solidFill>
+                                        <a:schemeClr val="tx1"/>
+                                      </a:solidFill>
+                                      <a:latin typeface="Cambria Math" panose="02040503050406030204" pitchFamily="18" charset="0"/>
+                                      <a:cs typeface="Calibri" panose="020F0502020204030204" pitchFamily="34" charset="0"/>
+                                    </a:rPr>
+                                    <m:t>𝑖</m:t>
+                                  </m:r>
+                                </m:sub>
+                              </m:sSub>
+                            </m:e>
+                          </m:func>
+                          <m:r>
+                            <a:rPr lang="en-US" sz="2400" b="0" i="1" smtClean="0">
+                              <a:solidFill>
+                                <a:schemeClr val="tx1"/>
+                              </a:solidFill>
+                              <a:latin typeface="Cambria Math" panose="02040503050406030204" pitchFamily="18" charset="0"/>
+                              <a:cs typeface="Calibri" panose="020F0502020204030204" pitchFamily="34" charset="0"/>
+                            </a:rPr>
+                            <m:t>+</m:t>
+                          </m:r>
+                          <m:d>
+                            <m:dPr>
+                              <m:ctrlPr>
+                                <a:rPr lang="en-US" sz="2400" b="0" i="1" smtClean="0">
+                                  <a:solidFill>
+                                    <a:schemeClr val="tx1"/>
+                                  </a:solidFill>
+                                  <a:latin typeface="Cambria Math" panose="02040503050406030204" pitchFamily="18" charset="0"/>
+                                  <a:cs typeface="Calibri" panose="020F0502020204030204" pitchFamily="34" charset="0"/>
+                                </a:rPr>
+                              </m:ctrlPr>
+                            </m:dPr>
+                            <m:e>
+                              <m:r>
+                                <a:rPr lang="en-US" sz="2400" b="0" i="1" smtClean="0">
+                                  <a:solidFill>
+                                    <a:schemeClr val="tx1"/>
+                                  </a:solidFill>
+                                  <a:latin typeface="Cambria Math" panose="02040503050406030204" pitchFamily="18" charset="0"/>
+                                  <a:cs typeface="Calibri" panose="020F0502020204030204" pitchFamily="34" charset="0"/>
+                                </a:rPr>
+                                <m:t>1−</m:t>
+                              </m:r>
+                              <m:sSub>
+                                <m:sSubPr>
+                                  <m:ctrlPr>
+                                    <a:rPr lang="en-US" sz="2400" b="0" i="1" smtClean="0">
+                                      <a:solidFill>
+                                        <a:schemeClr val="tx1"/>
+                                      </a:solidFill>
+                                      <a:latin typeface="Cambria Math" panose="02040503050406030204" pitchFamily="18" charset="0"/>
+                                      <a:cs typeface="Calibri" panose="020F0502020204030204" pitchFamily="34" charset="0"/>
+                                    </a:rPr>
+                                  </m:ctrlPr>
+                                </m:sSubPr>
+                                <m:e>
+                                  <m:r>
+                                    <a:rPr lang="en-US" sz="2400" b="0" i="1" smtClean="0">
+                                      <a:solidFill>
+                                        <a:schemeClr val="tx1"/>
+                                      </a:solidFill>
+                                      <a:latin typeface="Cambria Math" panose="02040503050406030204" pitchFamily="18" charset="0"/>
+                                      <a:cs typeface="Calibri" panose="020F0502020204030204" pitchFamily="34" charset="0"/>
+                                    </a:rPr>
+                                    <m:t>𝑦</m:t>
+                                  </m:r>
+                                </m:e>
+                                <m:sub>
+                                  <m:r>
+                                    <a:rPr lang="en-US" sz="2400" b="0" i="1" smtClean="0">
+                                      <a:solidFill>
+                                        <a:schemeClr val="tx1"/>
+                                      </a:solidFill>
+                                      <a:latin typeface="Cambria Math" panose="02040503050406030204" pitchFamily="18" charset="0"/>
+                                      <a:cs typeface="Calibri" panose="020F0502020204030204" pitchFamily="34" charset="0"/>
+                                    </a:rPr>
+                                    <m:t>𝑖</m:t>
+                                  </m:r>
+                                </m:sub>
+                              </m:sSub>
+                            </m:e>
+                          </m:d>
+                          <m:func>
+                            <m:funcPr>
+                              <m:ctrlPr>
+                                <a:rPr lang="en-US" sz="2400" b="0" i="1" smtClean="0">
+                                  <a:solidFill>
+                                    <a:schemeClr val="tx1"/>
+                                  </a:solidFill>
+                                  <a:latin typeface="Cambria Math" panose="02040503050406030204" pitchFamily="18" charset="0"/>
+                                  <a:cs typeface="Calibri" panose="020F0502020204030204" pitchFamily="34" charset="0"/>
+                                </a:rPr>
+                              </m:ctrlPr>
+                            </m:funcPr>
+                            <m:fName>
+                              <m:r>
+                                <m:rPr>
+                                  <m:sty m:val="p"/>
+                                </m:rPr>
+                                <a:rPr lang="en-US" sz="2400" b="0" i="0" smtClean="0">
+                                  <a:solidFill>
+                                    <a:schemeClr val="tx1"/>
+                                  </a:solidFill>
+                                  <a:latin typeface="Cambria Math" panose="02040503050406030204" pitchFamily="18" charset="0"/>
+                                  <a:cs typeface="Calibri" panose="020F0502020204030204" pitchFamily="34" charset="0"/>
+                                </a:rPr>
+                                <m:t>log</m:t>
+                              </m:r>
+                            </m:fName>
+                            <m:e>
+                              <m:sSub>
+                                <m:sSubPr>
+                                  <m:ctrlPr>
+                                    <a:rPr lang="en-US" sz="2400" b="0" i="1" smtClean="0">
+                                      <a:solidFill>
+                                        <a:schemeClr val="tx1"/>
+                                      </a:solidFill>
+                                      <a:latin typeface="Cambria Math" panose="02040503050406030204" pitchFamily="18" charset="0"/>
+                                      <a:cs typeface="Calibri" panose="020F0502020204030204" pitchFamily="34" charset="0"/>
+                                    </a:rPr>
+                                  </m:ctrlPr>
+                                </m:sSubPr>
+                                <m:e>
+                                  <m:acc>
+                                    <m:accPr>
+                                      <m:chr m:val="̂"/>
+                                      <m:ctrlPr>
+                                        <a:rPr lang="en-US" sz="2400" b="0" i="1" smtClean="0">
+                                          <a:solidFill>
+                                            <a:schemeClr val="tx1"/>
+                                          </a:solidFill>
+                                          <a:latin typeface="Cambria Math" panose="02040503050406030204" pitchFamily="18" charset="0"/>
+                                          <a:cs typeface="Calibri" panose="020F0502020204030204" pitchFamily="34" charset="0"/>
+                                        </a:rPr>
+                                      </m:ctrlPr>
+                                    </m:accPr>
+                                    <m:e>
+                                      <m:r>
+                                        <a:rPr lang="en-US" sz="2400" b="0" i="1" smtClean="0">
+                                          <a:solidFill>
+                                            <a:schemeClr val="tx1"/>
+                                          </a:solidFill>
+                                          <a:latin typeface="Cambria Math" panose="02040503050406030204" pitchFamily="18" charset="0"/>
+                                          <a:cs typeface="Calibri" panose="020F0502020204030204" pitchFamily="34" charset="0"/>
+                                        </a:rPr>
+                                        <m:t>𝑦</m:t>
+                                      </m:r>
+                                    </m:e>
+                                  </m:acc>
+                                </m:e>
+                                <m:sub>
+                                  <m:r>
+                                    <a:rPr lang="en-US" sz="2400" b="0" i="1" smtClean="0">
+                                      <a:solidFill>
+                                        <a:schemeClr val="tx1"/>
+                                      </a:solidFill>
+                                      <a:latin typeface="Cambria Math" panose="02040503050406030204" pitchFamily="18" charset="0"/>
+                                      <a:cs typeface="Calibri" panose="020F0502020204030204" pitchFamily="34" charset="0"/>
+                                    </a:rPr>
+                                    <m:t>𝑖</m:t>
+                                  </m:r>
+                                </m:sub>
+                              </m:sSub>
+                            </m:e>
+                          </m:func>
+                        </m:e>
+                      </m:d>
+                    </m:oMath>
+                  </m:oMathPara>
+                </a14:m>
+                <a:endParaRPr lang="en-US" sz="2400" b="0" dirty="0" smtClean="0">
+                  <a:solidFill>
+                    <a:schemeClr val="tx1"/>
+                  </a:solidFill>
+                  <a:latin typeface="Calibri" panose="020F0502020204030204" pitchFamily="34" charset="0"/>
+                  <a:cs typeface="Calibri" panose="020F0502020204030204" pitchFamily="34" charset="0"/>
+                </a:endParaRPr>
+              </a:p>
+              <a:p>
+                <a:r>
+                  <a:rPr lang="en-US" sz="2400" dirty="0" smtClean="0">
+                    <a:solidFill>
+                      <a:schemeClr val="tx1"/>
+                    </a:solidFill>
+                    <a:latin typeface="Calibri" panose="020F0502020204030204" pitchFamily="34" charset="0"/>
+                    <a:cs typeface="Calibri" panose="020F0502020204030204" pitchFamily="34" charset="0"/>
+                  </a:rPr>
+                  <a:t>We prefer to use convex loss function</a:t>
+                </a:r>
+              </a:p>
+              <a:p>
+                <a:r>
+                  <a:rPr lang="en-US" sz="2400" dirty="0" smtClean="0">
+                    <a:solidFill>
+                      <a:schemeClr val="tx1"/>
+                    </a:solidFill>
+                    <a:latin typeface="Calibri" panose="020F0502020204030204" pitchFamily="34" charset="0"/>
+                    <a:cs typeface="Calibri" panose="020F0502020204030204" pitchFamily="34" charset="0"/>
+                  </a:rPr>
+                  <a:t>Cost function: its just average of loss</a:t>
+                </a:r>
+              </a:p>
+              <a:p>
+                <a:pPr marL="34290" indent="0">
+                  <a:buNone/>
+                </a:pPr>
+                <a14:m>
+                  <m:oMathPara xmlns:m="http://schemas.openxmlformats.org/officeDocument/2006/math">
+                    <m:oMathParaPr>
+                      <m:jc m:val="centerGroup"/>
+                    </m:oMathParaPr>
+                    <m:oMath xmlns:m="http://schemas.openxmlformats.org/officeDocument/2006/math">
+                      <m:r>
+                        <a:rPr lang="en-US" sz="2400" b="0" i="1" smtClean="0">
+                          <a:solidFill>
+                            <a:schemeClr val="tx1"/>
+                          </a:solidFill>
+                          <a:latin typeface="Cambria Math" panose="02040503050406030204" pitchFamily="18" charset="0"/>
+                          <a:cs typeface="Calibri" panose="020F0502020204030204" pitchFamily="34" charset="0"/>
+                        </a:rPr>
+                        <m:t>𝐽</m:t>
+                      </m:r>
+                      <m:d>
+                        <m:dPr>
+                          <m:ctrlPr>
+                            <a:rPr lang="en-US" sz="2400" b="0" i="1" smtClean="0">
+                              <a:solidFill>
+                                <a:schemeClr val="tx1"/>
+                              </a:solidFill>
+                              <a:latin typeface="Cambria Math" panose="02040503050406030204" pitchFamily="18" charset="0"/>
+                              <a:cs typeface="Calibri" panose="020F0502020204030204" pitchFamily="34" charset="0"/>
+                            </a:rPr>
+                          </m:ctrlPr>
+                        </m:dPr>
+                        <m:e>
+                          <m:r>
+                            <a:rPr lang="en-US" sz="2400" b="0" i="1" smtClean="0">
+                              <a:solidFill>
+                                <a:schemeClr val="tx1"/>
+                              </a:solidFill>
+                              <a:latin typeface="Cambria Math" panose="02040503050406030204" pitchFamily="18" charset="0"/>
+                              <a:cs typeface="Calibri" panose="020F0502020204030204" pitchFamily="34" charset="0"/>
+                            </a:rPr>
+                            <m:t>𝑊</m:t>
+                          </m:r>
+                          <m:r>
+                            <a:rPr lang="en-US" sz="2400" b="0" i="1" smtClean="0">
+                              <a:solidFill>
+                                <a:schemeClr val="tx1"/>
+                              </a:solidFill>
+                              <a:latin typeface="Cambria Math" panose="02040503050406030204" pitchFamily="18" charset="0"/>
+                              <a:cs typeface="Calibri" panose="020F0502020204030204" pitchFamily="34" charset="0"/>
+                            </a:rPr>
+                            <m:t>,</m:t>
+                          </m:r>
+                          <m:r>
+                            <a:rPr lang="en-US" sz="2400" b="0" i="1" smtClean="0">
+                              <a:solidFill>
+                                <a:schemeClr val="tx1"/>
+                              </a:solidFill>
+                              <a:latin typeface="Cambria Math" panose="02040503050406030204" pitchFamily="18" charset="0"/>
+                              <a:cs typeface="Calibri" panose="020F0502020204030204" pitchFamily="34" charset="0"/>
+                            </a:rPr>
+                            <m:t>𝑏</m:t>
+                          </m:r>
+                        </m:e>
+                      </m:d>
+                      <m:r>
+                        <a:rPr lang="en-US" sz="2400" b="0" i="1" smtClean="0">
+                          <a:solidFill>
+                            <a:schemeClr val="tx1"/>
+                          </a:solidFill>
+                          <a:latin typeface="Cambria Math" panose="02040503050406030204" pitchFamily="18" charset="0"/>
+                          <a:cs typeface="Calibri" panose="020F0502020204030204" pitchFamily="34" charset="0"/>
+                        </a:rPr>
+                        <m:t>=−</m:t>
+                      </m:r>
+                      <m:f>
+                        <m:fPr>
+                          <m:ctrlPr>
+                            <a:rPr lang="en-US" sz="2400" b="0" i="1" smtClean="0">
+                              <a:solidFill>
+                                <a:schemeClr val="tx1"/>
+                              </a:solidFill>
+                              <a:latin typeface="Cambria Math" panose="02040503050406030204" pitchFamily="18" charset="0"/>
+                              <a:cs typeface="Calibri" panose="020F0502020204030204" pitchFamily="34" charset="0"/>
+                            </a:rPr>
+                          </m:ctrlPr>
+                        </m:fPr>
+                        <m:num>
+                          <m:r>
+                            <a:rPr lang="en-US" sz="2400" b="0" i="1" smtClean="0">
+                              <a:solidFill>
+                                <a:schemeClr val="tx1"/>
+                              </a:solidFill>
+                              <a:latin typeface="Cambria Math" panose="02040503050406030204" pitchFamily="18" charset="0"/>
+                              <a:cs typeface="Calibri" panose="020F0502020204030204" pitchFamily="34" charset="0"/>
+                            </a:rPr>
+                            <m:t>1</m:t>
+                          </m:r>
+                        </m:num>
+                        <m:den>
+                          <m:r>
+                            <a:rPr lang="en-US" sz="2400" b="0" i="1" smtClean="0">
+                              <a:solidFill>
+                                <a:schemeClr val="tx1"/>
+                              </a:solidFill>
+                              <a:latin typeface="Cambria Math" panose="02040503050406030204" pitchFamily="18" charset="0"/>
+                              <a:cs typeface="Calibri" panose="020F0502020204030204" pitchFamily="34" charset="0"/>
+                            </a:rPr>
+                            <m:t>𝑚</m:t>
+                          </m:r>
+                        </m:den>
+                      </m:f>
+                      <m:nary>
+                        <m:naryPr>
+                          <m:chr m:val="∑"/>
+                          <m:ctrlPr>
+                            <a:rPr lang="en-US" sz="2400" b="0" i="1" smtClean="0">
+                              <a:solidFill>
+                                <a:schemeClr val="tx1"/>
+                              </a:solidFill>
+                              <a:latin typeface="Cambria Math" panose="02040503050406030204" pitchFamily="18" charset="0"/>
+                              <a:cs typeface="Calibri" panose="020F0502020204030204" pitchFamily="34" charset="0"/>
+                            </a:rPr>
+                          </m:ctrlPr>
+                        </m:naryPr>
+                        <m:sub>
+                          <m:r>
+                            <m:rPr>
+                              <m:brk m:alnAt="23"/>
+                            </m:rPr>
+                            <a:rPr lang="en-US" sz="2400" b="0" i="1" smtClean="0">
+                              <a:solidFill>
+                                <a:schemeClr val="tx1"/>
+                              </a:solidFill>
+                              <a:latin typeface="Cambria Math" panose="02040503050406030204" pitchFamily="18" charset="0"/>
+                              <a:cs typeface="Calibri" panose="020F0502020204030204" pitchFamily="34" charset="0"/>
+                            </a:rPr>
+                            <m:t>1</m:t>
+                          </m:r>
+                        </m:sub>
+                        <m:sup>
+                          <m:r>
+                            <a:rPr lang="en-US" sz="2400" b="0" i="1" smtClean="0">
+                              <a:solidFill>
+                                <a:schemeClr val="tx1"/>
+                              </a:solidFill>
+                              <a:latin typeface="Cambria Math" panose="02040503050406030204" pitchFamily="18" charset="0"/>
+                              <a:cs typeface="Calibri" panose="020F0502020204030204" pitchFamily="34" charset="0"/>
+                            </a:rPr>
+                            <m:t>𝑚</m:t>
+                          </m:r>
+                        </m:sup>
+                        <m:e>
+                          <m:d>
+                            <m:dPr>
+                              <m:begChr m:val="["/>
+                              <m:endChr m:val="]"/>
+                              <m:ctrlPr>
+                                <a:rPr lang="en-US" sz="2400" b="0" i="1" smtClean="0">
+                                  <a:solidFill>
+                                    <a:schemeClr val="tx1"/>
+                                  </a:solidFill>
+                                  <a:latin typeface="Cambria Math" panose="02040503050406030204" pitchFamily="18" charset="0"/>
+                                  <a:cs typeface="Calibri" panose="020F0502020204030204" pitchFamily="34" charset="0"/>
+                                </a:rPr>
+                              </m:ctrlPr>
+                            </m:dPr>
+                            <m:e>
+                              <m:sSub>
+                                <m:sSubPr>
+                                  <m:ctrlPr>
+                                    <a:rPr lang="en-US" sz="2400" i="1">
+                                      <a:solidFill>
+                                        <a:schemeClr val="tx1"/>
+                                      </a:solidFill>
+                                      <a:latin typeface="Cambria Math" panose="02040503050406030204" pitchFamily="18" charset="0"/>
+                                      <a:cs typeface="Calibri" panose="020F0502020204030204" pitchFamily="34" charset="0"/>
+                                    </a:rPr>
+                                  </m:ctrlPr>
+                                </m:sSubPr>
+                                <m:e>
+                                  <m:r>
+                                    <a:rPr lang="en-US" sz="2400" i="1">
+                                      <a:solidFill>
+                                        <a:schemeClr val="tx1"/>
+                                      </a:solidFill>
+                                      <a:latin typeface="Cambria Math" panose="02040503050406030204" pitchFamily="18" charset="0"/>
+                                      <a:cs typeface="Calibri" panose="020F0502020204030204" pitchFamily="34" charset="0"/>
+                                    </a:rPr>
+                                    <m:t>𝑦</m:t>
+                                  </m:r>
+                                </m:e>
+                                <m:sub>
+                                  <m:r>
+                                    <a:rPr lang="en-US" sz="2400" i="1">
+                                      <a:solidFill>
+                                        <a:schemeClr val="tx1"/>
+                                      </a:solidFill>
+                                      <a:latin typeface="Cambria Math" panose="02040503050406030204" pitchFamily="18" charset="0"/>
+                                      <a:cs typeface="Calibri" panose="020F0502020204030204" pitchFamily="34" charset="0"/>
+                                    </a:rPr>
+                                    <m:t>𝑖</m:t>
+                                  </m:r>
+                                </m:sub>
+                              </m:sSub>
+                              <m:func>
+                                <m:funcPr>
+                                  <m:ctrlPr>
+                                    <a:rPr lang="en-US" sz="2400" i="1">
+                                      <a:solidFill>
+                                        <a:schemeClr val="tx1"/>
+                                      </a:solidFill>
+                                      <a:latin typeface="Cambria Math" panose="02040503050406030204" pitchFamily="18" charset="0"/>
+                                      <a:cs typeface="Calibri" panose="020F0502020204030204" pitchFamily="34" charset="0"/>
+                                    </a:rPr>
+                                  </m:ctrlPr>
+                                </m:funcPr>
+                                <m:fName>
+                                  <m:r>
+                                    <m:rPr>
+                                      <m:sty m:val="p"/>
+                                    </m:rPr>
+                                    <a:rPr lang="en-US" sz="2400">
+                                      <a:solidFill>
+                                        <a:schemeClr val="tx1"/>
+                                      </a:solidFill>
+                                      <a:latin typeface="Cambria Math" panose="02040503050406030204" pitchFamily="18" charset="0"/>
+                                      <a:cs typeface="Calibri" panose="020F0502020204030204" pitchFamily="34" charset="0"/>
+                                    </a:rPr>
+                                    <m:t>log</m:t>
+                                  </m:r>
+                                </m:fName>
+                                <m:e>
+                                  <m:sSub>
+                                    <m:sSubPr>
+                                      <m:ctrlPr>
+                                        <a:rPr lang="en-US" sz="2400" i="1">
+                                          <a:solidFill>
+                                            <a:schemeClr val="tx1"/>
+                                          </a:solidFill>
+                                          <a:latin typeface="Cambria Math" panose="02040503050406030204" pitchFamily="18" charset="0"/>
+                                          <a:cs typeface="Calibri" panose="020F0502020204030204" pitchFamily="34" charset="0"/>
+                                        </a:rPr>
+                                      </m:ctrlPr>
+                                    </m:sSubPr>
+                                    <m:e>
+                                      <m:acc>
+                                        <m:accPr>
+                                          <m:chr m:val="̂"/>
+                                          <m:ctrlPr>
+                                            <a:rPr lang="en-US" sz="2400" i="1">
+                                              <a:solidFill>
+                                                <a:schemeClr val="tx1"/>
+                                              </a:solidFill>
+                                              <a:latin typeface="Cambria Math" panose="02040503050406030204" pitchFamily="18" charset="0"/>
+                                              <a:cs typeface="Calibri" panose="020F0502020204030204" pitchFamily="34" charset="0"/>
+                                            </a:rPr>
+                                          </m:ctrlPr>
+                                        </m:accPr>
+                                        <m:e>
+                                          <m:r>
+                                            <a:rPr lang="en-US" sz="2400" i="1">
+                                              <a:solidFill>
+                                                <a:schemeClr val="tx1"/>
+                                              </a:solidFill>
+                                              <a:latin typeface="Cambria Math" panose="02040503050406030204" pitchFamily="18" charset="0"/>
+                                              <a:cs typeface="Calibri" panose="020F0502020204030204" pitchFamily="34" charset="0"/>
+                                            </a:rPr>
+                                            <m:t>𝑦</m:t>
+                                          </m:r>
+                                        </m:e>
+                                      </m:acc>
+                                    </m:e>
+                                    <m:sub>
+                                      <m:r>
+                                        <a:rPr lang="en-US" sz="2400" i="1">
+                                          <a:solidFill>
+                                            <a:schemeClr val="tx1"/>
+                                          </a:solidFill>
+                                          <a:latin typeface="Cambria Math" panose="02040503050406030204" pitchFamily="18" charset="0"/>
+                                          <a:cs typeface="Calibri" panose="020F0502020204030204" pitchFamily="34" charset="0"/>
+                                        </a:rPr>
+                                        <m:t>𝑖</m:t>
+                                      </m:r>
+                                    </m:sub>
+                                  </m:sSub>
+                                </m:e>
+                              </m:func>
+                              <m:r>
+                                <a:rPr lang="en-US" sz="2400" i="1">
+                                  <a:solidFill>
+                                    <a:schemeClr val="tx1"/>
+                                  </a:solidFill>
+                                  <a:latin typeface="Cambria Math" panose="02040503050406030204" pitchFamily="18" charset="0"/>
+                                  <a:cs typeface="Calibri" panose="020F0502020204030204" pitchFamily="34" charset="0"/>
+                                </a:rPr>
+                                <m:t>+</m:t>
+                              </m:r>
+                              <m:d>
+                                <m:dPr>
+                                  <m:ctrlPr>
+                                    <a:rPr lang="en-US" sz="2400" i="1">
+                                      <a:solidFill>
+                                        <a:schemeClr val="tx1"/>
+                                      </a:solidFill>
+                                      <a:latin typeface="Cambria Math" panose="02040503050406030204" pitchFamily="18" charset="0"/>
+                                      <a:cs typeface="Calibri" panose="020F0502020204030204" pitchFamily="34" charset="0"/>
+                                    </a:rPr>
+                                  </m:ctrlPr>
+                                </m:dPr>
+                                <m:e>
+                                  <m:r>
+                                    <a:rPr lang="en-US" sz="2400" i="1">
+                                      <a:solidFill>
+                                        <a:schemeClr val="tx1"/>
+                                      </a:solidFill>
+                                      <a:latin typeface="Cambria Math" panose="02040503050406030204" pitchFamily="18" charset="0"/>
+                                      <a:cs typeface="Calibri" panose="020F0502020204030204" pitchFamily="34" charset="0"/>
+                                    </a:rPr>
+                                    <m:t>1−</m:t>
+                                  </m:r>
+                                  <m:sSub>
+                                    <m:sSubPr>
+                                      <m:ctrlPr>
+                                        <a:rPr lang="en-US" sz="2400" i="1">
+                                          <a:solidFill>
+                                            <a:schemeClr val="tx1"/>
+                                          </a:solidFill>
+                                          <a:latin typeface="Cambria Math" panose="02040503050406030204" pitchFamily="18" charset="0"/>
+                                          <a:cs typeface="Calibri" panose="020F0502020204030204" pitchFamily="34" charset="0"/>
+                                        </a:rPr>
+                                      </m:ctrlPr>
+                                    </m:sSubPr>
+                                    <m:e>
+                                      <m:r>
+                                        <a:rPr lang="en-US" sz="2400" i="1">
+                                          <a:solidFill>
+                                            <a:schemeClr val="tx1"/>
+                                          </a:solidFill>
+                                          <a:latin typeface="Cambria Math" panose="02040503050406030204" pitchFamily="18" charset="0"/>
+                                          <a:cs typeface="Calibri" panose="020F0502020204030204" pitchFamily="34" charset="0"/>
+                                        </a:rPr>
+                                        <m:t>𝑦</m:t>
+                                      </m:r>
+                                    </m:e>
+                                    <m:sub>
+                                      <m:r>
+                                        <a:rPr lang="en-US" sz="2400" i="1">
+                                          <a:solidFill>
+                                            <a:schemeClr val="tx1"/>
+                                          </a:solidFill>
+                                          <a:latin typeface="Cambria Math" panose="02040503050406030204" pitchFamily="18" charset="0"/>
+                                          <a:cs typeface="Calibri" panose="020F0502020204030204" pitchFamily="34" charset="0"/>
+                                        </a:rPr>
+                                        <m:t>𝑖</m:t>
+                                      </m:r>
+                                    </m:sub>
+                                  </m:sSub>
+                                </m:e>
+                              </m:d>
+                              <m:func>
+                                <m:funcPr>
+                                  <m:ctrlPr>
+                                    <a:rPr lang="en-US" sz="2400" i="1">
+                                      <a:solidFill>
+                                        <a:schemeClr val="tx1"/>
+                                      </a:solidFill>
+                                      <a:latin typeface="Cambria Math" panose="02040503050406030204" pitchFamily="18" charset="0"/>
+                                      <a:cs typeface="Calibri" panose="020F0502020204030204" pitchFamily="34" charset="0"/>
+                                    </a:rPr>
+                                  </m:ctrlPr>
+                                </m:funcPr>
+                                <m:fName>
+                                  <m:r>
+                                    <m:rPr>
+                                      <m:sty m:val="p"/>
+                                    </m:rPr>
+                                    <a:rPr lang="en-US" sz="2400">
+                                      <a:solidFill>
+                                        <a:schemeClr val="tx1"/>
+                                      </a:solidFill>
+                                      <a:latin typeface="Cambria Math" panose="02040503050406030204" pitchFamily="18" charset="0"/>
+                                      <a:cs typeface="Calibri" panose="020F0502020204030204" pitchFamily="34" charset="0"/>
+                                    </a:rPr>
+                                    <m:t>log</m:t>
+                                  </m:r>
+                                </m:fName>
+                                <m:e>
+                                  <m:sSub>
+                                    <m:sSubPr>
+                                      <m:ctrlPr>
+                                        <a:rPr lang="en-US" sz="2400" i="1">
+                                          <a:solidFill>
+                                            <a:schemeClr val="tx1"/>
+                                          </a:solidFill>
+                                          <a:latin typeface="Cambria Math" panose="02040503050406030204" pitchFamily="18" charset="0"/>
+                                          <a:cs typeface="Calibri" panose="020F0502020204030204" pitchFamily="34" charset="0"/>
+                                        </a:rPr>
+                                      </m:ctrlPr>
+                                    </m:sSubPr>
+                                    <m:e>
+                                      <m:acc>
+                                        <m:accPr>
+                                          <m:chr m:val="̂"/>
+                                          <m:ctrlPr>
+                                            <a:rPr lang="en-US" sz="2400" i="1">
+                                              <a:solidFill>
+                                                <a:schemeClr val="tx1"/>
+                                              </a:solidFill>
+                                              <a:latin typeface="Cambria Math" panose="02040503050406030204" pitchFamily="18" charset="0"/>
+                                              <a:cs typeface="Calibri" panose="020F0502020204030204" pitchFamily="34" charset="0"/>
+                                            </a:rPr>
+                                          </m:ctrlPr>
+                                        </m:accPr>
+                                        <m:e>
+                                          <m:r>
+                                            <a:rPr lang="en-US" sz="2400" i="1">
+                                              <a:solidFill>
+                                                <a:schemeClr val="tx1"/>
+                                              </a:solidFill>
+                                              <a:latin typeface="Cambria Math" panose="02040503050406030204" pitchFamily="18" charset="0"/>
+                                              <a:cs typeface="Calibri" panose="020F0502020204030204" pitchFamily="34" charset="0"/>
+                                            </a:rPr>
+                                            <m:t>𝑦</m:t>
+                                          </m:r>
+                                        </m:e>
+                                      </m:acc>
+                                    </m:e>
+                                    <m:sub>
+                                      <m:r>
+                                        <a:rPr lang="en-US" sz="2400" i="1">
+                                          <a:solidFill>
+                                            <a:schemeClr val="tx1"/>
+                                          </a:solidFill>
+                                          <a:latin typeface="Cambria Math" panose="02040503050406030204" pitchFamily="18" charset="0"/>
+                                          <a:cs typeface="Calibri" panose="020F0502020204030204" pitchFamily="34" charset="0"/>
+                                        </a:rPr>
+                                        <m:t>𝑖</m:t>
+                                      </m:r>
+                                    </m:sub>
+                                  </m:sSub>
+                                </m:e>
+                              </m:func>
+                            </m:e>
+                          </m:d>
+                        </m:e>
+                      </m:nary>
+                    </m:oMath>
+                  </m:oMathPara>
+                </a14:m>
+                <a:endParaRPr lang="en-US" sz="2400" dirty="0" smtClean="0">
+                  <a:solidFill>
+                    <a:schemeClr val="tx1"/>
+                  </a:solidFill>
+                  <a:latin typeface="Calibri" panose="020F0502020204030204" pitchFamily="34" charset="0"/>
+                  <a:cs typeface="Calibri" panose="020F0502020204030204" pitchFamily="34" charset="0"/>
+                </a:endParaRPr>
+              </a:p>
+              <a:p>
+                <a:endParaRPr lang="en-US" sz="2400" dirty="0">
+                  <a:solidFill>
+                    <a:schemeClr val="tx1"/>
+                  </a:solidFill>
+                  <a:latin typeface="Calibri" panose="020F0502020204030204" pitchFamily="34" charset="0"/>
+                  <a:cs typeface="Calibri" panose="020F0502020204030204" pitchFamily="34" charset="0"/>
+                </a:endParaRPr>
+              </a:p>
+            </p:txBody>
+          </p:sp>
+        </mc:Choice>
+        <mc:Fallback>
+          <p:sp>
+            <p:nvSpPr>
+              <p:cNvPr id="3" name="Content Placeholder 2"/>
+              <p:cNvSpPr>
+                <a:spLocks noGrp="1" noRot="1" noChangeAspect="1" noMove="1" noResize="1" noEditPoints="1" noAdjustHandles="1" noChangeArrowheads="1" noChangeShapeType="1" noTextEdit="1"/>
+              </p:cNvSpPr>
+              <p:nvPr>
+                <p:ph idx="1"/>
+              </p:nvPr>
+            </p:nvSpPr>
+            <p:spPr>
+              <a:blipFill rotWithShape="0">
+                <a:blip r:embed="rId2"/>
+                <a:stretch>
+                  <a:fillRect l="-329" t="-2115"/>
+                </a:stretch>
+              </a:blipFill>
+            </p:spPr>
+            <p:txBody>
+              <a:bodyPr/>
+              <a:lstStyle/>
+              <a:p>
+                <a:r>
+                  <a:rPr lang="en-US">
+                    <a:noFill/>
+                  </a:rPr>
+                  <a:t> </a:t>
+                </a:r>
+              </a:p>
+            </p:txBody>
+          </p:sp>
+        </mc:Fallback>
+      </mc:AlternateContent>
+    </p:spTree>
+    <p:extLst>
+      <p:ext uri="{BB962C8B-B14F-4D97-AF65-F5344CB8AC3E}">
+        <p14:creationId xmlns:p14="http://schemas.microsoft.com/office/powerpoint/2010/main" val="2128379280"/>
+      </p:ext>
+    </p:extLst>
+  </p:cSld>
+  <p:clrMapOvr>
+    <a:masterClrMapping/>
+  </p:clrMapOvr>
+  <p:timing>
+    <p:tnLst>
+      <p:par>
+        <p:cTn id="1" dur="indefinite" restart="never" nodeType="tmRoot"/>
+      </p:par>
+    </p:tnLst>
+  </p:timing>
+</p:sld>
+</file>
+
+<file path=ppt/slides/slide19.xml><?xml version="1.0" encoding="utf-8"?>
+<p:sld xmlns:a="http://schemas.openxmlformats.org/drawingml/2006/main" xmlns:r="http://schemas.openxmlformats.org/officeDocument/2006/relationships" xmlns:p="http://schemas.openxmlformats.org/presentationml/2006/main">
+  <p:cSld>
+    <p:spTree>
+      <p:nvGrpSpPr>
+        <p:cNvPr id="1" name=""/>
+        <p:cNvGrpSpPr/>
+        <p:nvPr/>
+      </p:nvGrpSpPr>
+      <p:grpSpPr>
+        <a:xfrm>
+          <a:off x="0" y="0"/>
+          <a:ext cx="0" cy="0"/>
+          <a:chOff x="0" y="0"/>
+          <a:chExt cx="0" cy="0"/>
+        </a:xfrm>
+      </p:grpSpPr>
+      <p:sp>
+        <p:nvSpPr>
+          <p:cNvPr id="2" name="Title 1"/>
+          <p:cNvSpPr>
+            <a:spLocks noGrp="1"/>
+          </p:cNvSpPr>
+          <p:nvPr>
+            <p:ph type="title"/>
+          </p:nvPr>
+        </p:nvSpPr>
+        <p:spPr/>
+        <p:txBody>
+          <a:bodyPr/>
+          <a:lstStyle/>
+          <a:p>
+            <a:pPr algn="ctr"/>
+            <a:r>
+              <a:rPr lang="en-US" dirty="0" smtClean="0">
                 <a:solidFill>
                   <a:schemeClr val="tx1"/>
                 </a:solidFill>
                 <a:latin typeface="Calibri" panose="020F0502020204030204" pitchFamily="34" charset="0"/>
                 <a:cs typeface="Calibri" panose="020F0502020204030204" pitchFamily="34" charset="0"/>
               </a:rPr>
-              <a:t>Keras</a:t>
-            </a:r>
-            <a:r>
-              <a:rPr lang="en-US" sz="2400" dirty="0" smtClean="0">
-                <a:solidFill>
-                  <a:schemeClr val="tx1"/>
-                </a:solidFill>
-                <a:latin typeface="Calibri" panose="020F0502020204030204" pitchFamily="34" charset="0"/>
-                <a:cs typeface="Calibri" panose="020F0502020204030204" pitchFamily="34" charset="0"/>
-              </a:rPr>
-              <a:t> or </a:t>
-            </a:r>
-            <a:r>
-              <a:rPr lang="en-US" sz="2400" dirty="0" err="1" smtClean="0">
-                <a:solidFill>
-                  <a:schemeClr val="tx1"/>
-                </a:solidFill>
-                <a:latin typeface="Calibri" panose="020F0502020204030204" pitchFamily="34" charset="0"/>
-                <a:cs typeface="Calibri" panose="020F0502020204030204" pitchFamily="34" charset="0"/>
-              </a:rPr>
-              <a:t>tensorflow</a:t>
-            </a:r>
-            <a:r>
-              <a:rPr lang="en-US" sz="2400" dirty="0" smtClean="0">
-                <a:solidFill>
-                  <a:schemeClr val="tx1"/>
-                </a:solidFill>
-                <a:latin typeface="Calibri" panose="020F0502020204030204" pitchFamily="34" charset="0"/>
-                <a:cs typeface="Calibri" panose="020F0502020204030204" pitchFamily="34" charset="0"/>
-              </a:rPr>
-              <a:t> or </a:t>
-            </a:r>
-            <a:r>
-              <a:rPr lang="en-US" sz="2400" dirty="0" err="1" smtClean="0">
-                <a:solidFill>
-                  <a:schemeClr val="tx1"/>
-                </a:solidFill>
-                <a:latin typeface="Calibri" panose="020F0502020204030204" pitchFamily="34" charset="0"/>
-                <a:cs typeface="Calibri" panose="020F0502020204030204" pitchFamily="34" charset="0"/>
-              </a:rPr>
-              <a:t>Pytorch</a:t>
-            </a:r>
-            <a:endParaRPr lang="en-US" sz="2400" dirty="0" smtClean="0">
+              <a:t>Gradient Decent</a:t>
+            </a:r>
+            <a:endParaRPr lang="en-US" dirty="0">
               <a:solidFill>
                 <a:schemeClr val="tx1"/>
               </a:solidFill>
@@ -10998,25 +12298,398 @@
               <a:cs typeface="Calibri" panose="020F0502020204030204" pitchFamily="34" charset="0"/>
             </a:endParaRPr>
           </a:p>
-          <a:p>
-            <a:pPr algn="just"/>
-            <a:r>
-              <a:rPr lang="en-US" sz="2400" dirty="0" smtClean="0">
-                <a:solidFill>
-                  <a:schemeClr val="tx1"/>
-                </a:solidFill>
-                <a:latin typeface="Calibri" panose="020F0502020204030204" pitchFamily="34" charset="0"/>
-                <a:cs typeface="Calibri" panose="020F0502020204030204" pitchFamily="34" charset="0"/>
-              </a:rPr>
-              <a:t>Visualize the activation output of each layer.</a:t>
-            </a:r>
-          </a:p>
-        </p:txBody>
-      </p:sp>
+        </p:txBody>
+      </p:sp>
+      <mc:AlternateContent xmlns:mc="http://schemas.openxmlformats.org/markup-compatibility/2006">
+        <mc:Choice xmlns:a14="http://schemas.microsoft.com/office/drawing/2010/main" Requires="a14">
+          <p:sp>
+            <p:nvSpPr>
+              <p:cNvPr id="3" name="Content Placeholder 2"/>
+              <p:cNvSpPr>
+                <a:spLocks noGrp="1"/>
+              </p:cNvSpPr>
+              <p:nvPr>
+                <p:ph idx="1"/>
+              </p:nvPr>
+            </p:nvSpPr>
+            <p:spPr/>
+            <p:txBody>
+              <a:bodyPr>
+                <a:normAutofit/>
+              </a:bodyPr>
+              <a:lstStyle/>
+              <a:p>
+                <a:r>
+                  <a:rPr lang="en-US" sz="2400" dirty="0" smtClean="0">
+                    <a:solidFill>
+                      <a:schemeClr val="tx1"/>
+                    </a:solidFill>
+                    <a:latin typeface="Calibri" panose="020F0502020204030204" pitchFamily="34" charset="0"/>
+                    <a:cs typeface="Calibri" panose="020F0502020204030204" pitchFamily="34" charset="0"/>
+                  </a:rPr>
+                  <a:t>Parameter Update:</a:t>
+                </a:r>
+              </a:p>
+              <a:p>
+                <a:pPr marL="34290" indent="0">
+                  <a:buNone/>
+                </a:pPr>
+                <a14:m>
+                  <m:oMathPara xmlns:m="http://schemas.openxmlformats.org/officeDocument/2006/math">
+                    <m:oMathParaPr>
+                      <m:jc m:val="centerGroup"/>
+                    </m:oMathParaPr>
+                    <m:oMath xmlns:m="http://schemas.openxmlformats.org/officeDocument/2006/math">
+                      <m:r>
+                        <a:rPr lang="en-US" sz="2400" b="0" i="1" smtClean="0">
+                          <a:solidFill>
+                            <a:schemeClr val="tx1"/>
+                          </a:solidFill>
+                          <a:latin typeface="Cambria Math" panose="02040503050406030204" pitchFamily="18" charset="0"/>
+                          <a:cs typeface="Calibri" panose="020F0502020204030204" pitchFamily="34" charset="0"/>
+                        </a:rPr>
+                        <m:t>𝑊</m:t>
+                      </m:r>
+                      <m:r>
+                        <a:rPr lang="en-US" sz="2400" b="0" i="1" smtClean="0">
+                          <a:solidFill>
+                            <a:schemeClr val="tx1"/>
+                          </a:solidFill>
+                          <a:latin typeface="Cambria Math" panose="02040503050406030204" pitchFamily="18" charset="0"/>
+                          <a:cs typeface="Calibri" panose="020F0502020204030204" pitchFamily="34" charset="0"/>
+                        </a:rPr>
+                        <m:t>=</m:t>
+                      </m:r>
+                      <m:r>
+                        <a:rPr lang="en-US" sz="2400" b="0" i="1" smtClean="0">
+                          <a:solidFill>
+                            <a:schemeClr val="tx1"/>
+                          </a:solidFill>
+                          <a:latin typeface="Cambria Math" panose="02040503050406030204" pitchFamily="18" charset="0"/>
+                          <a:cs typeface="Calibri" panose="020F0502020204030204" pitchFamily="34" charset="0"/>
+                        </a:rPr>
+                        <m:t>𝑊</m:t>
+                      </m:r>
+                      <m:r>
+                        <a:rPr lang="en-US" sz="2400" b="0" i="1" smtClean="0">
+                          <a:solidFill>
+                            <a:schemeClr val="tx1"/>
+                          </a:solidFill>
+                          <a:latin typeface="Cambria Math" panose="02040503050406030204" pitchFamily="18" charset="0"/>
+                          <a:cs typeface="Calibri" panose="020F0502020204030204" pitchFamily="34" charset="0"/>
+                        </a:rPr>
+                        <m:t>−</m:t>
+                      </m:r>
+                      <m:r>
+                        <a:rPr lang="en-US" sz="2400" b="0" i="1" smtClean="0">
+                          <a:solidFill>
+                            <a:schemeClr val="tx1"/>
+                          </a:solidFill>
+                          <a:latin typeface="Cambria Math" panose="02040503050406030204" pitchFamily="18" charset="0"/>
+                          <a:ea typeface="Cambria Math" panose="02040503050406030204" pitchFamily="18" charset="0"/>
+                          <a:cs typeface="Calibri" panose="020F0502020204030204" pitchFamily="34" charset="0"/>
+                        </a:rPr>
+                        <m:t>𝛼</m:t>
+                      </m:r>
+                      <m:f>
+                        <m:fPr>
+                          <m:ctrlPr>
+                            <a:rPr lang="en-US" sz="2400" b="0" i="1" smtClean="0">
+                              <a:solidFill>
+                                <a:schemeClr val="tx1"/>
+                              </a:solidFill>
+                              <a:latin typeface="Cambria Math" panose="02040503050406030204" pitchFamily="18" charset="0"/>
+                              <a:ea typeface="Cambria Math" panose="02040503050406030204" pitchFamily="18" charset="0"/>
+                              <a:cs typeface="Calibri" panose="020F0502020204030204" pitchFamily="34" charset="0"/>
+                            </a:rPr>
+                          </m:ctrlPr>
+                        </m:fPr>
+                        <m:num>
+                          <m:r>
+                            <a:rPr lang="en-US" sz="2400" b="0" i="1" smtClean="0">
+                              <a:solidFill>
+                                <a:schemeClr val="tx1"/>
+                              </a:solidFill>
+                              <a:latin typeface="Cambria Math" panose="02040503050406030204" pitchFamily="18" charset="0"/>
+                              <a:ea typeface="Cambria Math" panose="02040503050406030204" pitchFamily="18" charset="0"/>
+                              <a:cs typeface="Calibri" panose="020F0502020204030204" pitchFamily="34" charset="0"/>
+                            </a:rPr>
+                            <m:t>𝛿</m:t>
+                          </m:r>
+                          <m:r>
+                            <a:rPr lang="en-US" sz="2400" b="0" i="1" smtClean="0">
+                              <a:solidFill>
+                                <a:schemeClr val="tx1"/>
+                              </a:solidFill>
+                              <a:latin typeface="Cambria Math" panose="02040503050406030204" pitchFamily="18" charset="0"/>
+                              <a:ea typeface="Cambria Math" panose="02040503050406030204" pitchFamily="18" charset="0"/>
+                              <a:cs typeface="Calibri" panose="020F0502020204030204" pitchFamily="34" charset="0"/>
+                            </a:rPr>
+                            <m:t>𝐽</m:t>
+                          </m:r>
+                        </m:num>
+                        <m:den>
+                          <m:r>
+                            <a:rPr lang="en-US" sz="2400" b="0" i="1" smtClean="0">
+                              <a:solidFill>
+                                <a:schemeClr val="tx1"/>
+                              </a:solidFill>
+                              <a:latin typeface="Cambria Math" panose="02040503050406030204" pitchFamily="18" charset="0"/>
+                              <a:ea typeface="Cambria Math" panose="02040503050406030204" pitchFamily="18" charset="0"/>
+                              <a:cs typeface="Calibri" panose="020F0502020204030204" pitchFamily="34" charset="0"/>
+                            </a:rPr>
+                            <m:t>𝛿</m:t>
+                          </m:r>
+                          <m:r>
+                            <a:rPr lang="en-US" sz="2400" b="0" i="1" smtClean="0">
+                              <a:solidFill>
+                                <a:schemeClr val="tx1"/>
+                              </a:solidFill>
+                              <a:latin typeface="Cambria Math" panose="02040503050406030204" pitchFamily="18" charset="0"/>
+                              <a:ea typeface="Cambria Math" panose="02040503050406030204" pitchFamily="18" charset="0"/>
+                              <a:cs typeface="Calibri" panose="020F0502020204030204" pitchFamily="34" charset="0"/>
+                            </a:rPr>
+                            <m:t>𝑊</m:t>
+                          </m:r>
+                        </m:den>
+                      </m:f>
+                    </m:oMath>
+                  </m:oMathPara>
+                </a14:m>
+                <a:endParaRPr lang="en-US" sz="2400" dirty="0" smtClean="0">
+                  <a:solidFill>
+                    <a:schemeClr val="tx1"/>
+                  </a:solidFill>
+                  <a:latin typeface="Calibri" panose="020F0502020204030204" pitchFamily="34" charset="0"/>
+                  <a:cs typeface="Calibri" panose="020F0502020204030204" pitchFamily="34" charset="0"/>
+                </a:endParaRPr>
+              </a:p>
+              <a:p>
+                <a:pPr marL="34290" indent="0">
+                  <a:buNone/>
+                </a:pPr>
+                <a:endParaRPr lang="en-US" sz="2400" dirty="0" smtClean="0">
+                  <a:solidFill>
+                    <a:schemeClr val="tx1"/>
+                  </a:solidFill>
+                  <a:latin typeface="Calibri" panose="020F0502020204030204" pitchFamily="34" charset="0"/>
+                  <a:cs typeface="Calibri" panose="020F0502020204030204" pitchFamily="34" charset="0"/>
+                </a:endParaRPr>
+              </a:p>
+              <a:p>
+                <a:pPr marL="34290" indent="0">
+                  <a:buNone/>
+                </a:pPr>
+                <a14:m>
+                  <m:oMathPara xmlns:m="http://schemas.openxmlformats.org/officeDocument/2006/math">
+                    <m:oMathParaPr>
+                      <m:jc m:val="centerGroup"/>
+                    </m:oMathParaPr>
+                    <m:oMath xmlns:m="http://schemas.openxmlformats.org/officeDocument/2006/math">
+                      <m:r>
+                        <a:rPr lang="en-US" sz="2400" b="0" i="1" smtClean="0">
+                          <a:solidFill>
+                            <a:schemeClr val="tx1"/>
+                          </a:solidFill>
+                          <a:latin typeface="Cambria Math" panose="02040503050406030204" pitchFamily="18" charset="0"/>
+                          <a:cs typeface="Calibri" panose="020F0502020204030204" pitchFamily="34" charset="0"/>
+                        </a:rPr>
+                        <m:t>𝑏</m:t>
+                      </m:r>
+                      <m:r>
+                        <a:rPr lang="en-US" sz="2400" b="0" i="1" smtClean="0">
+                          <a:solidFill>
+                            <a:schemeClr val="tx1"/>
+                          </a:solidFill>
+                          <a:latin typeface="Cambria Math" panose="02040503050406030204" pitchFamily="18" charset="0"/>
+                          <a:cs typeface="Calibri" panose="020F0502020204030204" pitchFamily="34" charset="0"/>
+                        </a:rPr>
+                        <m:t>=</m:t>
+                      </m:r>
+                      <m:r>
+                        <a:rPr lang="en-US" sz="2400" b="0" i="1" smtClean="0">
+                          <a:solidFill>
+                            <a:schemeClr val="tx1"/>
+                          </a:solidFill>
+                          <a:latin typeface="Cambria Math" panose="02040503050406030204" pitchFamily="18" charset="0"/>
+                          <a:cs typeface="Calibri" panose="020F0502020204030204" pitchFamily="34" charset="0"/>
+                        </a:rPr>
+                        <m:t>𝑏</m:t>
+                      </m:r>
+                      <m:r>
+                        <a:rPr lang="en-US" sz="2400" b="0" i="1" smtClean="0">
+                          <a:solidFill>
+                            <a:schemeClr val="tx1"/>
+                          </a:solidFill>
+                          <a:latin typeface="Cambria Math" panose="02040503050406030204" pitchFamily="18" charset="0"/>
+                          <a:cs typeface="Calibri" panose="020F0502020204030204" pitchFamily="34" charset="0"/>
+                        </a:rPr>
+                        <m:t>−</m:t>
+                      </m:r>
+                      <m:r>
+                        <a:rPr lang="en-US" sz="2400" b="0" i="1" smtClean="0">
+                          <a:solidFill>
+                            <a:schemeClr val="tx1"/>
+                          </a:solidFill>
+                          <a:latin typeface="Cambria Math" panose="02040503050406030204" pitchFamily="18" charset="0"/>
+                          <a:ea typeface="Cambria Math" panose="02040503050406030204" pitchFamily="18" charset="0"/>
+                          <a:cs typeface="Calibri" panose="020F0502020204030204" pitchFamily="34" charset="0"/>
+                        </a:rPr>
+                        <m:t>𝛼</m:t>
+                      </m:r>
+                      <m:f>
+                        <m:fPr>
+                          <m:ctrlPr>
+                            <a:rPr lang="en-US" sz="2400" b="0" i="1" smtClean="0">
+                              <a:solidFill>
+                                <a:schemeClr val="tx1"/>
+                              </a:solidFill>
+                              <a:latin typeface="Cambria Math" panose="02040503050406030204" pitchFamily="18" charset="0"/>
+                              <a:ea typeface="Cambria Math" panose="02040503050406030204" pitchFamily="18" charset="0"/>
+                              <a:cs typeface="Calibri" panose="020F0502020204030204" pitchFamily="34" charset="0"/>
+                            </a:rPr>
+                          </m:ctrlPr>
+                        </m:fPr>
+                        <m:num>
+                          <m:r>
+                            <a:rPr lang="en-US" sz="2400" b="0" i="1" smtClean="0">
+                              <a:solidFill>
+                                <a:schemeClr val="tx1"/>
+                              </a:solidFill>
+                              <a:latin typeface="Cambria Math" panose="02040503050406030204" pitchFamily="18" charset="0"/>
+                              <a:ea typeface="Cambria Math" panose="02040503050406030204" pitchFamily="18" charset="0"/>
+                              <a:cs typeface="Calibri" panose="020F0502020204030204" pitchFamily="34" charset="0"/>
+                            </a:rPr>
+                            <m:t>𝛿</m:t>
+                          </m:r>
+                          <m:r>
+                            <a:rPr lang="en-US" sz="2400" b="0" i="1" smtClean="0">
+                              <a:solidFill>
+                                <a:schemeClr val="tx1"/>
+                              </a:solidFill>
+                              <a:latin typeface="Cambria Math" panose="02040503050406030204" pitchFamily="18" charset="0"/>
+                              <a:ea typeface="Cambria Math" panose="02040503050406030204" pitchFamily="18" charset="0"/>
+                              <a:cs typeface="Calibri" panose="020F0502020204030204" pitchFamily="34" charset="0"/>
+                            </a:rPr>
+                            <m:t>𝐽</m:t>
+                          </m:r>
+                        </m:num>
+                        <m:den>
+                          <m:r>
+                            <a:rPr lang="en-US" sz="2400" b="0" i="1" smtClean="0">
+                              <a:solidFill>
+                                <a:schemeClr val="tx1"/>
+                              </a:solidFill>
+                              <a:latin typeface="Cambria Math" panose="02040503050406030204" pitchFamily="18" charset="0"/>
+                              <a:ea typeface="Cambria Math" panose="02040503050406030204" pitchFamily="18" charset="0"/>
+                              <a:cs typeface="Calibri" panose="020F0502020204030204" pitchFamily="34" charset="0"/>
+                            </a:rPr>
+                            <m:t>𝛿</m:t>
+                          </m:r>
+                          <m:r>
+                            <a:rPr lang="en-US" sz="2400" b="0" i="1" smtClean="0">
+                              <a:solidFill>
+                                <a:schemeClr val="tx1"/>
+                              </a:solidFill>
+                              <a:latin typeface="Cambria Math" panose="02040503050406030204" pitchFamily="18" charset="0"/>
+                              <a:ea typeface="Cambria Math" panose="02040503050406030204" pitchFamily="18" charset="0"/>
+                              <a:cs typeface="Calibri" panose="020F0502020204030204" pitchFamily="34" charset="0"/>
+                            </a:rPr>
+                            <m:t>𝑏</m:t>
+                          </m:r>
+                        </m:den>
+                      </m:f>
+                    </m:oMath>
+                  </m:oMathPara>
+                </a14:m>
+                <a:endParaRPr lang="en-US" sz="2400" dirty="0" smtClean="0">
+                  <a:solidFill>
+                    <a:schemeClr val="tx1"/>
+                  </a:solidFill>
+                  <a:latin typeface="Calibri" panose="020F0502020204030204" pitchFamily="34" charset="0"/>
+                  <a:cs typeface="Calibri" panose="020F0502020204030204" pitchFamily="34" charset="0"/>
+                </a:endParaRPr>
+              </a:p>
+              <a:p>
+                <a:r>
+                  <a:rPr lang="en-US" sz="2400" dirty="0" smtClean="0">
+                    <a:solidFill>
+                      <a:schemeClr val="tx1"/>
+                    </a:solidFill>
+                    <a:latin typeface="Calibri" panose="020F0502020204030204" pitchFamily="34" charset="0"/>
+                    <a:cs typeface="Calibri" panose="020F0502020204030204" pitchFamily="34" charset="0"/>
+                  </a:rPr>
+                  <a:t>Where </a:t>
+                </a:r>
+                <a:r>
+                  <a:rPr lang="el-GR" sz="2400" dirty="0" smtClean="0">
+                    <a:solidFill>
+                      <a:schemeClr val="tx1"/>
+                    </a:solidFill>
+                    <a:latin typeface="Calibri" panose="020F0502020204030204" pitchFamily="34" charset="0"/>
+                    <a:cs typeface="Calibri" panose="020F0502020204030204" pitchFamily="34" charset="0"/>
+                  </a:rPr>
+                  <a:t>α</a:t>
+                </a:r>
+                <a:r>
+                  <a:rPr lang="en-US" sz="2400" dirty="0" smtClean="0">
+                    <a:solidFill>
+                      <a:schemeClr val="tx1"/>
+                    </a:solidFill>
+                    <a:latin typeface="Calibri" panose="020F0502020204030204" pitchFamily="34" charset="0"/>
+                    <a:cs typeface="Calibri" panose="020F0502020204030204" pitchFamily="34" charset="0"/>
+                  </a:rPr>
+                  <a:t> is learning rate.</a:t>
+                </a:r>
+                <a:endParaRPr lang="en-US" sz="2400" dirty="0">
+                  <a:solidFill>
+                    <a:schemeClr val="tx1"/>
+                  </a:solidFill>
+                  <a:latin typeface="Calibri" panose="020F0502020204030204" pitchFamily="34" charset="0"/>
+                  <a:cs typeface="Calibri" panose="020F0502020204030204" pitchFamily="34" charset="0"/>
+                </a:endParaRPr>
+              </a:p>
+            </p:txBody>
+          </p:sp>
+        </mc:Choice>
+        <mc:Fallback>
+          <p:sp>
+            <p:nvSpPr>
+              <p:cNvPr id="3" name="Content Placeholder 2"/>
+              <p:cNvSpPr>
+                <a:spLocks noGrp="1" noRot="1" noChangeAspect="1" noMove="1" noResize="1" noEditPoints="1" noAdjustHandles="1" noChangeArrowheads="1" noChangeShapeType="1" noTextEdit="1"/>
+              </p:cNvSpPr>
+              <p:nvPr>
+                <p:ph idx="1"/>
+              </p:nvPr>
+            </p:nvSpPr>
+            <p:spPr>
+              <a:blipFill rotWithShape="0">
+                <a:blip r:embed="rId2"/>
+                <a:stretch>
+                  <a:fillRect l="-329" t="-2115"/>
+                </a:stretch>
+              </a:blipFill>
+            </p:spPr>
+            <p:txBody>
+              <a:bodyPr/>
+              <a:lstStyle/>
+              <a:p>
+                <a:r>
+                  <a:rPr lang="en-US">
+                    <a:noFill/>
+                  </a:rPr>
+                  <a:t> </a:t>
+                </a:r>
+              </a:p>
+            </p:txBody>
+          </p:sp>
+        </mc:Fallback>
+      </mc:AlternateContent>
     </p:spTree>
     <p:extLst>
       <p:ext uri="{BB962C8B-B14F-4D97-AF65-F5344CB8AC3E}">
-        <p14:creationId xmlns:p14="http://schemas.microsoft.com/office/powerpoint/2010/main" val="340211733"/>
+        <p14:creationId xmlns:p14="http://schemas.microsoft.com/office/powerpoint/2010/main" val="228192966"/>
       </p:ext>
     </p:extLst>
   </p:cSld>
@@ -11884,6 +13557,180 @@
     <p:extLst>
       <p:ext uri="{BB962C8B-B14F-4D97-AF65-F5344CB8AC3E}">
         <p14:creationId xmlns:p14="http://schemas.microsoft.com/office/powerpoint/2010/main" val="279240497"/>
+      </p:ext>
+    </p:extLst>
+  </p:cSld>
+  <p:clrMapOvr>
+    <a:masterClrMapping/>
+  </p:clrMapOvr>
+  <p:timing>
+    <p:tnLst>
+      <p:par>
+        <p:cTn id="1" dur="indefinite" restart="never" nodeType="tmRoot"/>
+      </p:par>
+    </p:tnLst>
+  </p:timing>
+</p:sld>
+</file>
+
+<file path=ppt/slides/slide20.xml><?xml version="1.0" encoding="utf-8"?>
+<p:sld xmlns:a="http://schemas.openxmlformats.org/drawingml/2006/main" xmlns:r="http://schemas.openxmlformats.org/officeDocument/2006/relationships" xmlns:p="http://schemas.openxmlformats.org/presentationml/2006/main">
+  <p:cSld>
+    <p:spTree>
+      <p:nvGrpSpPr>
+        <p:cNvPr id="1" name=""/>
+        <p:cNvGrpSpPr/>
+        <p:nvPr/>
+      </p:nvGrpSpPr>
+      <p:grpSpPr>
+        <a:xfrm>
+          <a:off x="0" y="0"/>
+          <a:ext cx="0" cy="0"/>
+          <a:chOff x="0" y="0"/>
+          <a:chExt cx="0" cy="0"/>
+        </a:xfrm>
+      </p:grpSpPr>
+      <p:sp>
+        <p:nvSpPr>
+          <p:cNvPr id="2" name="Title 1"/>
+          <p:cNvSpPr>
+            <a:spLocks noGrp="1"/>
+          </p:cNvSpPr>
+          <p:nvPr>
+            <p:ph type="title"/>
+          </p:nvPr>
+        </p:nvSpPr>
+        <p:spPr/>
+        <p:txBody>
+          <a:bodyPr/>
+          <a:lstStyle/>
+          <a:p>
+            <a:pPr algn="ctr"/>
+            <a:r>
+              <a:rPr lang="en-US" dirty="0" smtClean="0">
+                <a:solidFill>
+                  <a:schemeClr val="tx1"/>
+                </a:solidFill>
+                <a:latin typeface="Calibri" panose="020F0502020204030204" pitchFamily="34" charset="0"/>
+                <a:cs typeface="Calibri" panose="020F0502020204030204" pitchFamily="34" charset="0"/>
+              </a:rPr>
+              <a:t>Assignments</a:t>
+            </a:r>
+            <a:endParaRPr lang="en-US" dirty="0">
+              <a:solidFill>
+                <a:schemeClr val="tx1"/>
+              </a:solidFill>
+              <a:latin typeface="Calibri" panose="020F0502020204030204" pitchFamily="34" charset="0"/>
+              <a:cs typeface="Calibri" panose="020F0502020204030204" pitchFamily="34" charset="0"/>
+            </a:endParaRPr>
+          </a:p>
+        </p:txBody>
+      </p:sp>
+      <p:sp>
+        <p:nvSpPr>
+          <p:cNvPr id="3" name="Content Placeholder 2"/>
+          <p:cNvSpPr>
+            <a:spLocks noGrp="1"/>
+          </p:cNvSpPr>
+          <p:nvPr>
+            <p:ph idx="1"/>
+          </p:nvPr>
+        </p:nvSpPr>
+        <p:spPr/>
+        <p:txBody>
+          <a:bodyPr>
+            <a:normAutofit/>
+          </a:bodyPr>
+          <a:lstStyle/>
+          <a:p>
+            <a:pPr algn="just"/>
+            <a:r>
+              <a:rPr lang="en-US" sz="2400" dirty="0" smtClean="0">
+                <a:solidFill>
+                  <a:schemeClr val="tx1"/>
+                </a:solidFill>
+                <a:latin typeface="Calibri" panose="020F0502020204030204" pitchFamily="34" charset="0"/>
+                <a:cs typeface="Calibri" panose="020F0502020204030204" pitchFamily="34" charset="0"/>
+              </a:rPr>
+              <a:t>Implement CNN classification for MNIST dataset. You can either use </a:t>
+            </a:r>
+            <a:r>
+              <a:rPr lang="en-US" sz="2400" dirty="0" err="1" smtClean="0">
+                <a:solidFill>
+                  <a:schemeClr val="tx1"/>
+                </a:solidFill>
+                <a:latin typeface="Calibri" panose="020F0502020204030204" pitchFamily="34" charset="0"/>
+                <a:cs typeface="Calibri" panose="020F0502020204030204" pitchFamily="34" charset="0"/>
+              </a:rPr>
+              <a:t>Keras</a:t>
+            </a:r>
+            <a:r>
+              <a:rPr lang="en-US" sz="2400" dirty="0" smtClean="0">
+                <a:solidFill>
+                  <a:schemeClr val="tx1"/>
+                </a:solidFill>
+                <a:latin typeface="Calibri" panose="020F0502020204030204" pitchFamily="34" charset="0"/>
+                <a:cs typeface="Calibri" panose="020F0502020204030204" pitchFamily="34" charset="0"/>
+              </a:rPr>
+              <a:t> or </a:t>
+            </a:r>
+            <a:r>
+              <a:rPr lang="en-US" sz="2400" dirty="0" err="1" smtClean="0">
+                <a:solidFill>
+                  <a:schemeClr val="tx1"/>
+                </a:solidFill>
+                <a:latin typeface="Calibri" panose="020F0502020204030204" pitchFamily="34" charset="0"/>
+                <a:cs typeface="Calibri" panose="020F0502020204030204" pitchFamily="34" charset="0"/>
+              </a:rPr>
+              <a:t>tensorflow</a:t>
+            </a:r>
+            <a:r>
+              <a:rPr lang="en-US" sz="2400" dirty="0" smtClean="0">
+                <a:solidFill>
+                  <a:schemeClr val="tx1"/>
+                </a:solidFill>
+                <a:latin typeface="Calibri" panose="020F0502020204030204" pitchFamily="34" charset="0"/>
+                <a:cs typeface="Calibri" panose="020F0502020204030204" pitchFamily="34" charset="0"/>
+              </a:rPr>
+              <a:t> or </a:t>
+            </a:r>
+            <a:r>
+              <a:rPr lang="en-US" sz="2400" dirty="0" err="1" smtClean="0">
+                <a:solidFill>
+                  <a:schemeClr val="tx1"/>
+                </a:solidFill>
+                <a:latin typeface="Calibri" panose="020F0502020204030204" pitchFamily="34" charset="0"/>
+                <a:cs typeface="Calibri" panose="020F0502020204030204" pitchFamily="34" charset="0"/>
+              </a:rPr>
+              <a:t>Pytorch</a:t>
+            </a:r>
+            <a:endParaRPr lang="en-US" sz="2400" dirty="0" smtClean="0">
+              <a:solidFill>
+                <a:schemeClr val="tx1"/>
+              </a:solidFill>
+              <a:latin typeface="Calibri" panose="020F0502020204030204" pitchFamily="34" charset="0"/>
+              <a:cs typeface="Calibri" panose="020F0502020204030204" pitchFamily="34" charset="0"/>
+            </a:endParaRPr>
+          </a:p>
+          <a:p>
+            <a:pPr algn="just"/>
+            <a:r>
+              <a:rPr lang="en-US" sz="2400" dirty="0" smtClean="0">
+                <a:solidFill>
+                  <a:schemeClr val="tx1"/>
+                </a:solidFill>
+                <a:latin typeface="Calibri" panose="020F0502020204030204" pitchFamily="34" charset="0"/>
+                <a:cs typeface="Calibri" panose="020F0502020204030204" pitchFamily="34" charset="0"/>
+              </a:rPr>
+              <a:t>Visualize the activation output of each layer.</a:t>
+            </a:r>
+          </a:p>
+        </p:txBody>
+      </p:sp>
+    </p:spTree>
+    <p:extLst>
+      <p:ext uri="{BB962C8B-B14F-4D97-AF65-F5344CB8AC3E}">
+        <p14:creationId xmlns:p14="http://schemas.microsoft.com/office/powerpoint/2010/main" val="340211733"/>
       </p:ext>
     </p:extLst>
   </p:cSld>

--- a/DeepLearning.pptx
+++ b/DeepLearning.pptx
@@ -6,7 +6,7 @@
     <p:sldMasterId id="2147483708" r:id="rId2"/>
   </p:sldMasterIdLst>
   <p:notesMasterIdLst>
-    <p:notesMasterId r:id="rId23"/>
+    <p:notesMasterId r:id="rId33"/>
   </p:notesMasterIdLst>
   <p:sldIdLst>
     <p:sldId id="262" r:id="rId3"/>
@@ -29,6 +29,16 @@
     <p:sldId id="280" r:id="rId20"/>
     <p:sldId id="281" r:id="rId21"/>
     <p:sldId id="265" r:id="rId22"/>
+    <p:sldId id="284" r:id="rId23"/>
+    <p:sldId id="285" r:id="rId24"/>
+    <p:sldId id="286" r:id="rId25"/>
+    <p:sldId id="287" r:id="rId26"/>
+    <p:sldId id="288" r:id="rId27"/>
+    <p:sldId id="289" r:id="rId28"/>
+    <p:sldId id="282" r:id="rId29"/>
+    <p:sldId id="283" r:id="rId30"/>
+    <p:sldId id="290" r:id="rId31"/>
+    <p:sldId id="291" r:id="rId32"/>
   </p:sldIdLst>
   <p:sldSz cx="9144000" cy="6858000" type="screen4x3"/>
   <p:notesSz cx="6858000" cy="9144000"/>
@@ -217,7 +227,7 @@
           <a:p>
             <a:fld id="{2750EE10-9B2A-43FD-9D8D-8786BE2718B0}" type="datetimeFigureOut">
               <a:rPr lang="en-US" smtClean="0"/>
-              <a:t>7/2/2018</a:t>
+              <a:t>7/8/2018</a:t>
             </a:fld>
             <a:endParaRPr lang="en-US"/>
           </a:p>
@@ -786,7 +796,7 @@
           <a:p>
             <a:fld id="{71062C2B-E158-4700-B682-BDCEF0FBB753}" type="datetimeFigureOut">
               <a:rPr lang="en-US" smtClean="0"/>
-              <a:t>7/2/2018</a:t>
+              <a:t>7/8/2018</a:t>
             </a:fld>
             <a:endParaRPr lang="en-US"/>
           </a:p>
@@ -1007,7 +1017,7 @@
           <a:p>
             <a:fld id="{71062C2B-E158-4700-B682-BDCEF0FBB753}" type="datetimeFigureOut">
               <a:rPr lang="en-US" smtClean="0"/>
-              <a:t>7/2/2018</a:t>
+              <a:t>7/8/2018</a:t>
             </a:fld>
             <a:endParaRPr lang="en-US"/>
           </a:p>
@@ -1187,7 +1197,7 @@
           <a:p>
             <a:fld id="{71062C2B-E158-4700-B682-BDCEF0FBB753}" type="datetimeFigureOut">
               <a:rPr lang="en-US" smtClean="0"/>
-              <a:t>7/2/2018</a:t>
+              <a:t>7/8/2018</a:t>
             </a:fld>
             <a:endParaRPr lang="en-US"/>
           </a:p>
@@ -1446,7 +1456,7 @@
             <a:fld id="{51AC0816-1973-4673-A4A7-A524451E2329}" type="datetime1">
               <a:rPr lang="en-US" smtClean="0"/>
               <a:pPr/>
-              <a:t>7/2/2018</a:t>
+              <a:t>7/8/2018</a:t>
             </a:fld>
             <a:endParaRPr lang="en-US" dirty="0"/>
           </a:p>
@@ -1692,7 +1702,7 @@
                 </a:solidFill>
               </a:rPr>
               <a:pPr/>
-              <a:t>7/2/2018</a:t>
+              <a:t>7/8/2018</a:t>
             </a:fld>
             <a:endParaRPr lang="en-US" dirty="0">
               <a:solidFill>
@@ -1981,7 +1991,7 @@
                 </a:solidFill>
               </a:rPr>
               <a:pPr/>
-              <a:t>7/2/2018</a:t>
+              <a:t>7/8/2018</a:t>
             </a:fld>
             <a:endParaRPr lang="en-US" dirty="0">
               <a:solidFill>
@@ -2342,7 +2352,7 @@
                 </a:solidFill>
               </a:rPr>
               <a:pPr/>
-              <a:t>7/2/2018</a:t>
+              <a:t>7/8/2018</a:t>
             </a:fld>
             <a:endParaRPr lang="en-US" dirty="0">
               <a:solidFill>
@@ -2804,7 +2814,7 @@
                 </a:solidFill>
               </a:rPr>
               <a:pPr/>
-              <a:t>7/2/2018</a:t>
+              <a:t>7/8/2018</a:t>
             </a:fld>
             <a:endParaRPr lang="en-US" dirty="0">
               <a:solidFill>
@@ -2960,7 +2970,7 @@
                 </a:solidFill>
               </a:rPr>
               <a:pPr/>
-              <a:t>7/2/2018</a:t>
+              <a:t>7/8/2018</a:t>
             </a:fld>
             <a:endParaRPr lang="en-US" dirty="0">
               <a:solidFill>
@@ -3093,7 +3103,7 @@
                 </a:solidFill>
               </a:rPr>
               <a:pPr/>
-              <a:t>7/2/2018</a:t>
+              <a:t>7/8/2018</a:t>
             </a:fld>
             <a:endParaRPr lang="en-US" dirty="0">
               <a:solidFill>
@@ -3421,7 +3431,7 @@
                 </a:solidFill>
               </a:rPr>
               <a:pPr/>
-              <a:t>7/2/2018</a:t>
+              <a:t>7/8/2018</a:t>
             </a:fld>
             <a:endParaRPr lang="en-US" dirty="0">
               <a:solidFill>
@@ -3631,7 +3641,7 @@
           <a:p>
             <a:fld id="{71062C2B-E158-4700-B682-BDCEF0FBB753}" type="datetimeFigureOut">
               <a:rPr lang="en-US" smtClean="0"/>
-              <a:t>7/2/2018</a:t>
+              <a:t>7/8/2018</a:t>
             </a:fld>
             <a:endParaRPr lang="en-US"/>
           </a:p>
@@ -3908,7 +3918,7 @@
                 </a:solidFill>
               </a:rPr>
               <a:pPr/>
-              <a:t>7/2/2018</a:t>
+              <a:t>7/8/2018</a:t>
             </a:fld>
             <a:endParaRPr lang="en-US" dirty="0">
               <a:solidFill>
@@ -4116,7 +4126,7 @@
                 </a:solidFill>
               </a:rPr>
               <a:pPr/>
-              <a:t>7/2/2018</a:t>
+              <a:t>7/8/2018</a:t>
             </a:fld>
             <a:endParaRPr lang="en-US" dirty="0">
               <a:solidFill>
@@ -4334,7 +4344,7 @@
                 </a:solidFill>
               </a:rPr>
               <a:pPr/>
-              <a:t>7/2/2018</a:t>
+              <a:t>7/8/2018</a:t>
             </a:fld>
             <a:endParaRPr lang="en-US" dirty="0">
               <a:solidFill>
@@ -4618,7 +4628,7 @@
           <a:p>
             <a:fld id="{71062C2B-E158-4700-B682-BDCEF0FBB753}" type="datetimeFigureOut">
               <a:rPr lang="en-US" smtClean="0"/>
-              <a:t>7/2/2018</a:t>
+              <a:t>7/8/2018</a:t>
             </a:fld>
             <a:endParaRPr lang="en-US"/>
           </a:p>
@@ -4941,7 +4951,7 @@
           <a:p>
             <a:fld id="{71062C2B-E158-4700-B682-BDCEF0FBB753}" type="datetimeFigureOut">
               <a:rPr lang="en-US" smtClean="0"/>
-              <a:t>7/2/2018</a:t>
+              <a:t>7/8/2018</a:t>
             </a:fld>
             <a:endParaRPr lang="en-US"/>
           </a:p>
@@ -5365,7 +5375,7 @@
           <a:p>
             <a:fld id="{71062C2B-E158-4700-B682-BDCEF0FBB753}" type="datetimeFigureOut">
               <a:rPr lang="en-US" smtClean="0"/>
-              <a:t>7/2/2018</a:t>
+              <a:t>7/8/2018</a:t>
             </a:fld>
             <a:endParaRPr lang="en-US"/>
           </a:p>
@@ -5483,7 +5493,7 @@
           <a:p>
             <a:fld id="{71062C2B-E158-4700-B682-BDCEF0FBB753}" type="datetimeFigureOut">
               <a:rPr lang="en-US" smtClean="0"/>
-              <a:t>7/2/2018</a:t>
+              <a:t>7/8/2018</a:t>
             </a:fld>
             <a:endParaRPr lang="en-US"/>
           </a:p>
@@ -5578,7 +5588,7 @@
           <a:p>
             <a:fld id="{71062C2B-E158-4700-B682-BDCEF0FBB753}" type="datetimeFigureOut">
               <a:rPr lang="en-US" smtClean="0"/>
-              <a:t>7/2/2018</a:t>
+              <a:t>7/8/2018</a:t>
             </a:fld>
             <a:endParaRPr lang="en-US"/>
           </a:p>
@@ -5868,7 +5878,7 @@
           <a:p>
             <a:fld id="{71062C2B-E158-4700-B682-BDCEF0FBB753}" type="datetimeFigureOut">
               <a:rPr lang="en-US" smtClean="0"/>
-              <a:t>7/2/2018</a:t>
+              <a:t>7/8/2018</a:t>
             </a:fld>
             <a:endParaRPr lang="en-US"/>
           </a:p>
@@ -6140,7 +6150,7 @@
           <a:p>
             <a:fld id="{71062C2B-E158-4700-B682-BDCEF0FBB753}" type="datetimeFigureOut">
               <a:rPr lang="en-US" smtClean="0"/>
-              <a:t>7/2/2018</a:t>
+              <a:t>7/8/2018</a:t>
             </a:fld>
             <a:endParaRPr lang="en-US"/>
           </a:p>
@@ -6392,7 +6402,7 @@
           <a:p>
             <a:fld id="{71062C2B-E158-4700-B682-BDCEF0FBB753}" type="datetimeFigureOut">
               <a:rPr lang="en-US" smtClean="0"/>
-              <a:t>7/2/2018</a:t>
+              <a:t>7/8/2018</a:t>
             </a:fld>
             <a:endParaRPr lang="en-US"/>
           </a:p>
@@ -7033,7 +7043,7 @@
                 </a:solidFill>
               </a:rPr>
               <a:pPr defTabSz="457200"/>
-              <a:t>7/2/2018</a:t>
+              <a:t>7/8/2018</a:t>
             </a:fld>
             <a:endParaRPr lang="en-US" dirty="0">
               <a:solidFill>
@@ -10920,8 +10930,8 @@
           </a:p>
         </p:txBody>
       </p:sp>
-      <mc:AlternateContent xmlns:mc="http://schemas.openxmlformats.org/markup-compatibility/2006">
-        <mc:Choice xmlns:a14="http://schemas.microsoft.com/office/drawing/2010/main" Requires="a14">
+      <mc:AlternateContent xmlns:mc="http://schemas.openxmlformats.org/markup-compatibility/2006" xmlns:a14="http://schemas.microsoft.com/office/drawing/2010/main">
+        <mc:Choice Requires="a14">
           <p:sp>
             <p:nvSpPr>
               <p:cNvPr id="3" name="Content Placeholder 2"/>
@@ -11104,7 +11114,7 @@
             </p:txBody>
           </p:sp>
         </mc:Choice>
-        <mc:Fallback>
+        <mc:Fallback xmlns="">
           <p:sp>
             <p:nvSpPr>
               <p:cNvPr id="3" name="Content Placeholder 2"/>
@@ -11211,8 +11221,8 @@
           </a:p>
         </p:txBody>
       </p:sp>
-      <mc:AlternateContent xmlns:mc="http://schemas.openxmlformats.org/markup-compatibility/2006">
-        <mc:Choice xmlns:a14="http://schemas.microsoft.com/office/drawing/2010/main" Requires="a14">
+      <mc:AlternateContent xmlns:mc="http://schemas.openxmlformats.org/markup-compatibility/2006" xmlns:a14="http://schemas.microsoft.com/office/drawing/2010/main">
+        <mc:Choice Requires="a14">
           <p:sp>
             <p:nvSpPr>
               <p:cNvPr id="3" name="Content Placeholder 2"/>
@@ -12193,7 +12203,7 @@
             </p:txBody>
           </p:sp>
         </mc:Choice>
-        <mc:Fallback>
+        <mc:Fallback xmlns="">
           <p:sp>
             <p:nvSpPr>
               <p:cNvPr id="3" name="Content Placeholder 2"/>
@@ -12300,8 +12310,8 @@
           </a:p>
         </p:txBody>
       </p:sp>
-      <mc:AlternateContent xmlns:mc="http://schemas.openxmlformats.org/markup-compatibility/2006">
-        <mc:Choice xmlns:a14="http://schemas.microsoft.com/office/drawing/2010/main" Requires="a14">
+      <mc:AlternateContent xmlns:mc="http://schemas.openxmlformats.org/markup-compatibility/2006" xmlns:a14="http://schemas.microsoft.com/office/drawing/2010/main">
+        <mc:Choice Requires="a14">
           <p:sp>
             <p:nvSpPr>
               <p:cNvPr id="3" name="Content Placeholder 2"/>
@@ -12652,7 +12662,7 @@
             </p:txBody>
           </p:sp>
         </mc:Choice>
-        <mc:Fallback>
+        <mc:Fallback xmlns="">
           <p:sp>
             <p:nvSpPr>
               <p:cNvPr id="3" name="Content Placeholder 2"/>
@@ -13747,6 +13757,4321 @@
 </p:sld>
 </file>
 
+<file path=ppt/slides/slide21.xml><?xml version="1.0" encoding="utf-8"?>
+<p:sld xmlns:a="http://schemas.openxmlformats.org/drawingml/2006/main" xmlns:r="http://schemas.openxmlformats.org/officeDocument/2006/relationships" xmlns:p="http://schemas.openxmlformats.org/presentationml/2006/main" show="0">
+  <p:cSld>
+    <p:spTree>
+      <p:nvGrpSpPr>
+        <p:cNvPr id="1" name=""/>
+        <p:cNvGrpSpPr/>
+        <p:nvPr/>
+      </p:nvGrpSpPr>
+      <p:grpSpPr>
+        <a:xfrm>
+          <a:off x="0" y="0"/>
+          <a:ext cx="0" cy="0"/>
+          <a:chOff x="0" y="0"/>
+          <a:chExt cx="0" cy="0"/>
+        </a:xfrm>
+      </p:grpSpPr>
+      <p:sp>
+        <p:nvSpPr>
+          <p:cNvPr id="2" name="Title 1"/>
+          <p:cNvSpPr>
+            <a:spLocks noGrp="1"/>
+          </p:cNvSpPr>
+          <p:nvPr>
+            <p:ph type="title"/>
+          </p:nvPr>
+        </p:nvSpPr>
+        <p:spPr/>
+        <p:txBody>
+          <a:bodyPr/>
+          <a:lstStyle/>
+          <a:p>
+            <a:pPr algn="ctr"/>
+            <a:r>
+              <a:rPr lang="en-US" dirty="0" smtClean="0">
+                <a:solidFill>
+                  <a:schemeClr val="tx1"/>
+                </a:solidFill>
+                <a:latin typeface="Calibri" panose="020F0502020204030204" pitchFamily="34" charset="0"/>
+                <a:cs typeface="Calibri" panose="020F0502020204030204" pitchFamily="34" charset="0"/>
+              </a:rPr>
+              <a:t>Hyper parameter Tuning</a:t>
+            </a:r>
+            <a:endParaRPr lang="en-US" dirty="0">
+              <a:solidFill>
+                <a:schemeClr val="tx1"/>
+              </a:solidFill>
+              <a:latin typeface="Calibri" panose="020F0502020204030204" pitchFamily="34" charset="0"/>
+              <a:cs typeface="Calibri" panose="020F0502020204030204" pitchFamily="34" charset="0"/>
+            </a:endParaRPr>
+          </a:p>
+        </p:txBody>
+      </p:sp>
+      <p:sp>
+        <p:nvSpPr>
+          <p:cNvPr id="3" name="Content Placeholder 2"/>
+          <p:cNvSpPr>
+            <a:spLocks noGrp="1"/>
+          </p:cNvSpPr>
+          <p:nvPr>
+            <p:ph idx="1"/>
+          </p:nvPr>
+        </p:nvSpPr>
+        <p:spPr/>
+        <p:txBody>
+          <a:bodyPr>
+            <a:normAutofit/>
+          </a:bodyPr>
+          <a:lstStyle/>
+          <a:p>
+            <a:r>
+              <a:rPr lang="en-US" sz="2400" dirty="0" smtClean="0">
+                <a:solidFill>
+                  <a:schemeClr val="tx1"/>
+                </a:solidFill>
+              </a:rPr>
+              <a:t>Parameters: W, b</a:t>
+            </a:r>
+          </a:p>
+          <a:p>
+            <a:r>
+              <a:rPr lang="en-US" sz="2400" dirty="0" smtClean="0">
+                <a:solidFill>
+                  <a:schemeClr val="tx1"/>
+                </a:solidFill>
+              </a:rPr>
+              <a:t>Hyper Parameters: </a:t>
+            </a:r>
+          </a:p>
+          <a:p>
+            <a:pPr lvl="1"/>
+            <a:r>
+              <a:rPr lang="el-GR" sz="2000" dirty="0">
+                <a:solidFill>
+                  <a:schemeClr val="tx1"/>
+                </a:solidFill>
+              </a:rPr>
+              <a:t>α</a:t>
+            </a:r>
+            <a:endParaRPr lang="en-US" sz="2000" dirty="0" smtClean="0">
+              <a:solidFill>
+                <a:schemeClr val="tx1"/>
+              </a:solidFill>
+            </a:endParaRPr>
+          </a:p>
+          <a:p>
+            <a:pPr lvl="1"/>
+            <a:r>
+              <a:rPr lang="en-US" sz="2000" dirty="0" smtClean="0">
+                <a:solidFill>
+                  <a:schemeClr val="tx1"/>
+                </a:solidFill>
+              </a:rPr>
+              <a:t>#iteration</a:t>
+            </a:r>
+          </a:p>
+          <a:p>
+            <a:pPr lvl="1"/>
+            <a:r>
+              <a:rPr lang="en-US" sz="2000" dirty="0" smtClean="0">
+                <a:solidFill>
+                  <a:schemeClr val="tx1"/>
+                </a:solidFill>
+              </a:rPr>
+              <a:t>#hidden layers</a:t>
+            </a:r>
+          </a:p>
+          <a:p>
+            <a:pPr lvl="1"/>
+            <a:r>
+              <a:rPr lang="en-US" sz="2000" dirty="0" smtClean="0">
+                <a:solidFill>
+                  <a:schemeClr val="tx1"/>
+                </a:solidFill>
+              </a:rPr>
+              <a:t>#hidden units</a:t>
+            </a:r>
+          </a:p>
+          <a:p>
+            <a:pPr lvl="1"/>
+            <a:r>
+              <a:rPr lang="en-US" sz="2000" dirty="0" smtClean="0">
+                <a:solidFill>
+                  <a:schemeClr val="tx1"/>
+                </a:solidFill>
+              </a:rPr>
+              <a:t>Choice of activation function</a:t>
+            </a:r>
+            <a:endParaRPr lang="en-US" sz="2000" dirty="0">
+              <a:solidFill>
+                <a:schemeClr val="tx1"/>
+              </a:solidFill>
+            </a:endParaRPr>
+          </a:p>
+        </p:txBody>
+      </p:sp>
+    </p:spTree>
+    <p:extLst>
+      <p:ext uri="{BB962C8B-B14F-4D97-AF65-F5344CB8AC3E}">
+        <p14:creationId xmlns:p14="http://schemas.microsoft.com/office/powerpoint/2010/main" val="896733693"/>
+      </p:ext>
+    </p:extLst>
+  </p:cSld>
+  <p:clrMapOvr>
+    <a:masterClrMapping/>
+  </p:clrMapOvr>
+  <mc:AlternateContent xmlns:mc="http://schemas.openxmlformats.org/markup-compatibility/2006">
+    <mc:Choice xmlns:p14="http://schemas.microsoft.com/office/powerpoint/2010/main" Requires="p14">
+      <p:transition spd="slow" p14:dur="2000"/>
+    </mc:Choice>
+    <mc:Fallback>
+      <p:transition spd="slow"/>
+    </mc:Fallback>
+  </mc:AlternateContent>
+</p:sld>
+</file>
+
+<file path=ppt/slides/slide22.xml><?xml version="1.0" encoding="utf-8"?>
+<p:sld xmlns:a="http://schemas.openxmlformats.org/drawingml/2006/main" xmlns:r="http://schemas.openxmlformats.org/officeDocument/2006/relationships" xmlns:p="http://schemas.openxmlformats.org/presentationml/2006/main">
+  <p:cSld>
+    <p:spTree>
+      <p:nvGrpSpPr>
+        <p:cNvPr id="1" name=""/>
+        <p:cNvGrpSpPr/>
+        <p:nvPr/>
+      </p:nvGrpSpPr>
+      <p:grpSpPr>
+        <a:xfrm>
+          <a:off x="0" y="0"/>
+          <a:ext cx="0" cy="0"/>
+          <a:chOff x="0" y="0"/>
+          <a:chExt cx="0" cy="0"/>
+        </a:xfrm>
+      </p:grpSpPr>
+      <p:sp>
+        <p:nvSpPr>
+          <p:cNvPr id="2" name="Title 1"/>
+          <p:cNvSpPr>
+            <a:spLocks noGrp="1"/>
+          </p:cNvSpPr>
+          <p:nvPr>
+            <p:ph type="title"/>
+          </p:nvPr>
+        </p:nvSpPr>
+        <p:spPr/>
+        <p:txBody>
+          <a:bodyPr/>
+          <a:lstStyle/>
+          <a:p>
+            <a:pPr algn="ctr"/>
+            <a:r>
+              <a:rPr lang="en-US" dirty="0" smtClean="0">
+                <a:solidFill>
+                  <a:schemeClr val="tx1"/>
+                </a:solidFill>
+                <a:latin typeface="Calibri" panose="020F0502020204030204" pitchFamily="34" charset="0"/>
+                <a:cs typeface="Calibri" panose="020F0502020204030204" pitchFamily="34" charset="0"/>
+              </a:rPr>
+              <a:t>Training/Dev/Test</a:t>
+            </a:r>
+            <a:endParaRPr lang="en-US" dirty="0">
+              <a:solidFill>
+                <a:schemeClr val="tx1"/>
+              </a:solidFill>
+              <a:latin typeface="Calibri" panose="020F0502020204030204" pitchFamily="34" charset="0"/>
+              <a:cs typeface="Calibri" panose="020F0502020204030204" pitchFamily="34" charset="0"/>
+            </a:endParaRPr>
+          </a:p>
+        </p:txBody>
+      </p:sp>
+      <p:graphicFrame>
+        <p:nvGraphicFramePr>
+          <p:cNvPr id="4" name="Content Placeholder 3"/>
+          <p:cNvGraphicFramePr>
+            <a:graphicFrameLocks noGrp="1"/>
+          </p:cNvGraphicFramePr>
+          <p:nvPr>
+            <p:ph idx="1"/>
+            <p:extLst>
+              <p:ext uri="{D42A27DB-BD31-4B8C-83A1-F6EECF244321}">
+                <p14:modId xmlns:p14="http://schemas.microsoft.com/office/powerpoint/2010/main" val="1897063517"/>
+              </p:ext>
+            </p:extLst>
+          </p:nvPr>
+        </p:nvGraphicFramePr>
+        <p:xfrm>
+          <a:off x="1551051" y="1682496"/>
+          <a:ext cx="6019038" cy="944880"/>
+        </p:xfrm>
+        <a:graphic>
+          <a:graphicData uri="http://schemas.openxmlformats.org/drawingml/2006/table">
+            <a:tbl>
+              <a:tblPr firstRow="1" bandRow="1">
+                <a:tableStyleId>{5C22544A-7EE6-4342-B048-85BDC9FD1C3A}</a:tableStyleId>
+              </a:tblPr>
+              <a:tblGrid>
+                <a:gridCol w="3212958"/>
+                <a:gridCol w="1993041"/>
+                <a:gridCol w="813039"/>
+              </a:tblGrid>
+              <a:tr h="813816">
+                <a:tc>
+                  <a:txBody>
+                    <a:bodyPr/>
+                    <a:lstStyle/>
+                    <a:p>
+                      <a:pPr algn="ctr"/>
+                      <a:r>
+                        <a:rPr lang="en-US" sz="2800" dirty="0" smtClean="0">
+                          <a:solidFill>
+                            <a:schemeClr val="bg1"/>
+                          </a:solidFill>
+                          <a:latin typeface="Calibri" panose="020F0502020204030204" pitchFamily="34" charset="0"/>
+                          <a:cs typeface="Calibri" panose="020F0502020204030204" pitchFamily="34" charset="0"/>
+                        </a:rPr>
+                        <a:t>Training Set</a:t>
+                      </a:r>
+                      <a:endParaRPr lang="en-US" sz="2800" dirty="0">
+                        <a:solidFill>
+                          <a:schemeClr val="bg1"/>
+                        </a:solidFill>
+                        <a:latin typeface="Calibri" panose="020F0502020204030204" pitchFamily="34" charset="0"/>
+                        <a:cs typeface="Calibri" panose="020F0502020204030204" pitchFamily="34" charset="0"/>
+                      </a:endParaRPr>
+                    </a:p>
+                  </a:txBody>
+                  <a:tcPr/>
+                </a:tc>
+                <a:tc>
+                  <a:txBody>
+                    <a:bodyPr/>
+                    <a:lstStyle/>
+                    <a:p>
+                      <a:pPr algn="ctr"/>
+                      <a:r>
+                        <a:rPr lang="en-US" sz="2800" dirty="0" smtClean="0">
+                          <a:solidFill>
+                            <a:schemeClr val="bg1"/>
+                          </a:solidFill>
+                          <a:latin typeface="Calibri" panose="020F0502020204030204" pitchFamily="34" charset="0"/>
+                          <a:cs typeface="Calibri" panose="020F0502020204030204" pitchFamily="34" charset="0"/>
+                        </a:rPr>
+                        <a:t>Hold/Dev Set</a:t>
+                      </a:r>
+                      <a:endParaRPr lang="en-US" sz="2800" dirty="0">
+                        <a:solidFill>
+                          <a:schemeClr val="bg1"/>
+                        </a:solidFill>
+                        <a:latin typeface="Calibri" panose="020F0502020204030204" pitchFamily="34" charset="0"/>
+                        <a:cs typeface="Calibri" panose="020F0502020204030204" pitchFamily="34" charset="0"/>
+                      </a:endParaRPr>
+                    </a:p>
+                  </a:txBody>
+                  <a:tcPr/>
+                </a:tc>
+                <a:tc>
+                  <a:txBody>
+                    <a:bodyPr/>
+                    <a:lstStyle/>
+                    <a:p>
+                      <a:pPr algn="ctr"/>
+                      <a:r>
+                        <a:rPr lang="en-US" sz="2800" dirty="0" smtClean="0">
+                          <a:solidFill>
+                            <a:schemeClr val="bg1"/>
+                          </a:solidFill>
+                          <a:latin typeface="Calibri" panose="020F0502020204030204" pitchFamily="34" charset="0"/>
+                          <a:cs typeface="Calibri" panose="020F0502020204030204" pitchFamily="34" charset="0"/>
+                        </a:rPr>
+                        <a:t>Test</a:t>
+                      </a:r>
+                      <a:endParaRPr lang="en-US" sz="2800" dirty="0">
+                        <a:solidFill>
+                          <a:schemeClr val="bg1"/>
+                        </a:solidFill>
+                        <a:latin typeface="Calibri" panose="020F0502020204030204" pitchFamily="34" charset="0"/>
+                        <a:cs typeface="Calibri" panose="020F0502020204030204" pitchFamily="34" charset="0"/>
+                      </a:endParaRPr>
+                    </a:p>
+                  </a:txBody>
+                  <a:tcPr/>
+                </a:tc>
+              </a:tr>
+            </a:tbl>
+          </a:graphicData>
+        </a:graphic>
+      </p:graphicFrame>
+      <p:sp>
+        <p:nvSpPr>
+          <p:cNvPr id="5" name="TextBox 4"/>
+          <p:cNvSpPr txBox="1"/>
+          <p:nvPr/>
+        </p:nvSpPr>
+        <p:spPr>
+          <a:xfrm>
+            <a:off x="1507910" y="2958375"/>
+            <a:ext cx="1401474" cy="400110"/>
+          </a:xfrm>
+          <a:prstGeom prst="rect">
+            <a:avLst/>
+          </a:prstGeom>
+          <a:noFill/>
+        </p:spPr>
+        <p:txBody>
+          <a:bodyPr wrap="none" rtlCol="0">
+            <a:spAutoFit/>
+          </a:bodyPr>
+          <a:lstStyle/>
+          <a:p>
+            <a:r>
+              <a:rPr lang="en-US" sz="2000" dirty="0" err="1" smtClean="0">
+                <a:latin typeface="Calibri" panose="020F0502020204030204" pitchFamily="34" charset="0"/>
+                <a:cs typeface="Calibri" panose="020F0502020204030204" pitchFamily="34" charset="0"/>
+              </a:rPr>
+              <a:t>Prev</a:t>
+            </a:r>
+            <a:r>
+              <a:rPr lang="en-US" sz="2000" dirty="0" smtClean="0">
+                <a:latin typeface="Calibri" panose="020F0502020204030204" pitchFamily="34" charset="0"/>
+                <a:cs typeface="Calibri" panose="020F0502020204030204" pitchFamily="34" charset="0"/>
+              </a:rPr>
+              <a:t>- 70/30</a:t>
+            </a:r>
+            <a:endParaRPr lang="en-US" sz="2000" dirty="0">
+              <a:latin typeface="Calibri" panose="020F0502020204030204" pitchFamily="34" charset="0"/>
+              <a:cs typeface="Calibri" panose="020F0502020204030204" pitchFamily="34" charset="0"/>
+            </a:endParaRPr>
+          </a:p>
+        </p:txBody>
+      </p:sp>
+      <p:sp>
+        <p:nvSpPr>
+          <p:cNvPr id="6" name="TextBox 5"/>
+          <p:cNvSpPr txBox="1"/>
+          <p:nvPr/>
+        </p:nvSpPr>
+        <p:spPr>
+          <a:xfrm>
+            <a:off x="3080678" y="2958375"/>
+            <a:ext cx="1479892" cy="400110"/>
+          </a:xfrm>
+          <a:prstGeom prst="rect">
+            <a:avLst/>
+          </a:prstGeom>
+          <a:noFill/>
+        </p:spPr>
+        <p:txBody>
+          <a:bodyPr wrap="none" rtlCol="0">
+            <a:spAutoFit/>
+          </a:bodyPr>
+          <a:lstStyle/>
+          <a:p>
+            <a:r>
+              <a:rPr lang="en-US" sz="2000" dirty="0" smtClean="0">
+                <a:latin typeface="Calibri" panose="020F0502020204030204" pitchFamily="34" charset="0"/>
+                <a:cs typeface="Calibri" panose="020F0502020204030204" pitchFamily="34" charset="0"/>
+              </a:rPr>
+              <a:t>Or 60/20/20</a:t>
+            </a:r>
+            <a:endParaRPr lang="en-US" sz="2000" dirty="0">
+              <a:latin typeface="Calibri" panose="020F0502020204030204" pitchFamily="34" charset="0"/>
+              <a:cs typeface="Calibri" panose="020F0502020204030204" pitchFamily="34" charset="0"/>
+            </a:endParaRPr>
+          </a:p>
+        </p:txBody>
+      </p:sp>
+      <p:sp>
+        <p:nvSpPr>
+          <p:cNvPr id="7" name="TextBox 6"/>
+          <p:cNvSpPr txBox="1"/>
+          <p:nvPr/>
+        </p:nvSpPr>
+        <p:spPr>
+          <a:xfrm>
+            <a:off x="699227" y="3483864"/>
+            <a:ext cx="2210157" cy="1323439"/>
+          </a:xfrm>
+          <a:prstGeom prst="rect">
+            <a:avLst/>
+          </a:prstGeom>
+          <a:noFill/>
+        </p:spPr>
+        <p:txBody>
+          <a:bodyPr wrap="none" rtlCol="0">
+            <a:spAutoFit/>
+          </a:bodyPr>
+          <a:lstStyle/>
+          <a:p>
+            <a:r>
+              <a:rPr lang="en-US" sz="2000" dirty="0" smtClean="0">
+                <a:latin typeface="Calibri" panose="020F0502020204030204" pitchFamily="34" charset="0"/>
+                <a:cs typeface="Calibri" panose="020F0502020204030204" pitchFamily="34" charset="0"/>
+              </a:rPr>
+              <a:t>Big Data: 1,000,000</a:t>
+            </a:r>
+          </a:p>
+          <a:p>
+            <a:r>
+              <a:rPr lang="en-US" sz="2000" dirty="0" smtClean="0">
+                <a:latin typeface="Calibri" panose="020F0502020204030204" pitchFamily="34" charset="0"/>
+                <a:cs typeface="Calibri" panose="020F0502020204030204" pitchFamily="34" charset="0"/>
+              </a:rPr>
+              <a:t>98/1/1 %</a:t>
+            </a:r>
+          </a:p>
+          <a:p>
+            <a:r>
+              <a:rPr lang="en-US" sz="2000" dirty="0" smtClean="0">
+                <a:latin typeface="Calibri" panose="020F0502020204030204" pitchFamily="34" charset="0"/>
+                <a:cs typeface="Calibri" panose="020F0502020204030204" pitchFamily="34" charset="0"/>
+              </a:rPr>
+              <a:t>Or</a:t>
+            </a:r>
+          </a:p>
+          <a:p>
+            <a:r>
+              <a:rPr lang="en-US" sz="2000" dirty="0" smtClean="0">
+                <a:latin typeface="Calibri" panose="020F0502020204030204" pitchFamily="34" charset="0"/>
+                <a:cs typeface="Calibri" panose="020F0502020204030204" pitchFamily="34" charset="0"/>
+              </a:rPr>
+              <a:t>99.5/0.4/0.1%</a:t>
+            </a:r>
+            <a:endParaRPr lang="en-US" sz="2000" dirty="0">
+              <a:latin typeface="Calibri" panose="020F0502020204030204" pitchFamily="34" charset="0"/>
+              <a:cs typeface="Calibri" panose="020F0502020204030204" pitchFamily="34" charset="0"/>
+            </a:endParaRPr>
+          </a:p>
+        </p:txBody>
+      </p:sp>
+      <p:sp>
+        <p:nvSpPr>
+          <p:cNvPr id="8" name="TextBox 7"/>
+          <p:cNvSpPr txBox="1"/>
+          <p:nvPr/>
+        </p:nvSpPr>
+        <p:spPr>
+          <a:xfrm>
+            <a:off x="704867" y="4876389"/>
+            <a:ext cx="5090304" cy="369332"/>
+          </a:xfrm>
+          <a:prstGeom prst="rect">
+            <a:avLst/>
+          </a:prstGeom>
+          <a:noFill/>
+        </p:spPr>
+        <p:txBody>
+          <a:bodyPr wrap="none" rtlCol="0">
+            <a:spAutoFit/>
+          </a:bodyPr>
+          <a:lstStyle/>
+          <a:p>
+            <a:r>
+              <a:rPr lang="en-US" dirty="0" smtClean="0"/>
+              <a:t>Q: What to do if train/test distribution are different?</a:t>
+            </a:r>
+            <a:endParaRPr lang="en-US" dirty="0"/>
+          </a:p>
+        </p:txBody>
+      </p:sp>
+      <p:sp>
+        <p:nvSpPr>
+          <p:cNvPr id="9" name="TextBox 8"/>
+          <p:cNvSpPr txBox="1"/>
+          <p:nvPr/>
+        </p:nvSpPr>
+        <p:spPr>
+          <a:xfrm>
+            <a:off x="923544" y="5477256"/>
+            <a:ext cx="5170774" cy="646331"/>
+          </a:xfrm>
+          <a:prstGeom prst="rect">
+            <a:avLst/>
+          </a:prstGeom>
+          <a:solidFill>
+            <a:schemeClr val="accent1"/>
+          </a:solidFill>
+        </p:spPr>
+        <p:txBody>
+          <a:bodyPr wrap="none" rtlCol="0">
+            <a:spAutoFit/>
+          </a:bodyPr>
+          <a:lstStyle/>
+          <a:p>
+            <a:r>
+              <a:rPr lang="en-US" dirty="0" smtClean="0"/>
+              <a:t>Note:</a:t>
+            </a:r>
+          </a:p>
+          <a:p>
+            <a:r>
+              <a:rPr lang="en-US" dirty="0" smtClean="0"/>
+              <a:t>Make sure dev and test come from same distribution</a:t>
+            </a:r>
+            <a:endParaRPr lang="en-US" dirty="0"/>
+          </a:p>
+        </p:txBody>
+      </p:sp>
+    </p:spTree>
+    <p:extLst>
+      <p:ext uri="{BB962C8B-B14F-4D97-AF65-F5344CB8AC3E}">
+        <p14:creationId xmlns:p14="http://schemas.microsoft.com/office/powerpoint/2010/main" val="2206831971"/>
+      </p:ext>
+    </p:extLst>
+  </p:cSld>
+  <p:clrMapOvr>
+    <a:masterClrMapping/>
+  </p:clrMapOvr>
+</p:sld>
+</file>
+
+<file path=ppt/slides/slide23.xml><?xml version="1.0" encoding="utf-8"?>
+<p:sld xmlns:a="http://schemas.openxmlformats.org/drawingml/2006/main" xmlns:r="http://schemas.openxmlformats.org/officeDocument/2006/relationships" xmlns:p="http://schemas.openxmlformats.org/presentationml/2006/main">
+  <p:cSld>
+    <p:spTree>
+      <p:nvGrpSpPr>
+        <p:cNvPr id="1" name=""/>
+        <p:cNvGrpSpPr/>
+        <p:nvPr/>
+      </p:nvGrpSpPr>
+      <p:grpSpPr>
+        <a:xfrm>
+          <a:off x="0" y="0"/>
+          <a:ext cx="0" cy="0"/>
+          <a:chOff x="0" y="0"/>
+          <a:chExt cx="0" cy="0"/>
+        </a:xfrm>
+      </p:grpSpPr>
+      <p:sp>
+        <p:nvSpPr>
+          <p:cNvPr id="2" name="Title 1"/>
+          <p:cNvSpPr>
+            <a:spLocks noGrp="1"/>
+          </p:cNvSpPr>
+          <p:nvPr>
+            <p:ph type="title"/>
+          </p:nvPr>
+        </p:nvSpPr>
+        <p:spPr>
+          <a:xfrm>
+            <a:off x="857250" y="316992"/>
+            <a:ext cx="7406640" cy="1356360"/>
+          </a:xfrm>
+        </p:spPr>
+        <p:txBody>
+          <a:bodyPr/>
+          <a:lstStyle/>
+          <a:p>
+            <a:pPr algn="ctr"/>
+            <a:r>
+              <a:rPr lang="en-US" dirty="0" smtClean="0">
+                <a:solidFill>
+                  <a:schemeClr val="tx1"/>
+                </a:solidFill>
+                <a:latin typeface="Calibri" panose="020F0502020204030204" pitchFamily="34" charset="0"/>
+                <a:cs typeface="Calibri" panose="020F0502020204030204" pitchFamily="34" charset="0"/>
+              </a:rPr>
+              <a:t>Bias/Variance Tradeoff </a:t>
+            </a:r>
+            <a:endParaRPr lang="en-US" dirty="0">
+              <a:solidFill>
+                <a:schemeClr val="tx1"/>
+              </a:solidFill>
+              <a:latin typeface="Calibri" panose="020F0502020204030204" pitchFamily="34" charset="0"/>
+              <a:cs typeface="Calibri" panose="020F0502020204030204" pitchFamily="34" charset="0"/>
+            </a:endParaRPr>
+          </a:p>
+        </p:txBody>
+      </p:sp>
+      <mc:AlternateContent xmlns:mc="http://schemas.openxmlformats.org/markup-compatibility/2006">
+        <mc:Choice xmlns:a14="http://schemas.microsoft.com/office/drawing/2010/main" Requires="a14">
+          <p:sp>
+            <p:nvSpPr>
+              <p:cNvPr id="13" name="Content Placeholder 12"/>
+              <p:cNvSpPr>
+                <a:spLocks noGrp="1"/>
+              </p:cNvSpPr>
+              <p:nvPr>
+                <p:ph idx="1"/>
+              </p:nvPr>
+            </p:nvSpPr>
+            <p:spPr/>
+            <p:txBody>
+              <a:bodyPr>
+                <a:normAutofit/>
+              </a:bodyPr>
+              <a:lstStyle/>
+              <a:p>
+                <a:r>
+                  <a:rPr lang="en-US" sz="2400" dirty="0" smtClean="0">
+                    <a:solidFill>
+                      <a:schemeClr val="tx1"/>
+                    </a:solidFill>
+                    <a:latin typeface="Calibri" panose="020F0502020204030204" pitchFamily="34" charset="0"/>
+                    <a:cs typeface="Calibri" panose="020F0502020204030204" pitchFamily="34" charset="0"/>
+                  </a:rPr>
+                  <a:t>Human Performance </a:t>
+                </a:r>
+                <a14:m>
+                  <m:oMath xmlns:m="http://schemas.openxmlformats.org/officeDocument/2006/math">
+                    <m:r>
+                      <a:rPr lang="en-US" sz="2400" i="1" smtClean="0">
+                        <a:solidFill>
+                          <a:schemeClr val="tx1"/>
+                        </a:solidFill>
+                        <a:latin typeface="Cambria Math" panose="02040503050406030204" pitchFamily="18" charset="0"/>
+                        <a:ea typeface="Cambria Math" panose="02040503050406030204" pitchFamily="18" charset="0"/>
+                      </a:rPr>
+                      <m:t>≈</m:t>
+                    </m:r>
+                    <m:r>
+                      <a:rPr lang="en-US" sz="2400" b="0" i="1" smtClean="0">
+                        <a:solidFill>
+                          <a:schemeClr val="tx1"/>
+                        </a:solidFill>
+                        <a:latin typeface="Cambria Math" panose="02040503050406030204" pitchFamily="18" charset="0"/>
+                        <a:ea typeface="Cambria Math" panose="02040503050406030204" pitchFamily="18" charset="0"/>
+                      </a:rPr>
+                      <m:t>0%</m:t>
+                    </m:r>
+                  </m:oMath>
+                </a14:m>
+                <a:endParaRPr lang="en-US" sz="2400" b="0" dirty="0" smtClean="0">
+                  <a:solidFill>
+                    <a:schemeClr val="tx1"/>
+                  </a:solidFill>
+                  <a:latin typeface="Calibri" panose="020F0502020204030204" pitchFamily="34" charset="0"/>
+                  <a:ea typeface="Cambria Math" panose="02040503050406030204" pitchFamily="18" charset="0"/>
+                  <a:cs typeface="Calibri" panose="020F0502020204030204" pitchFamily="34" charset="0"/>
+                </a:endParaRPr>
+              </a:p>
+              <a:p>
+                <a:r>
+                  <a:rPr lang="en-US" sz="2400" dirty="0" smtClean="0">
+                    <a:solidFill>
+                      <a:schemeClr val="tx1"/>
+                    </a:solidFill>
+                    <a:latin typeface="Calibri" panose="020F0502020204030204" pitchFamily="34" charset="0"/>
+                    <a:cs typeface="Calibri" panose="020F0502020204030204" pitchFamily="34" charset="0"/>
+                  </a:rPr>
+                  <a:t>Example 1</a:t>
+                </a:r>
+              </a:p>
+              <a:p>
+                <a:pPr lvl="1"/>
+                <a:r>
+                  <a:rPr lang="en-US" sz="2200" dirty="0" smtClean="0">
+                    <a:solidFill>
+                      <a:schemeClr val="tx1"/>
+                    </a:solidFill>
+                    <a:latin typeface="Calibri" panose="020F0502020204030204" pitchFamily="34" charset="0"/>
+                    <a:cs typeface="Calibri" panose="020F0502020204030204" pitchFamily="34" charset="0"/>
+                  </a:rPr>
+                  <a:t>Train error: 1% good</a:t>
+                </a:r>
+              </a:p>
+              <a:p>
+                <a:pPr lvl="1"/>
+                <a:r>
+                  <a:rPr lang="en-US" sz="2200" dirty="0" smtClean="0">
+                    <a:solidFill>
+                      <a:schemeClr val="tx1"/>
+                    </a:solidFill>
+                    <a:latin typeface="Calibri" panose="020F0502020204030204" pitchFamily="34" charset="0"/>
+                    <a:cs typeface="Calibri" panose="020F0502020204030204" pitchFamily="34" charset="0"/>
+                  </a:rPr>
+                  <a:t>Dev error: 11% poor</a:t>
+                </a:r>
+              </a:p>
+              <a:p>
+                <a:pPr lvl="1"/>
+                <a:r>
+                  <a:rPr lang="en-US" sz="2200" dirty="0" smtClean="0">
+                    <a:solidFill>
+                      <a:schemeClr val="tx1"/>
+                    </a:solidFill>
+                    <a:latin typeface="Calibri" panose="020F0502020204030204" pitchFamily="34" charset="0"/>
+                    <a:cs typeface="Calibri" panose="020F0502020204030204" pitchFamily="34" charset="0"/>
+                  </a:rPr>
+                  <a:t>High Variance</a:t>
+                </a:r>
+                <a:endParaRPr lang="en-US" sz="2200" dirty="0">
+                  <a:solidFill>
+                    <a:schemeClr val="tx1"/>
+                  </a:solidFill>
+                  <a:latin typeface="Calibri" panose="020F0502020204030204" pitchFamily="34" charset="0"/>
+                  <a:cs typeface="Calibri" panose="020F0502020204030204" pitchFamily="34" charset="0"/>
+                </a:endParaRPr>
+              </a:p>
+              <a:p>
+                <a:r>
+                  <a:rPr lang="en-US" sz="2400" dirty="0" smtClean="0">
+                    <a:solidFill>
+                      <a:schemeClr val="tx1"/>
+                    </a:solidFill>
+                    <a:latin typeface="Calibri" panose="020F0502020204030204" pitchFamily="34" charset="0"/>
+                    <a:cs typeface="Calibri" panose="020F0502020204030204" pitchFamily="34" charset="0"/>
+                  </a:rPr>
+                  <a:t>Example 2</a:t>
+                </a:r>
+              </a:p>
+              <a:p>
+                <a:pPr lvl="1"/>
+                <a:r>
+                  <a:rPr lang="en-US" sz="2200" dirty="0" smtClean="0">
+                    <a:solidFill>
+                      <a:schemeClr val="tx1"/>
+                    </a:solidFill>
+                    <a:latin typeface="Calibri" panose="020F0502020204030204" pitchFamily="34" charset="0"/>
+                    <a:cs typeface="Calibri" panose="020F0502020204030204" pitchFamily="34" charset="0"/>
+                  </a:rPr>
+                  <a:t>Train error: 15%</a:t>
+                </a:r>
+              </a:p>
+              <a:p>
+                <a:pPr lvl="1"/>
+                <a:r>
+                  <a:rPr lang="en-US" sz="2200" dirty="0" smtClean="0">
+                    <a:solidFill>
+                      <a:schemeClr val="tx1"/>
+                    </a:solidFill>
+                    <a:latin typeface="Calibri" panose="020F0502020204030204" pitchFamily="34" charset="0"/>
+                    <a:cs typeface="Calibri" panose="020F0502020204030204" pitchFamily="34" charset="0"/>
+                  </a:rPr>
+                  <a:t>Dev Error: 16%</a:t>
+                </a:r>
+              </a:p>
+              <a:p>
+                <a:pPr lvl="1"/>
+                <a:r>
+                  <a:rPr lang="en-US" sz="2200" dirty="0" smtClean="0">
+                    <a:solidFill>
+                      <a:schemeClr val="tx1"/>
+                    </a:solidFill>
+                    <a:latin typeface="Calibri" panose="020F0502020204030204" pitchFamily="34" charset="0"/>
+                    <a:cs typeface="Calibri" panose="020F0502020204030204" pitchFamily="34" charset="0"/>
+                  </a:rPr>
+                  <a:t>High Bias</a:t>
+                </a:r>
+                <a:endParaRPr lang="en-US" sz="2200" dirty="0">
+                  <a:solidFill>
+                    <a:schemeClr val="tx1"/>
+                  </a:solidFill>
+                  <a:latin typeface="Calibri" panose="020F0502020204030204" pitchFamily="34" charset="0"/>
+                  <a:cs typeface="Calibri" panose="020F0502020204030204" pitchFamily="34" charset="0"/>
+                </a:endParaRPr>
+              </a:p>
+            </p:txBody>
+          </p:sp>
+        </mc:Choice>
+        <mc:Fallback>
+          <p:sp>
+            <p:nvSpPr>
+              <p:cNvPr id="13" name="Content Placeholder 12"/>
+              <p:cNvSpPr>
+                <a:spLocks noGrp="1" noRot="1" noChangeAspect="1" noMove="1" noResize="1" noEditPoints="1" noAdjustHandles="1" noChangeArrowheads="1" noChangeShapeType="1" noTextEdit="1"/>
+              </p:cNvSpPr>
+              <p:nvPr>
+                <p:ph idx="1"/>
+              </p:nvPr>
+            </p:nvSpPr>
+            <p:spPr>
+              <a:blipFill rotWithShape="0">
+                <a:blip r:embed="rId2"/>
+                <a:stretch>
+                  <a:fillRect l="-329" t="-2115"/>
+                </a:stretch>
+              </a:blipFill>
+            </p:spPr>
+            <p:txBody>
+              <a:bodyPr/>
+              <a:lstStyle/>
+              <a:p>
+                <a:r>
+                  <a:rPr lang="en-US">
+                    <a:noFill/>
+                  </a:rPr>
+                  <a:t> </a:t>
+                </a:r>
+              </a:p>
+            </p:txBody>
+          </p:sp>
+        </mc:Fallback>
+      </mc:AlternateContent>
+      <p:sp>
+        <p:nvSpPr>
+          <p:cNvPr id="14" name="Right Brace 13"/>
+          <p:cNvSpPr/>
+          <p:nvPr/>
+        </p:nvSpPr>
+        <p:spPr>
+          <a:xfrm>
+            <a:off x="4032504" y="2953512"/>
+            <a:ext cx="118872" cy="548640"/>
+          </a:xfrm>
+          <a:prstGeom prst="rightBrace">
+            <a:avLst/>
+          </a:prstGeom>
+        </p:spPr>
+        <p:style>
+          <a:lnRef idx="2">
+            <a:schemeClr val="dk1"/>
+          </a:lnRef>
+          <a:fillRef idx="0">
+            <a:schemeClr val="dk1"/>
+          </a:fillRef>
+          <a:effectRef idx="1">
+            <a:schemeClr val="dk1"/>
+          </a:effectRef>
+          <a:fontRef idx="minor">
+            <a:schemeClr val="tx1"/>
+          </a:fontRef>
+        </p:style>
+        <p:txBody>
+          <a:bodyPr rtlCol="0" anchor="ctr"/>
+          <a:lstStyle/>
+          <a:p>
+            <a:pPr algn="ctr"/>
+            <a:endParaRPr lang="en-US"/>
+          </a:p>
+        </p:txBody>
+      </p:sp>
+      <p:sp>
+        <p:nvSpPr>
+          <p:cNvPr id="16" name="TextBox 15"/>
+          <p:cNvSpPr txBox="1"/>
+          <p:nvPr/>
+        </p:nvSpPr>
+        <p:spPr>
+          <a:xfrm>
+            <a:off x="4559577" y="2996999"/>
+            <a:ext cx="1528624" cy="461665"/>
+          </a:xfrm>
+          <a:prstGeom prst="rect">
+            <a:avLst/>
+          </a:prstGeom>
+          <a:noFill/>
+        </p:spPr>
+        <p:txBody>
+          <a:bodyPr wrap="none" rtlCol="0">
+            <a:spAutoFit/>
+          </a:bodyPr>
+          <a:lstStyle/>
+          <a:p>
+            <a:r>
+              <a:rPr lang="en-US" sz="2400" dirty="0" smtClean="0">
+                <a:latin typeface="Calibri" panose="020F0502020204030204" pitchFamily="34" charset="0"/>
+                <a:cs typeface="Calibri" panose="020F0502020204030204" pitchFamily="34" charset="0"/>
+              </a:rPr>
+              <a:t>Overfitting</a:t>
+            </a:r>
+            <a:endParaRPr lang="en-US" sz="2400" dirty="0">
+              <a:latin typeface="Calibri" panose="020F0502020204030204" pitchFamily="34" charset="0"/>
+              <a:cs typeface="Calibri" panose="020F0502020204030204" pitchFamily="34" charset="0"/>
+            </a:endParaRPr>
+          </a:p>
+        </p:txBody>
+      </p:sp>
+      <p:sp>
+        <p:nvSpPr>
+          <p:cNvPr id="17" name="Right Brace 16"/>
+          <p:cNvSpPr/>
+          <p:nvPr/>
+        </p:nvSpPr>
+        <p:spPr>
+          <a:xfrm>
+            <a:off x="3675888" y="4303067"/>
+            <a:ext cx="155448" cy="914400"/>
+          </a:xfrm>
+          <a:prstGeom prst="rightBrace">
+            <a:avLst/>
+          </a:prstGeom>
+          <a:ln/>
+        </p:spPr>
+        <p:style>
+          <a:lnRef idx="2">
+            <a:schemeClr val="dk1"/>
+          </a:lnRef>
+          <a:fillRef idx="0">
+            <a:schemeClr val="dk1"/>
+          </a:fillRef>
+          <a:effectRef idx="1">
+            <a:schemeClr val="dk1"/>
+          </a:effectRef>
+          <a:fontRef idx="minor">
+            <a:schemeClr val="tx1"/>
+          </a:fontRef>
+        </p:style>
+        <p:txBody>
+          <a:bodyPr rtlCol="0" anchor="ctr"/>
+          <a:lstStyle/>
+          <a:p>
+            <a:pPr algn="ctr"/>
+            <a:endParaRPr lang="en-US"/>
+          </a:p>
+        </p:txBody>
+      </p:sp>
+      <p:sp>
+        <p:nvSpPr>
+          <p:cNvPr id="18" name="TextBox 17"/>
+          <p:cNvSpPr txBox="1"/>
+          <p:nvPr/>
+        </p:nvSpPr>
+        <p:spPr>
+          <a:xfrm>
+            <a:off x="4268120" y="4529434"/>
+            <a:ext cx="1778500" cy="461665"/>
+          </a:xfrm>
+          <a:prstGeom prst="rect">
+            <a:avLst/>
+          </a:prstGeom>
+          <a:noFill/>
+        </p:spPr>
+        <p:txBody>
+          <a:bodyPr wrap="none" rtlCol="0">
+            <a:spAutoFit/>
+          </a:bodyPr>
+          <a:lstStyle/>
+          <a:p>
+            <a:r>
+              <a:rPr lang="en-US" sz="2400" dirty="0" smtClean="0">
+                <a:latin typeface="Calibri" panose="020F0502020204030204" pitchFamily="34" charset="0"/>
+                <a:cs typeface="Calibri" panose="020F0502020204030204" pitchFamily="34" charset="0"/>
+              </a:rPr>
+              <a:t>Under fitting</a:t>
+            </a:r>
+            <a:endParaRPr lang="en-US" sz="2400" dirty="0">
+              <a:latin typeface="Calibri" panose="020F0502020204030204" pitchFamily="34" charset="0"/>
+              <a:cs typeface="Calibri" panose="020F0502020204030204" pitchFamily="34" charset="0"/>
+            </a:endParaRPr>
+          </a:p>
+        </p:txBody>
+      </p:sp>
+    </p:spTree>
+    <p:extLst>
+      <p:ext uri="{BB962C8B-B14F-4D97-AF65-F5344CB8AC3E}">
+        <p14:creationId xmlns:p14="http://schemas.microsoft.com/office/powerpoint/2010/main" val="369139466"/>
+      </p:ext>
+    </p:extLst>
+  </p:cSld>
+  <p:clrMapOvr>
+    <a:masterClrMapping/>
+  </p:clrMapOvr>
+</p:sld>
+</file>
+
+<file path=ppt/slides/slide24.xml><?xml version="1.0" encoding="utf-8"?>
+<p:sld xmlns:a="http://schemas.openxmlformats.org/drawingml/2006/main" xmlns:r="http://schemas.openxmlformats.org/officeDocument/2006/relationships" xmlns:p="http://schemas.openxmlformats.org/presentationml/2006/main">
+  <p:cSld>
+    <p:spTree>
+      <p:nvGrpSpPr>
+        <p:cNvPr id="1" name=""/>
+        <p:cNvGrpSpPr/>
+        <p:nvPr/>
+      </p:nvGrpSpPr>
+      <p:grpSpPr>
+        <a:xfrm>
+          <a:off x="0" y="0"/>
+          <a:ext cx="0" cy="0"/>
+          <a:chOff x="0" y="0"/>
+          <a:chExt cx="0" cy="0"/>
+        </a:xfrm>
+      </p:grpSpPr>
+      <p:sp>
+        <p:nvSpPr>
+          <p:cNvPr id="2" name="Title 1"/>
+          <p:cNvSpPr>
+            <a:spLocks noGrp="1"/>
+          </p:cNvSpPr>
+          <p:nvPr>
+            <p:ph type="title"/>
+          </p:nvPr>
+        </p:nvSpPr>
+        <p:spPr/>
+        <p:txBody>
+          <a:bodyPr/>
+          <a:lstStyle/>
+          <a:p>
+            <a:pPr algn="ctr"/>
+            <a:r>
+              <a:rPr lang="en-US" dirty="0" smtClean="0">
+                <a:solidFill>
+                  <a:schemeClr val="tx1"/>
+                </a:solidFill>
+                <a:latin typeface="Calibri" panose="020F0502020204030204" pitchFamily="34" charset="0"/>
+                <a:cs typeface="Calibri" panose="020F0502020204030204" pitchFamily="34" charset="0"/>
+              </a:rPr>
+              <a:t>Regularization</a:t>
+            </a:r>
+            <a:endParaRPr lang="en-US" dirty="0">
+              <a:solidFill>
+                <a:schemeClr val="tx1"/>
+              </a:solidFill>
+              <a:latin typeface="Calibri" panose="020F0502020204030204" pitchFamily="34" charset="0"/>
+              <a:cs typeface="Calibri" panose="020F0502020204030204" pitchFamily="34" charset="0"/>
+            </a:endParaRPr>
+          </a:p>
+        </p:txBody>
+      </p:sp>
+      <mc:AlternateContent xmlns:mc="http://schemas.openxmlformats.org/markup-compatibility/2006">
+        <mc:Choice xmlns:a14="http://schemas.microsoft.com/office/drawing/2010/main" Requires="a14">
+          <p:sp>
+            <p:nvSpPr>
+              <p:cNvPr id="3" name="Content Placeholder 2"/>
+              <p:cNvSpPr>
+                <a:spLocks noGrp="1"/>
+              </p:cNvSpPr>
+              <p:nvPr>
+                <p:ph idx="1"/>
+              </p:nvPr>
+            </p:nvSpPr>
+            <p:spPr/>
+            <p:txBody>
+              <a:bodyPr/>
+              <a:lstStyle/>
+              <a:p>
+                <a:r>
+                  <a:rPr lang="en-US" dirty="0" smtClean="0">
+                    <a:solidFill>
+                      <a:schemeClr val="tx1"/>
+                    </a:solidFill>
+                    <a:latin typeface="Calibri" panose="020F0502020204030204" pitchFamily="34" charset="0"/>
+                    <a:cs typeface="Calibri" panose="020F0502020204030204" pitchFamily="34" charset="0"/>
+                  </a:rPr>
+                  <a:t>Used when validation/dev error is more i.e. in case of overfitting</a:t>
+                </a:r>
+              </a:p>
+              <a:p>
+                <a:r>
+                  <a:rPr lang="en-US" dirty="0" smtClean="0">
+                    <a:solidFill>
+                      <a:schemeClr val="tx1"/>
+                    </a:solidFill>
+                    <a:latin typeface="Calibri" panose="020F0502020204030204" pitchFamily="34" charset="0"/>
+                    <a:cs typeface="Calibri" panose="020F0502020204030204" pitchFamily="34" charset="0"/>
+                  </a:rPr>
+                  <a:t>L</a:t>
+                </a:r>
+                <a:r>
+                  <a:rPr lang="en-US" baseline="-25000" dirty="0" smtClean="0">
+                    <a:solidFill>
+                      <a:schemeClr val="tx1"/>
+                    </a:solidFill>
+                    <a:latin typeface="Calibri" panose="020F0502020204030204" pitchFamily="34" charset="0"/>
+                    <a:cs typeface="Calibri" panose="020F0502020204030204" pitchFamily="34" charset="0"/>
+                  </a:rPr>
+                  <a:t>2</a:t>
+                </a:r>
+                <a:r>
+                  <a:rPr lang="en-US" dirty="0" smtClean="0">
+                    <a:solidFill>
+                      <a:schemeClr val="tx1"/>
+                    </a:solidFill>
+                    <a:latin typeface="Calibri" panose="020F0502020204030204" pitchFamily="34" charset="0"/>
+                    <a:cs typeface="Calibri" panose="020F0502020204030204" pitchFamily="34" charset="0"/>
+                  </a:rPr>
+                  <a:t> regularization:</a:t>
+                </a:r>
+              </a:p>
+              <a:p>
+                <a:pPr marL="34290" indent="0">
+                  <a:buNone/>
+                </a:pPr>
+                <a14:m>
+                  <m:oMathPara xmlns:m="http://schemas.openxmlformats.org/officeDocument/2006/math">
+                    <m:oMathParaPr>
+                      <m:jc m:val="centerGroup"/>
+                    </m:oMathParaPr>
+                    <m:oMath xmlns:m="http://schemas.openxmlformats.org/officeDocument/2006/math">
+                      <m:r>
+                        <a:rPr lang="en-US" b="0" i="1" smtClean="0">
+                          <a:solidFill>
+                            <a:schemeClr val="tx1"/>
+                          </a:solidFill>
+                          <a:latin typeface="Cambria Math" panose="02040503050406030204" pitchFamily="18" charset="0"/>
+                          <a:cs typeface="Calibri" panose="020F0502020204030204" pitchFamily="34" charset="0"/>
+                        </a:rPr>
+                        <m:t>𝐽</m:t>
+                      </m:r>
+                      <m:d>
+                        <m:dPr>
+                          <m:ctrlPr>
+                            <a:rPr lang="en-US" b="0" i="1" smtClean="0">
+                              <a:solidFill>
+                                <a:schemeClr val="tx1"/>
+                              </a:solidFill>
+                              <a:latin typeface="Cambria Math" panose="02040503050406030204" pitchFamily="18" charset="0"/>
+                              <a:cs typeface="Calibri" panose="020F0502020204030204" pitchFamily="34" charset="0"/>
+                            </a:rPr>
+                          </m:ctrlPr>
+                        </m:dPr>
+                        <m:e>
+                          <m:r>
+                            <a:rPr lang="en-US" b="0" i="1" smtClean="0">
+                              <a:solidFill>
+                                <a:schemeClr val="tx1"/>
+                              </a:solidFill>
+                              <a:latin typeface="Cambria Math" panose="02040503050406030204" pitchFamily="18" charset="0"/>
+                              <a:cs typeface="Calibri" panose="020F0502020204030204" pitchFamily="34" charset="0"/>
+                            </a:rPr>
+                            <m:t>𝑊</m:t>
+                          </m:r>
+                          <m:r>
+                            <a:rPr lang="en-US" b="0" i="1" smtClean="0">
+                              <a:solidFill>
+                                <a:schemeClr val="tx1"/>
+                              </a:solidFill>
+                              <a:latin typeface="Cambria Math" panose="02040503050406030204" pitchFamily="18" charset="0"/>
+                              <a:cs typeface="Calibri" panose="020F0502020204030204" pitchFamily="34" charset="0"/>
+                            </a:rPr>
+                            <m:t>,</m:t>
+                          </m:r>
+                          <m:r>
+                            <a:rPr lang="en-US" b="0" i="1" smtClean="0">
+                              <a:solidFill>
+                                <a:schemeClr val="tx1"/>
+                              </a:solidFill>
+                              <a:latin typeface="Cambria Math" panose="02040503050406030204" pitchFamily="18" charset="0"/>
+                              <a:cs typeface="Calibri" panose="020F0502020204030204" pitchFamily="34" charset="0"/>
+                            </a:rPr>
+                            <m:t>𝐵</m:t>
+                          </m:r>
+                        </m:e>
+                      </m:d>
+                      <m:r>
+                        <a:rPr lang="en-US" b="0" i="1" smtClean="0">
+                          <a:solidFill>
+                            <a:schemeClr val="tx1"/>
+                          </a:solidFill>
+                          <a:latin typeface="Cambria Math" panose="02040503050406030204" pitchFamily="18" charset="0"/>
+                          <a:cs typeface="Calibri" panose="020F0502020204030204" pitchFamily="34" charset="0"/>
+                        </a:rPr>
+                        <m:t>=</m:t>
+                      </m:r>
+                      <m:f>
+                        <m:fPr>
+                          <m:ctrlPr>
+                            <a:rPr lang="en-US" b="0" i="1" smtClean="0">
+                              <a:solidFill>
+                                <a:schemeClr val="tx1"/>
+                              </a:solidFill>
+                              <a:latin typeface="Cambria Math" panose="02040503050406030204" pitchFamily="18" charset="0"/>
+                              <a:cs typeface="Calibri" panose="020F0502020204030204" pitchFamily="34" charset="0"/>
+                            </a:rPr>
+                          </m:ctrlPr>
+                        </m:fPr>
+                        <m:num>
+                          <m:r>
+                            <a:rPr lang="en-US" b="0" i="1" smtClean="0">
+                              <a:solidFill>
+                                <a:schemeClr val="tx1"/>
+                              </a:solidFill>
+                              <a:latin typeface="Cambria Math" panose="02040503050406030204" pitchFamily="18" charset="0"/>
+                              <a:cs typeface="Calibri" panose="020F0502020204030204" pitchFamily="34" charset="0"/>
+                            </a:rPr>
+                            <m:t>1</m:t>
+                          </m:r>
+                        </m:num>
+                        <m:den>
+                          <m:r>
+                            <a:rPr lang="en-US" b="0" i="1" smtClean="0">
+                              <a:solidFill>
+                                <a:schemeClr val="tx1"/>
+                              </a:solidFill>
+                              <a:latin typeface="Cambria Math" panose="02040503050406030204" pitchFamily="18" charset="0"/>
+                              <a:cs typeface="Calibri" panose="020F0502020204030204" pitchFamily="34" charset="0"/>
+                            </a:rPr>
+                            <m:t>𝑚</m:t>
+                          </m:r>
+                        </m:den>
+                      </m:f>
+                      <m:nary>
+                        <m:naryPr>
+                          <m:chr m:val="∑"/>
+                          <m:subHide m:val="on"/>
+                          <m:supHide m:val="on"/>
+                          <m:ctrlPr>
+                            <a:rPr lang="en-US" b="0" i="1" smtClean="0">
+                              <a:solidFill>
+                                <a:schemeClr val="tx1"/>
+                              </a:solidFill>
+                              <a:latin typeface="Cambria Math" panose="02040503050406030204" pitchFamily="18" charset="0"/>
+                              <a:cs typeface="Calibri" panose="020F0502020204030204" pitchFamily="34" charset="0"/>
+                            </a:rPr>
+                          </m:ctrlPr>
+                        </m:naryPr>
+                        <m:sub/>
+                        <m:sup/>
+                        <m:e>
+                          <m:r>
+                            <a:rPr lang="en-US" b="0" i="1" smtClean="0">
+                              <a:solidFill>
+                                <a:schemeClr val="tx1"/>
+                              </a:solidFill>
+                              <a:latin typeface="Cambria Math" panose="02040503050406030204" pitchFamily="18" charset="0"/>
+                              <a:cs typeface="Calibri" panose="020F0502020204030204" pitchFamily="34" charset="0"/>
+                            </a:rPr>
+                            <m:t>𝐿</m:t>
+                          </m:r>
+                          <m:d>
+                            <m:dPr>
+                              <m:ctrlPr>
+                                <a:rPr lang="en-US" b="0" i="1" smtClean="0">
+                                  <a:solidFill>
+                                    <a:schemeClr val="tx1"/>
+                                  </a:solidFill>
+                                  <a:latin typeface="Cambria Math" panose="02040503050406030204" pitchFamily="18" charset="0"/>
+                                  <a:cs typeface="Calibri" panose="020F0502020204030204" pitchFamily="34" charset="0"/>
+                                </a:rPr>
+                              </m:ctrlPr>
+                            </m:dPr>
+                            <m:e>
+                              <m:sSup>
+                                <m:sSupPr>
+                                  <m:ctrlPr>
+                                    <a:rPr lang="en-US" b="0" i="1" smtClean="0">
+                                      <a:solidFill>
+                                        <a:schemeClr val="tx1"/>
+                                      </a:solidFill>
+                                      <a:latin typeface="Cambria Math" panose="02040503050406030204" pitchFamily="18" charset="0"/>
+                                      <a:cs typeface="Calibri" panose="020F0502020204030204" pitchFamily="34" charset="0"/>
+                                    </a:rPr>
+                                  </m:ctrlPr>
+                                </m:sSupPr>
+                                <m:e>
+                                  <m:acc>
+                                    <m:accPr>
+                                      <m:chr m:val="̂"/>
+                                      <m:ctrlPr>
+                                        <a:rPr lang="en-US" b="0" i="1" smtClean="0">
+                                          <a:solidFill>
+                                            <a:schemeClr val="tx1"/>
+                                          </a:solidFill>
+                                          <a:latin typeface="Cambria Math" panose="02040503050406030204" pitchFamily="18" charset="0"/>
+                                          <a:cs typeface="Calibri" panose="020F0502020204030204" pitchFamily="34" charset="0"/>
+                                        </a:rPr>
+                                      </m:ctrlPr>
+                                    </m:accPr>
+                                    <m:e>
+                                      <m:r>
+                                        <a:rPr lang="en-US" b="0" i="1" smtClean="0">
+                                          <a:solidFill>
+                                            <a:schemeClr val="tx1"/>
+                                          </a:solidFill>
+                                          <a:latin typeface="Cambria Math" panose="02040503050406030204" pitchFamily="18" charset="0"/>
+                                          <a:cs typeface="Calibri" panose="020F0502020204030204" pitchFamily="34" charset="0"/>
+                                        </a:rPr>
+                                        <m:t>𝑦</m:t>
+                                      </m:r>
+                                    </m:e>
+                                  </m:acc>
+                                </m:e>
+                                <m:sup>
+                                  <m:r>
+                                    <a:rPr lang="en-US" b="0" i="1" smtClean="0">
+                                      <a:solidFill>
+                                        <a:schemeClr val="tx1"/>
+                                      </a:solidFill>
+                                      <a:latin typeface="Cambria Math" panose="02040503050406030204" pitchFamily="18" charset="0"/>
+                                      <a:cs typeface="Calibri" panose="020F0502020204030204" pitchFamily="34" charset="0"/>
+                                    </a:rPr>
+                                    <m:t>𝑖</m:t>
+                                  </m:r>
+                                </m:sup>
+                              </m:sSup>
+                              <m:r>
+                                <a:rPr lang="en-US" b="0" i="1" smtClean="0">
+                                  <a:solidFill>
+                                    <a:schemeClr val="tx1"/>
+                                  </a:solidFill>
+                                  <a:latin typeface="Cambria Math" panose="02040503050406030204" pitchFamily="18" charset="0"/>
+                                  <a:cs typeface="Calibri" panose="020F0502020204030204" pitchFamily="34" charset="0"/>
+                                </a:rPr>
+                                <m:t>,</m:t>
+                              </m:r>
+                              <m:sSup>
+                                <m:sSupPr>
+                                  <m:ctrlPr>
+                                    <a:rPr lang="en-US" b="0" i="1" smtClean="0">
+                                      <a:solidFill>
+                                        <a:schemeClr val="tx1"/>
+                                      </a:solidFill>
+                                      <a:latin typeface="Cambria Math" panose="02040503050406030204" pitchFamily="18" charset="0"/>
+                                      <a:cs typeface="Calibri" panose="020F0502020204030204" pitchFamily="34" charset="0"/>
+                                    </a:rPr>
+                                  </m:ctrlPr>
+                                </m:sSupPr>
+                                <m:e>
+                                  <m:r>
+                                    <a:rPr lang="en-US" b="0" i="1" smtClean="0">
+                                      <a:solidFill>
+                                        <a:schemeClr val="tx1"/>
+                                      </a:solidFill>
+                                      <a:latin typeface="Cambria Math" panose="02040503050406030204" pitchFamily="18" charset="0"/>
+                                      <a:cs typeface="Calibri" panose="020F0502020204030204" pitchFamily="34" charset="0"/>
+                                    </a:rPr>
+                                    <m:t>𝑦</m:t>
+                                  </m:r>
+                                </m:e>
+                                <m:sup>
+                                  <m:r>
+                                    <a:rPr lang="en-US" b="0" i="1" smtClean="0">
+                                      <a:solidFill>
+                                        <a:schemeClr val="tx1"/>
+                                      </a:solidFill>
+                                      <a:latin typeface="Cambria Math" panose="02040503050406030204" pitchFamily="18" charset="0"/>
+                                      <a:cs typeface="Calibri" panose="020F0502020204030204" pitchFamily="34" charset="0"/>
+                                    </a:rPr>
+                                    <m:t>𝑖</m:t>
+                                  </m:r>
+                                </m:sup>
+                              </m:sSup>
+                            </m:e>
+                          </m:d>
+                          <m:r>
+                            <a:rPr lang="en-US" b="0" i="1" smtClean="0">
+                              <a:solidFill>
+                                <a:schemeClr val="tx1"/>
+                              </a:solidFill>
+                              <a:latin typeface="Cambria Math" panose="02040503050406030204" pitchFamily="18" charset="0"/>
+                              <a:cs typeface="Calibri" panose="020F0502020204030204" pitchFamily="34" charset="0"/>
+                            </a:rPr>
+                            <m:t>+</m:t>
+                          </m:r>
+                          <m:f>
+                            <m:fPr>
+                              <m:ctrlPr>
+                                <a:rPr lang="en-US" b="0" i="1" smtClean="0">
+                                  <a:solidFill>
+                                    <a:schemeClr val="tx1"/>
+                                  </a:solidFill>
+                                  <a:latin typeface="Cambria Math" panose="02040503050406030204" pitchFamily="18" charset="0"/>
+                                  <a:cs typeface="Calibri" panose="020F0502020204030204" pitchFamily="34" charset="0"/>
+                                </a:rPr>
+                              </m:ctrlPr>
+                            </m:fPr>
+                            <m:num>
+                              <m:r>
+                                <a:rPr lang="en-US" b="0" i="1" smtClean="0">
+                                  <a:solidFill>
+                                    <a:schemeClr val="tx1"/>
+                                  </a:solidFill>
+                                  <a:latin typeface="Cambria Math" panose="02040503050406030204" pitchFamily="18" charset="0"/>
+                                  <a:ea typeface="Cambria Math" panose="02040503050406030204" pitchFamily="18" charset="0"/>
+                                  <a:cs typeface="Calibri" panose="020F0502020204030204" pitchFamily="34" charset="0"/>
+                                </a:rPr>
+                                <m:t>𝜆</m:t>
+                              </m:r>
+                            </m:num>
+                            <m:den>
+                              <m:r>
+                                <a:rPr lang="en-US" b="0" i="1" smtClean="0">
+                                  <a:solidFill>
+                                    <a:schemeClr val="tx1"/>
+                                  </a:solidFill>
+                                  <a:latin typeface="Cambria Math" panose="02040503050406030204" pitchFamily="18" charset="0"/>
+                                  <a:cs typeface="Calibri" panose="020F0502020204030204" pitchFamily="34" charset="0"/>
+                                </a:rPr>
+                                <m:t>2</m:t>
+                              </m:r>
+                              <m:r>
+                                <a:rPr lang="en-US" b="0" i="1" smtClean="0">
+                                  <a:solidFill>
+                                    <a:schemeClr val="tx1"/>
+                                  </a:solidFill>
+                                  <a:latin typeface="Cambria Math" panose="02040503050406030204" pitchFamily="18" charset="0"/>
+                                  <a:cs typeface="Calibri" panose="020F0502020204030204" pitchFamily="34" charset="0"/>
+                                </a:rPr>
+                                <m:t>𝑚</m:t>
+                              </m:r>
+                            </m:den>
+                          </m:f>
+                          <m:sSubSup>
+                            <m:sSubSupPr>
+                              <m:ctrlPr>
+                                <a:rPr lang="en-US" b="0" i="1" smtClean="0">
+                                  <a:solidFill>
+                                    <a:schemeClr val="tx1"/>
+                                  </a:solidFill>
+                                  <a:latin typeface="Cambria Math" panose="02040503050406030204" pitchFamily="18" charset="0"/>
+                                  <a:cs typeface="Calibri" panose="020F0502020204030204" pitchFamily="34" charset="0"/>
+                                </a:rPr>
+                              </m:ctrlPr>
+                            </m:sSubSupPr>
+                            <m:e>
+                              <m:r>
+                                <a:rPr lang="en-US" b="0" i="1" smtClean="0">
+                                  <a:solidFill>
+                                    <a:schemeClr val="tx1"/>
+                                  </a:solidFill>
+                                  <a:latin typeface="Cambria Math" panose="02040503050406030204" pitchFamily="18" charset="0"/>
+                                  <a:cs typeface="Calibri" panose="020F0502020204030204" pitchFamily="34" charset="0"/>
+                                </a:rPr>
+                                <m:t>|</m:t>
+                              </m:r>
+                              <m:d>
+                                <m:dPr>
+                                  <m:begChr m:val="|"/>
+                                  <m:endChr m:val="|"/>
+                                  <m:ctrlPr>
+                                    <a:rPr lang="en-US" b="0" i="1" smtClean="0">
+                                      <a:solidFill>
+                                        <a:schemeClr val="tx1"/>
+                                      </a:solidFill>
+                                      <a:latin typeface="Cambria Math" panose="02040503050406030204" pitchFamily="18" charset="0"/>
+                                      <a:cs typeface="Calibri" panose="020F0502020204030204" pitchFamily="34" charset="0"/>
+                                    </a:rPr>
+                                  </m:ctrlPr>
+                                </m:dPr>
+                                <m:e>
+                                  <m:r>
+                                    <a:rPr lang="en-US" b="0" i="1" smtClean="0">
+                                      <a:solidFill>
+                                        <a:schemeClr val="tx1"/>
+                                      </a:solidFill>
+                                      <a:latin typeface="Cambria Math" panose="02040503050406030204" pitchFamily="18" charset="0"/>
+                                      <a:cs typeface="Calibri" panose="020F0502020204030204" pitchFamily="34" charset="0"/>
+                                    </a:rPr>
+                                    <m:t>𝑊</m:t>
+                                  </m:r>
+                                </m:e>
+                              </m:d>
+                              <m:r>
+                                <a:rPr lang="en-US" b="0" i="1" smtClean="0">
+                                  <a:solidFill>
+                                    <a:schemeClr val="tx1"/>
+                                  </a:solidFill>
+                                  <a:latin typeface="Cambria Math" panose="02040503050406030204" pitchFamily="18" charset="0"/>
+                                  <a:cs typeface="Calibri" panose="020F0502020204030204" pitchFamily="34" charset="0"/>
+                                </a:rPr>
+                                <m:t>|</m:t>
+                              </m:r>
+                            </m:e>
+                            <m:sub>
+                              <m:r>
+                                <a:rPr lang="en-US" b="0" i="1" smtClean="0">
+                                  <a:solidFill>
+                                    <a:schemeClr val="tx1"/>
+                                  </a:solidFill>
+                                  <a:latin typeface="Cambria Math" panose="02040503050406030204" pitchFamily="18" charset="0"/>
+                                  <a:cs typeface="Calibri" panose="020F0502020204030204" pitchFamily="34" charset="0"/>
+                                </a:rPr>
+                                <m:t>2</m:t>
+                              </m:r>
+                            </m:sub>
+                            <m:sup>
+                              <m:r>
+                                <a:rPr lang="en-US" b="0" i="1" smtClean="0">
+                                  <a:solidFill>
+                                    <a:schemeClr val="tx1"/>
+                                  </a:solidFill>
+                                  <a:latin typeface="Cambria Math" panose="02040503050406030204" pitchFamily="18" charset="0"/>
+                                  <a:cs typeface="Calibri" panose="020F0502020204030204" pitchFamily="34" charset="0"/>
+                                </a:rPr>
+                                <m:t>2</m:t>
+                              </m:r>
+                            </m:sup>
+                          </m:sSubSup>
+                        </m:e>
+                      </m:nary>
+                    </m:oMath>
+                  </m:oMathPara>
+                </a14:m>
+                <a:endParaRPr lang="en-US" dirty="0">
+                  <a:solidFill>
+                    <a:schemeClr val="tx1"/>
+                  </a:solidFill>
+                  <a:latin typeface="Calibri" panose="020F0502020204030204" pitchFamily="34" charset="0"/>
+                  <a:cs typeface="Calibri" panose="020F0502020204030204" pitchFamily="34" charset="0"/>
+                </a:endParaRPr>
+              </a:p>
+              <a:p>
+                <a:pPr marL="34290" indent="0">
+                  <a:buNone/>
+                </a:pPr>
+                <a14:m>
+                  <m:oMathPara xmlns:m="http://schemas.openxmlformats.org/officeDocument/2006/math">
+                    <m:oMathParaPr>
+                      <m:jc m:val="centerGroup"/>
+                    </m:oMathParaPr>
+                    <m:oMath xmlns:m="http://schemas.openxmlformats.org/officeDocument/2006/math">
+                      <m:sSubSup>
+                        <m:sSubSupPr>
+                          <m:ctrlPr>
+                            <a:rPr lang="en-US" i="1" smtClean="0">
+                              <a:solidFill>
+                                <a:schemeClr val="tx1"/>
+                              </a:solidFill>
+                              <a:latin typeface="Cambria Math" panose="02040503050406030204" pitchFamily="18" charset="0"/>
+                              <a:cs typeface="Calibri" panose="020F0502020204030204" pitchFamily="34" charset="0"/>
+                            </a:rPr>
+                          </m:ctrlPr>
+                        </m:sSubSupPr>
+                        <m:e>
+                          <m:r>
+                            <a:rPr lang="en-US" b="0" i="1" smtClean="0">
+                              <a:solidFill>
+                                <a:schemeClr val="tx1"/>
+                              </a:solidFill>
+                              <a:latin typeface="Cambria Math" panose="02040503050406030204" pitchFamily="18" charset="0"/>
+                              <a:cs typeface="Calibri" panose="020F0502020204030204" pitchFamily="34" charset="0"/>
+                            </a:rPr>
+                            <m:t>|</m:t>
+                          </m:r>
+                          <m:d>
+                            <m:dPr>
+                              <m:begChr m:val="|"/>
+                              <m:endChr m:val="|"/>
+                              <m:ctrlPr>
+                                <a:rPr lang="en-US" b="0" i="1" smtClean="0">
+                                  <a:solidFill>
+                                    <a:schemeClr val="tx1"/>
+                                  </a:solidFill>
+                                  <a:latin typeface="Cambria Math" panose="02040503050406030204" pitchFamily="18" charset="0"/>
+                                  <a:cs typeface="Calibri" panose="020F0502020204030204" pitchFamily="34" charset="0"/>
+                                </a:rPr>
+                              </m:ctrlPr>
+                            </m:dPr>
+                            <m:e>
+                              <m:r>
+                                <a:rPr lang="en-US" b="0" i="1" smtClean="0">
+                                  <a:solidFill>
+                                    <a:schemeClr val="tx1"/>
+                                  </a:solidFill>
+                                  <a:latin typeface="Cambria Math" panose="02040503050406030204" pitchFamily="18" charset="0"/>
+                                  <a:cs typeface="Calibri" panose="020F0502020204030204" pitchFamily="34" charset="0"/>
+                                </a:rPr>
+                                <m:t>𝑊</m:t>
+                              </m:r>
+                            </m:e>
+                          </m:d>
+                          <m:r>
+                            <a:rPr lang="en-US" b="0" i="1" smtClean="0">
+                              <a:solidFill>
+                                <a:schemeClr val="tx1"/>
+                              </a:solidFill>
+                              <a:latin typeface="Cambria Math" panose="02040503050406030204" pitchFamily="18" charset="0"/>
+                              <a:cs typeface="Calibri" panose="020F0502020204030204" pitchFamily="34" charset="0"/>
+                            </a:rPr>
+                            <m:t>|</m:t>
+                          </m:r>
+                        </m:e>
+                        <m:sub>
+                          <m:r>
+                            <a:rPr lang="en-US" b="0" i="1" smtClean="0">
+                              <a:solidFill>
+                                <a:schemeClr val="tx1"/>
+                              </a:solidFill>
+                              <a:latin typeface="Cambria Math" panose="02040503050406030204" pitchFamily="18" charset="0"/>
+                              <a:cs typeface="Calibri" panose="020F0502020204030204" pitchFamily="34" charset="0"/>
+                            </a:rPr>
+                            <m:t>2</m:t>
+                          </m:r>
+                        </m:sub>
+                        <m:sup>
+                          <m:r>
+                            <a:rPr lang="en-US" b="0" i="1" smtClean="0">
+                              <a:solidFill>
+                                <a:schemeClr val="tx1"/>
+                              </a:solidFill>
+                              <a:latin typeface="Cambria Math" panose="02040503050406030204" pitchFamily="18" charset="0"/>
+                              <a:cs typeface="Calibri" panose="020F0502020204030204" pitchFamily="34" charset="0"/>
+                            </a:rPr>
+                            <m:t>2</m:t>
+                          </m:r>
+                        </m:sup>
+                      </m:sSubSup>
+                      <m:r>
+                        <a:rPr lang="en-US" b="0" i="1" smtClean="0">
+                          <a:solidFill>
+                            <a:schemeClr val="tx1"/>
+                          </a:solidFill>
+                          <a:latin typeface="Cambria Math" panose="02040503050406030204" pitchFamily="18" charset="0"/>
+                          <a:cs typeface="Calibri" panose="020F0502020204030204" pitchFamily="34" charset="0"/>
+                        </a:rPr>
+                        <m:t>=</m:t>
+                      </m:r>
+                      <m:nary>
+                        <m:naryPr>
+                          <m:chr m:val="∑"/>
+                          <m:ctrlPr>
+                            <a:rPr lang="en-US" b="0" i="1" smtClean="0">
+                              <a:solidFill>
+                                <a:schemeClr val="tx1"/>
+                              </a:solidFill>
+                              <a:latin typeface="Cambria Math" panose="02040503050406030204" pitchFamily="18" charset="0"/>
+                              <a:cs typeface="Calibri" panose="020F0502020204030204" pitchFamily="34" charset="0"/>
+                            </a:rPr>
+                          </m:ctrlPr>
+                        </m:naryPr>
+                        <m:sub>
+                          <m:r>
+                            <m:rPr>
+                              <m:brk m:alnAt="23"/>
+                            </m:rPr>
+                            <a:rPr lang="en-US" b="0" i="1" smtClean="0">
+                              <a:solidFill>
+                                <a:schemeClr val="tx1"/>
+                              </a:solidFill>
+                              <a:latin typeface="Cambria Math" panose="02040503050406030204" pitchFamily="18" charset="0"/>
+                              <a:cs typeface="Calibri" panose="020F0502020204030204" pitchFamily="34" charset="0"/>
+                            </a:rPr>
+                            <m:t>𝑗</m:t>
+                          </m:r>
+                          <m:r>
+                            <a:rPr lang="en-US" b="0" i="1" smtClean="0">
+                              <a:solidFill>
+                                <a:schemeClr val="tx1"/>
+                              </a:solidFill>
+                              <a:latin typeface="Cambria Math" panose="02040503050406030204" pitchFamily="18" charset="0"/>
+                              <a:cs typeface="Calibri" panose="020F0502020204030204" pitchFamily="34" charset="0"/>
+                            </a:rPr>
+                            <m:t>=1</m:t>
+                          </m:r>
+                        </m:sub>
+                        <m:sup>
+                          <m:sSub>
+                            <m:sSubPr>
+                              <m:ctrlPr>
+                                <a:rPr lang="en-US" b="0" i="1" smtClean="0">
+                                  <a:solidFill>
+                                    <a:schemeClr val="tx1"/>
+                                  </a:solidFill>
+                                  <a:latin typeface="Cambria Math" panose="02040503050406030204" pitchFamily="18" charset="0"/>
+                                  <a:cs typeface="Calibri" panose="020F0502020204030204" pitchFamily="34" charset="0"/>
+                                </a:rPr>
+                              </m:ctrlPr>
+                            </m:sSubPr>
+                            <m:e>
+                              <m:r>
+                                <a:rPr lang="en-US" b="0" i="1" smtClean="0">
+                                  <a:solidFill>
+                                    <a:schemeClr val="tx1"/>
+                                  </a:solidFill>
+                                  <a:latin typeface="Cambria Math" panose="02040503050406030204" pitchFamily="18" charset="0"/>
+                                  <a:cs typeface="Calibri" panose="020F0502020204030204" pitchFamily="34" charset="0"/>
+                                </a:rPr>
+                                <m:t>𝑛</m:t>
+                              </m:r>
+                            </m:e>
+                            <m:sub>
+                              <m:r>
+                                <a:rPr lang="en-US" b="0" i="1" smtClean="0">
+                                  <a:solidFill>
+                                    <a:schemeClr val="tx1"/>
+                                  </a:solidFill>
+                                  <a:latin typeface="Cambria Math" panose="02040503050406030204" pitchFamily="18" charset="0"/>
+                                  <a:cs typeface="Calibri" panose="020F0502020204030204" pitchFamily="34" charset="0"/>
+                                </a:rPr>
+                                <m:t>𝑥</m:t>
+                              </m:r>
+                            </m:sub>
+                          </m:sSub>
+                        </m:sup>
+                        <m:e>
+                          <m:sSubSup>
+                            <m:sSubSupPr>
+                              <m:ctrlPr>
+                                <a:rPr lang="en-US" b="0" i="1" smtClean="0">
+                                  <a:solidFill>
+                                    <a:schemeClr val="tx1"/>
+                                  </a:solidFill>
+                                  <a:latin typeface="Cambria Math" panose="02040503050406030204" pitchFamily="18" charset="0"/>
+                                  <a:cs typeface="Calibri" panose="020F0502020204030204" pitchFamily="34" charset="0"/>
+                                </a:rPr>
+                              </m:ctrlPr>
+                            </m:sSubSupPr>
+                            <m:e>
+                              <m:r>
+                                <a:rPr lang="en-US" b="0" i="1" smtClean="0">
+                                  <a:solidFill>
+                                    <a:schemeClr val="tx1"/>
+                                  </a:solidFill>
+                                  <a:latin typeface="Cambria Math" panose="02040503050406030204" pitchFamily="18" charset="0"/>
+                                  <a:cs typeface="Calibri" panose="020F0502020204030204" pitchFamily="34" charset="0"/>
+                                </a:rPr>
+                                <m:t>𝑊</m:t>
+                              </m:r>
+                            </m:e>
+                            <m:sub>
+                              <m:r>
+                                <a:rPr lang="en-US" b="0" i="1" smtClean="0">
+                                  <a:solidFill>
+                                    <a:schemeClr val="tx1"/>
+                                  </a:solidFill>
+                                  <a:latin typeface="Cambria Math" panose="02040503050406030204" pitchFamily="18" charset="0"/>
+                                  <a:cs typeface="Calibri" panose="020F0502020204030204" pitchFamily="34" charset="0"/>
+                                </a:rPr>
+                                <m:t>𝑗</m:t>
+                              </m:r>
+                            </m:sub>
+                            <m:sup>
+                              <m:r>
+                                <a:rPr lang="en-US" b="0" i="1" smtClean="0">
+                                  <a:solidFill>
+                                    <a:schemeClr val="tx1"/>
+                                  </a:solidFill>
+                                  <a:latin typeface="Cambria Math" panose="02040503050406030204" pitchFamily="18" charset="0"/>
+                                  <a:cs typeface="Calibri" panose="020F0502020204030204" pitchFamily="34" charset="0"/>
+                                </a:rPr>
+                                <m:t>2</m:t>
+                              </m:r>
+                            </m:sup>
+                          </m:sSubSup>
+                          <m:r>
+                            <a:rPr lang="en-US" b="0" i="1" smtClean="0">
+                              <a:solidFill>
+                                <a:schemeClr val="tx1"/>
+                              </a:solidFill>
+                              <a:latin typeface="Cambria Math" panose="02040503050406030204" pitchFamily="18" charset="0"/>
+                              <a:cs typeface="Calibri" panose="020F0502020204030204" pitchFamily="34" charset="0"/>
+                            </a:rPr>
+                            <m:t>=</m:t>
+                          </m:r>
+                          <m:r>
+                            <a:rPr lang="en-US" b="0" i="1" smtClean="0">
+                              <a:solidFill>
+                                <a:schemeClr val="tx1"/>
+                              </a:solidFill>
+                              <a:latin typeface="Cambria Math" panose="02040503050406030204" pitchFamily="18" charset="0"/>
+                              <a:cs typeface="Calibri" panose="020F0502020204030204" pitchFamily="34" charset="0"/>
+                            </a:rPr>
+                            <m:t>𝑊𝑇</m:t>
+                          </m:r>
+                          <m:r>
+                            <a:rPr lang="en-US" b="0" i="1" smtClean="0">
+                              <a:solidFill>
+                                <a:schemeClr val="tx1"/>
+                              </a:solidFill>
+                              <a:latin typeface="Cambria Math" panose="02040503050406030204" pitchFamily="18" charset="0"/>
+                              <a:cs typeface="Calibri" panose="020F0502020204030204" pitchFamily="34" charset="0"/>
+                            </a:rPr>
+                            <m:t>𝑊</m:t>
+                          </m:r>
+                          <m:r>
+                            <a:rPr lang="en-US" b="0" i="1" smtClean="0">
+                              <a:solidFill>
+                                <a:schemeClr val="tx1"/>
+                              </a:solidFill>
+                              <a:latin typeface="Cambria Math" panose="02040503050406030204" pitchFamily="18" charset="0"/>
+                              <a:cs typeface="Calibri" panose="020F0502020204030204" pitchFamily="34" charset="0"/>
+                            </a:rPr>
+                            <m:t> </m:t>
+                          </m:r>
+                        </m:e>
+                      </m:nary>
+                    </m:oMath>
+                  </m:oMathPara>
+                </a14:m>
+                <a:endParaRPr lang="en-US" dirty="0" smtClean="0">
+                  <a:solidFill>
+                    <a:schemeClr val="tx1"/>
+                  </a:solidFill>
+                  <a:latin typeface="Calibri" panose="020F0502020204030204" pitchFamily="34" charset="0"/>
+                  <a:cs typeface="Calibri" panose="020F0502020204030204" pitchFamily="34" charset="0"/>
+                </a:endParaRPr>
+              </a:p>
+              <a:p>
+                <a:r>
+                  <a:rPr lang="en-US" dirty="0" smtClean="0">
+                    <a:solidFill>
+                      <a:schemeClr val="tx1"/>
+                    </a:solidFill>
+                    <a:latin typeface="Calibri" panose="020F0502020204030204" pitchFamily="34" charset="0"/>
+                    <a:cs typeface="Calibri" panose="020F0502020204030204" pitchFamily="34" charset="0"/>
+                  </a:rPr>
+                  <a:t>L</a:t>
+                </a:r>
+                <a:r>
+                  <a:rPr lang="en-US" baseline="-25000" dirty="0" smtClean="0">
+                    <a:solidFill>
+                      <a:schemeClr val="tx1"/>
+                    </a:solidFill>
+                    <a:latin typeface="Calibri" panose="020F0502020204030204" pitchFamily="34" charset="0"/>
+                    <a:cs typeface="Calibri" panose="020F0502020204030204" pitchFamily="34" charset="0"/>
+                  </a:rPr>
+                  <a:t>1</a:t>
+                </a:r>
+                <a:r>
+                  <a:rPr lang="en-US" dirty="0" smtClean="0">
+                    <a:solidFill>
+                      <a:schemeClr val="tx1"/>
+                    </a:solidFill>
+                    <a:latin typeface="Calibri" panose="020F0502020204030204" pitchFamily="34" charset="0"/>
+                    <a:cs typeface="Calibri" panose="020F0502020204030204" pitchFamily="34" charset="0"/>
+                  </a:rPr>
+                  <a:t> regularization:</a:t>
+                </a:r>
+              </a:p>
+              <a:p>
+                <a:pPr marL="34290" indent="0">
+                  <a:buNone/>
+                </a:pPr>
+                <a14:m>
+                  <m:oMathPara xmlns:m="http://schemas.openxmlformats.org/officeDocument/2006/math">
+                    <m:oMathParaPr>
+                      <m:jc m:val="centerGroup"/>
+                    </m:oMathParaPr>
+                    <m:oMath xmlns:m="http://schemas.openxmlformats.org/officeDocument/2006/math">
+                      <m:f>
+                        <m:fPr>
+                          <m:ctrlPr>
+                            <a:rPr lang="en-US" i="1" smtClean="0">
+                              <a:solidFill>
+                                <a:schemeClr val="tx1"/>
+                              </a:solidFill>
+                              <a:latin typeface="Cambria Math" panose="02040503050406030204" pitchFamily="18" charset="0"/>
+                              <a:cs typeface="Calibri" panose="020F0502020204030204" pitchFamily="34" charset="0"/>
+                            </a:rPr>
+                          </m:ctrlPr>
+                        </m:fPr>
+                        <m:num>
+                          <m:r>
+                            <a:rPr lang="en-US" i="1">
+                              <a:solidFill>
+                                <a:schemeClr val="tx1"/>
+                              </a:solidFill>
+                              <a:latin typeface="Cambria Math" panose="02040503050406030204" pitchFamily="18" charset="0"/>
+                              <a:ea typeface="Cambria Math" panose="02040503050406030204" pitchFamily="18" charset="0"/>
+                              <a:cs typeface="Calibri" panose="020F0502020204030204" pitchFamily="34" charset="0"/>
+                            </a:rPr>
+                            <m:t>𝜆</m:t>
+                          </m:r>
+                        </m:num>
+                        <m:den>
+                          <m:r>
+                            <a:rPr lang="en-US" b="0" i="1" smtClean="0">
+                              <a:solidFill>
+                                <a:schemeClr val="tx1"/>
+                              </a:solidFill>
+                              <a:latin typeface="Cambria Math" panose="02040503050406030204" pitchFamily="18" charset="0"/>
+                              <a:cs typeface="Calibri" panose="020F0502020204030204" pitchFamily="34" charset="0"/>
+                            </a:rPr>
+                            <m:t>2</m:t>
+                          </m:r>
+                          <m:r>
+                            <a:rPr lang="en-US" b="0" i="1" smtClean="0">
+                              <a:solidFill>
+                                <a:schemeClr val="tx1"/>
+                              </a:solidFill>
+                              <a:latin typeface="Cambria Math" panose="02040503050406030204" pitchFamily="18" charset="0"/>
+                              <a:cs typeface="Calibri" panose="020F0502020204030204" pitchFamily="34" charset="0"/>
+                            </a:rPr>
+                            <m:t>𝑚</m:t>
+                          </m:r>
+                        </m:den>
+                      </m:f>
+                      <m:nary>
+                        <m:naryPr>
+                          <m:chr m:val="∑"/>
+                          <m:ctrlPr>
+                            <a:rPr lang="en-US" i="1" smtClean="0">
+                              <a:solidFill>
+                                <a:schemeClr val="tx1"/>
+                              </a:solidFill>
+                              <a:latin typeface="Cambria Math" panose="02040503050406030204" pitchFamily="18" charset="0"/>
+                              <a:cs typeface="Calibri" panose="020F0502020204030204" pitchFamily="34" charset="0"/>
+                            </a:rPr>
+                          </m:ctrlPr>
+                        </m:naryPr>
+                        <m:sub>
+                          <m:r>
+                            <m:rPr>
+                              <m:brk m:alnAt="23"/>
+                            </m:rPr>
+                            <a:rPr lang="en-US" b="0" i="1" smtClean="0">
+                              <a:solidFill>
+                                <a:schemeClr val="tx1"/>
+                              </a:solidFill>
+                              <a:latin typeface="Cambria Math" panose="02040503050406030204" pitchFamily="18" charset="0"/>
+                              <a:cs typeface="Calibri" panose="020F0502020204030204" pitchFamily="34" charset="0"/>
+                            </a:rPr>
+                            <m:t>𝑖</m:t>
+                          </m:r>
+                          <m:r>
+                            <a:rPr lang="en-US" b="0" i="1" smtClean="0">
+                              <a:solidFill>
+                                <a:schemeClr val="tx1"/>
+                              </a:solidFill>
+                              <a:latin typeface="Cambria Math" panose="02040503050406030204" pitchFamily="18" charset="0"/>
+                              <a:cs typeface="Calibri" panose="020F0502020204030204" pitchFamily="34" charset="0"/>
+                            </a:rPr>
+                            <m:t>=1</m:t>
+                          </m:r>
+                        </m:sub>
+                        <m:sup>
+                          <m:sSub>
+                            <m:sSubPr>
+                              <m:ctrlPr>
+                                <a:rPr lang="en-US" i="1" smtClean="0">
+                                  <a:solidFill>
+                                    <a:schemeClr val="tx1"/>
+                                  </a:solidFill>
+                                  <a:latin typeface="Cambria Math" panose="02040503050406030204" pitchFamily="18" charset="0"/>
+                                  <a:cs typeface="Calibri" panose="020F0502020204030204" pitchFamily="34" charset="0"/>
+                                </a:rPr>
+                              </m:ctrlPr>
+                            </m:sSubPr>
+                            <m:e>
+                              <m:r>
+                                <a:rPr lang="en-US" b="0" i="1" smtClean="0">
+                                  <a:solidFill>
+                                    <a:schemeClr val="tx1"/>
+                                  </a:solidFill>
+                                  <a:latin typeface="Cambria Math" panose="02040503050406030204" pitchFamily="18" charset="0"/>
+                                  <a:cs typeface="Calibri" panose="020F0502020204030204" pitchFamily="34" charset="0"/>
+                                </a:rPr>
+                                <m:t>𝑛</m:t>
+                              </m:r>
+                            </m:e>
+                            <m:sub>
+                              <m:r>
+                                <a:rPr lang="en-US" b="0" i="1" smtClean="0">
+                                  <a:solidFill>
+                                    <a:schemeClr val="tx1"/>
+                                  </a:solidFill>
+                                  <a:latin typeface="Cambria Math" panose="02040503050406030204" pitchFamily="18" charset="0"/>
+                                  <a:cs typeface="Calibri" panose="020F0502020204030204" pitchFamily="34" charset="0"/>
+                                </a:rPr>
+                                <m:t>𝑥</m:t>
+                              </m:r>
+                            </m:sub>
+                          </m:sSub>
+                        </m:sup>
+                        <m:e>
+                          <m:r>
+                            <a:rPr lang="en-US" b="0" i="1" smtClean="0">
+                              <a:solidFill>
+                                <a:schemeClr val="tx1"/>
+                              </a:solidFill>
+                              <a:latin typeface="Cambria Math" panose="02040503050406030204" pitchFamily="18" charset="0"/>
+                              <a:cs typeface="Calibri" panose="020F0502020204030204" pitchFamily="34" charset="0"/>
+                            </a:rPr>
+                            <m:t>|</m:t>
+                          </m:r>
+                          <m:r>
+                            <a:rPr lang="en-US" b="0" i="1" smtClean="0">
+                              <a:solidFill>
+                                <a:schemeClr val="tx1"/>
+                              </a:solidFill>
+                              <a:latin typeface="Cambria Math" panose="02040503050406030204" pitchFamily="18" charset="0"/>
+                              <a:cs typeface="Calibri" panose="020F0502020204030204" pitchFamily="34" charset="0"/>
+                            </a:rPr>
+                            <m:t>𝑊</m:t>
+                          </m:r>
+                          <m:r>
+                            <a:rPr lang="en-US" b="0" i="1" smtClean="0">
+                              <a:solidFill>
+                                <a:schemeClr val="tx1"/>
+                              </a:solidFill>
+                              <a:latin typeface="Cambria Math" panose="02040503050406030204" pitchFamily="18" charset="0"/>
+                              <a:cs typeface="Calibri" panose="020F0502020204030204" pitchFamily="34" charset="0"/>
+                            </a:rPr>
+                            <m:t>|</m:t>
+                          </m:r>
+                        </m:e>
+                      </m:nary>
+                      <m:r>
+                        <a:rPr lang="en-US" b="0" i="1" smtClean="0">
+                          <a:solidFill>
+                            <a:schemeClr val="tx1"/>
+                          </a:solidFill>
+                          <a:latin typeface="Cambria Math" panose="02040503050406030204" pitchFamily="18" charset="0"/>
+                          <a:cs typeface="Calibri" panose="020F0502020204030204" pitchFamily="34" charset="0"/>
+                        </a:rPr>
+                        <m:t>=</m:t>
+                      </m:r>
+                      <m:f>
+                        <m:fPr>
+                          <m:ctrlPr>
+                            <a:rPr lang="en-US" b="0" i="1" smtClean="0">
+                              <a:solidFill>
+                                <a:schemeClr val="tx1"/>
+                              </a:solidFill>
+                              <a:latin typeface="Cambria Math" panose="02040503050406030204" pitchFamily="18" charset="0"/>
+                              <a:cs typeface="Calibri" panose="020F0502020204030204" pitchFamily="34" charset="0"/>
+                            </a:rPr>
+                          </m:ctrlPr>
+                        </m:fPr>
+                        <m:num>
+                          <m:r>
+                            <a:rPr lang="en-US" b="0" i="1" smtClean="0">
+                              <a:solidFill>
+                                <a:schemeClr val="tx1"/>
+                              </a:solidFill>
+                              <a:latin typeface="Cambria Math" panose="02040503050406030204" pitchFamily="18" charset="0"/>
+                              <a:ea typeface="Cambria Math" panose="02040503050406030204" pitchFamily="18" charset="0"/>
+                              <a:cs typeface="Calibri" panose="020F0502020204030204" pitchFamily="34" charset="0"/>
+                            </a:rPr>
+                            <m:t>𝜆</m:t>
+                          </m:r>
+                        </m:num>
+                        <m:den>
+                          <m:r>
+                            <a:rPr lang="en-US" b="0" i="1" smtClean="0">
+                              <a:solidFill>
+                                <a:schemeClr val="tx1"/>
+                              </a:solidFill>
+                              <a:latin typeface="Cambria Math" panose="02040503050406030204" pitchFamily="18" charset="0"/>
+                              <a:cs typeface="Calibri" panose="020F0502020204030204" pitchFamily="34" charset="0"/>
+                            </a:rPr>
+                            <m:t>2</m:t>
+                          </m:r>
+                          <m:r>
+                            <a:rPr lang="en-US" b="0" i="1" smtClean="0">
+                              <a:solidFill>
+                                <a:schemeClr val="tx1"/>
+                              </a:solidFill>
+                              <a:latin typeface="Cambria Math" panose="02040503050406030204" pitchFamily="18" charset="0"/>
+                              <a:cs typeface="Calibri" panose="020F0502020204030204" pitchFamily="34" charset="0"/>
+                            </a:rPr>
+                            <m:t>𝑚</m:t>
+                          </m:r>
+                        </m:den>
+                      </m:f>
+                      <m:sSub>
+                        <m:sSubPr>
+                          <m:ctrlPr>
+                            <a:rPr lang="en-US" b="0" i="1" smtClean="0">
+                              <a:solidFill>
+                                <a:schemeClr val="tx1"/>
+                              </a:solidFill>
+                              <a:latin typeface="Cambria Math" panose="02040503050406030204" pitchFamily="18" charset="0"/>
+                              <a:cs typeface="Calibri" panose="020F0502020204030204" pitchFamily="34" charset="0"/>
+                            </a:rPr>
+                          </m:ctrlPr>
+                        </m:sSubPr>
+                        <m:e>
+                          <m:r>
+                            <a:rPr lang="en-US" b="0" i="1" smtClean="0">
+                              <a:solidFill>
+                                <a:schemeClr val="tx1"/>
+                              </a:solidFill>
+                              <a:latin typeface="Cambria Math" panose="02040503050406030204" pitchFamily="18" charset="0"/>
+                              <a:cs typeface="Calibri" panose="020F0502020204030204" pitchFamily="34" charset="0"/>
+                            </a:rPr>
+                            <m:t>|</m:t>
+                          </m:r>
+                          <m:d>
+                            <m:dPr>
+                              <m:begChr m:val="|"/>
+                              <m:endChr m:val="|"/>
+                              <m:ctrlPr>
+                                <a:rPr lang="en-US" b="0" i="1" smtClean="0">
+                                  <a:solidFill>
+                                    <a:schemeClr val="tx1"/>
+                                  </a:solidFill>
+                                  <a:latin typeface="Cambria Math" panose="02040503050406030204" pitchFamily="18" charset="0"/>
+                                  <a:cs typeface="Calibri" panose="020F0502020204030204" pitchFamily="34" charset="0"/>
+                                </a:rPr>
+                              </m:ctrlPr>
+                            </m:dPr>
+                            <m:e>
+                              <m:r>
+                                <a:rPr lang="en-US" b="0" i="1" smtClean="0">
+                                  <a:solidFill>
+                                    <a:schemeClr val="tx1"/>
+                                  </a:solidFill>
+                                  <a:latin typeface="Cambria Math" panose="02040503050406030204" pitchFamily="18" charset="0"/>
+                                  <a:cs typeface="Calibri" panose="020F0502020204030204" pitchFamily="34" charset="0"/>
+                                </a:rPr>
+                                <m:t>𝑊</m:t>
+                              </m:r>
+                            </m:e>
+                          </m:d>
+                          <m:r>
+                            <a:rPr lang="en-US" b="0" i="1" smtClean="0">
+                              <a:solidFill>
+                                <a:schemeClr val="tx1"/>
+                              </a:solidFill>
+                              <a:latin typeface="Cambria Math" panose="02040503050406030204" pitchFamily="18" charset="0"/>
+                              <a:cs typeface="Calibri" panose="020F0502020204030204" pitchFamily="34" charset="0"/>
+                            </a:rPr>
+                            <m:t>|</m:t>
+                          </m:r>
+                        </m:e>
+                        <m:sub>
+                          <m:r>
+                            <a:rPr lang="en-US" b="0" i="1" smtClean="0">
+                              <a:solidFill>
+                                <a:schemeClr val="tx1"/>
+                              </a:solidFill>
+                              <a:latin typeface="Cambria Math" panose="02040503050406030204" pitchFamily="18" charset="0"/>
+                              <a:cs typeface="Calibri" panose="020F0502020204030204" pitchFamily="34" charset="0"/>
+                            </a:rPr>
+                            <m:t>1</m:t>
+                          </m:r>
+                        </m:sub>
+                      </m:sSub>
+                    </m:oMath>
+                  </m:oMathPara>
+                </a14:m>
+                <a:endParaRPr lang="en-US" dirty="0" smtClean="0">
+                  <a:solidFill>
+                    <a:schemeClr val="tx1"/>
+                  </a:solidFill>
+                  <a:latin typeface="Calibri" panose="020F0502020204030204" pitchFamily="34" charset="0"/>
+                  <a:cs typeface="Calibri" panose="020F0502020204030204" pitchFamily="34" charset="0"/>
+                </a:endParaRPr>
+              </a:p>
+            </p:txBody>
+          </p:sp>
+        </mc:Choice>
+        <mc:Fallback>
+          <p:sp>
+            <p:nvSpPr>
+              <p:cNvPr id="3" name="Content Placeholder 2"/>
+              <p:cNvSpPr>
+                <a:spLocks noGrp="1" noRot="1" noChangeAspect="1" noMove="1" noResize="1" noEditPoints="1" noAdjustHandles="1" noChangeArrowheads="1" noChangeShapeType="1" noTextEdit="1"/>
+              </p:cNvSpPr>
+              <p:nvPr>
+                <p:ph idx="1"/>
+              </p:nvPr>
+            </p:nvSpPr>
+            <p:spPr>
+              <a:blipFill rotWithShape="0">
+                <a:blip r:embed="rId2"/>
+                <a:stretch>
+                  <a:fillRect t="-1662"/>
+                </a:stretch>
+              </a:blipFill>
+            </p:spPr>
+            <p:txBody>
+              <a:bodyPr/>
+              <a:lstStyle/>
+              <a:p>
+                <a:r>
+                  <a:rPr lang="en-US">
+                    <a:noFill/>
+                  </a:rPr>
+                  <a:t> </a:t>
+                </a:r>
+              </a:p>
+            </p:txBody>
+          </p:sp>
+        </mc:Fallback>
+      </mc:AlternateContent>
+    </p:spTree>
+    <p:extLst>
+      <p:ext uri="{BB962C8B-B14F-4D97-AF65-F5344CB8AC3E}">
+        <p14:creationId xmlns:p14="http://schemas.microsoft.com/office/powerpoint/2010/main" val="2675037694"/>
+      </p:ext>
+    </p:extLst>
+  </p:cSld>
+  <p:clrMapOvr>
+    <a:masterClrMapping/>
+  </p:clrMapOvr>
+</p:sld>
+</file>
+
+<file path=ppt/slides/slide25.xml><?xml version="1.0" encoding="utf-8"?>
+<p:sld xmlns:a="http://schemas.openxmlformats.org/drawingml/2006/main" xmlns:r="http://schemas.openxmlformats.org/officeDocument/2006/relationships" xmlns:p="http://schemas.openxmlformats.org/presentationml/2006/main">
+  <p:cSld>
+    <p:spTree>
+      <p:nvGrpSpPr>
+        <p:cNvPr id="1" name=""/>
+        <p:cNvGrpSpPr/>
+        <p:nvPr/>
+      </p:nvGrpSpPr>
+      <p:grpSpPr>
+        <a:xfrm>
+          <a:off x="0" y="0"/>
+          <a:ext cx="0" cy="0"/>
+          <a:chOff x="0" y="0"/>
+          <a:chExt cx="0" cy="0"/>
+        </a:xfrm>
+      </p:grpSpPr>
+      <p:sp>
+        <p:nvSpPr>
+          <p:cNvPr id="2" name="Title 1"/>
+          <p:cNvSpPr>
+            <a:spLocks noGrp="1"/>
+          </p:cNvSpPr>
+          <p:nvPr>
+            <p:ph type="title"/>
+          </p:nvPr>
+        </p:nvSpPr>
+        <p:spPr/>
+        <p:txBody>
+          <a:bodyPr/>
+          <a:lstStyle/>
+          <a:p>
+            <a:pPr algn="ctr"/>
+            <a:r>
+              <a:rPr lang="en-US" dirty="0" smtClean="0">
+                <a:solidFill>
+                  <a:schemeClr val="tx1"/>
+                </a:solidFill>
+              </a:rPr>
+              <a:t>Dropout Regularization </a:t>
+            </a:r>
+            <a:endParaRPr lang="en-US" dirty="0">
+              <a:solidFill>
+                <a:schemeClr val="tx1"/>
+              </a:solidFill>
+            </a:endParaRPr>
+          </a:p>
+        </p:txBody>
+      </p:sp>
+      <p:sp>
+        <p:nvSpPr>
+          <p:cNvPr id="3" name="Content Placeholder 2"/>
+          <p:cNvSpPr>
+            <a:spLocks noGrp="1"/>
+          </p:cNvSpPr>
+          <p:nvPr>
+            <p:ph idx="1"/>
+          </p:nvPr>
+        </p:nvSpPr>
+        <p:spPr>
+          <a:xfrm>
+            <a:off x="756667" y="1673352"/>
+            <a:ext cx="7404653" cy="4038600"/>
+          </a:xfrm>
+        </p:spPr>
+        <p:txBody>
+          <a:bodyPr>
+            <a:normAutofit/>
+          </a:bodyPr>
+          <a:lstStyle/>
+          <a:p>
+            <a:r>
+              <a:rPr lang="en-US" sz="2400" dirty="0" smtClean="0">
+                <a:solidFill>
+                  <a:schemeClr val="tx1"/>
+                </a:solidFill>
+                <a:latin typeface="Calibri" panose="020F0502020204030204" pitchFamily="34" charset="0"/>
+                <a:cs typeface="Calibri" panose="020F0502020204030204" pitchFamily="34" charset="0"/>
+              </a:rPr>
+              <a:t>Example: with layer 3</a:t>
+            </a:r>
+          </a:p>
+          <a:p>
+            <a:r>
+              <a:rPr lang="en-US" sz="2400" dirty="0" err="1">
+                <a:solidFill>
+                  <a:schemeClr val="tx1"/>
+                </a:solidFill>
+                <a:latin typeface="Calibri" panose="020F0502020204030204" pitchFamily="34" charset="0"/>
+                <a:cs typeface="Calibri" panose="020F0502020204030204" pitchFamily="34" charset="0"/>
+              </a:rPr>
+              <a:t>KeepProb</a:t>
+            </a:r>
+            <a:r>
+              <a:rPr lang="en-US" sz="2400" dirty="0">
+                <a:solidFill>
+                  <a:schemeClr val="tx1"/>
+                </a:solidFill>
+                <a:latin typeface="Calibri" panose="020F0502020204030204" pitchFamily="34" charset="0"/>
+                <a:cs typeface="Calibri" panose="020F0502020204030204" pitchFamily="34" charset="0"/>
+              </a:rPr>
+              <a:t> =0.8</a:t>
+            </a:r>
+          </a:p>
+          <a:p>
+            <a:r>
+              <a:rPr lang="en-US" sz="2400" dirty="0" smtClean="0">
+                <a:solidFill>
+                  <a:schemeClr val="tx1"/>
+                </a:solidFill>
+                <a:latin typeface="Calibri" panose="020F0502020204030204" pitchFamily="34" charset="0"/>
+                <a:cs typeface="Calibri" panose="020F0502020204030204" pitchFamily="34" charset="0"/>
+              </a:rPr>
+              <a:t>d3 = </a:t>
+            </a:r>
+            <a:r>
+              <a:rPr lang="en-US" sz="2400" dirty="0" err="1" smtClean="0">
+                <a:solidFill>
+                  <a:schemeClr val="tx1"/>
+                </a:solidFill>
+                <a:latin typeface="Calibri" panose="020F0502020204030204" pitchFamily="34" charset="0"/>
+                <a:cs typeface="Calibri" panose="020F0502020204030204" pitchFamily="34" charset="0"/>
+              </a:rPr>
+              <a:t>np.random.rand</a:t>
+            </a:r>
+            <a:r>
+              <a:rPr lang="en-US" sz="2400" dirty="0" smtClean="0">
+                <a:solidFill>
+                  <a:schemeClr val="tx1"/>
+                </a:solidFill>
+                <a:latin typeface="Calibri" panose="020F0502020204030204" pitchFamily="34" charset="0"/>
+                <a:cs typeface="Calibri" panose="020F0502020204030204" pitchFamily="34" charset="0"/>
+              </a:rPr>
+              <a:t>(a3.shape[0],a3.shape[1])&lt;</a:t>
+            </a:r>
+            <a:r>
+              <a:rPr lang="en-US" sz="2400" dirty="0" err="1" smtClean="0">
+                <a:solidFill>
+                  <a:schemeClr val="tx1"/>
+                </a:solidFill>
+                <a:latin typeface="Calibri" panose="020F0502020204030204" pitchFamily="34" charset="0"/>
+                <a:cs typeface="Calibri" panose="020F0502020204030204" pitchFamily="34" charset="0"/>
+              </a:rPr>
+              <a:t>KeepProb</a:t>
+            </a:r>
+            <a:endParaRPr lang="en-US" sz="2400" dirty="0" smtClean="0">
+              <a:solidFill>
+                <a:schemeClr val="tx1"/>
+              </a:solidFill>
+              <a:latin typeface="Calibri" panose="020F0502020204030204" pitchFamily="34" charset="0"/>
+              <a:cs typeface="Calibri" panose="020F0502020204030204" pitchFamily="34" charset="0"/>
+            </a:endParaRPr>
+          </a:p>
+          <a:p>
+            <a:r>
+              <a:rPr lang="en-US" sz="2400" dirty="0" smtClean="0">
+                <a:solidFill>
+                  <a:schemeClr val="tx1"/>
+                </a:solidFill>
+                <a:latin typeface="Calibri" panose="020F0502020204030204" pitchFamily="34" charset="0"/>
+                <a:cs typeface="Calibri" panose="020F0502020204030204" pitchFamily="34" charset="0"/>
+              </a:rPr>
+              <a:t>d3 will be a Boolean array but in python the multiply works</a:t>
+            </a:r>
+          </a:p>
+          <a:p>
+            <a:r>
+              <a:rPr lang="en-US" sz="2400" dirty="0" smtClean="0">
+                <a:solidFill>
+                  <a:schemeClr val="tx1"/>
+                </a:solidFill>
+                <a:latin typeface="Calibri" panose="020F0502020204030204" pitchFamily="34" charset="0"/>
+                <a:cs typeface="Calibri" panose="020F0502020204030204" pitchFamily="34" charset="0"/>
+              </a:rPr>
+              <a:t>a3 = </a:t>
+            </a:r>
+            <a:r>
+              <a:rPr lang="en-US" sz="2400" dirty="0" err="1" smtClean="0">
+                <a:solidFill>
+                  <a:schemeClr val="tx1"/>
+                </a:solidFill>
+                <a:latin typeface="Calibri" panose="020F0502020204030204" pitchFamily="34" charset="0"/>
+                <a:cs typeface="Calibri" panose="020F0502020204030204" pitchFamily="34" charset="0"/>
+              </a:rPr>
+              <a:t>np.multiply</a:t>
+            </a:r>
+            <a:r>
+              <a:rPr lang="en-US" sz="2400" dirty="0" smtClean="0">
+                <a:solidFill>
+                  <a:schemeClr val="tx1"/>
+                </a:solidFill>
+                <a:latin typeface="Calibri" panose="020F0502020204030204" pitchFamily="34" charset="0"/>
+                <a:cs typeface="Calibri" panose="020F0502020204030204" pitchFamily="34" charset="0"/>
+              </a:rPr>
+              <a:t>(a3,d3) #a3*=d3</a:t>
+            </a:r>
+          </a:p>
+          <a:p>
+            <a:r>
+              <a:rPr lang="en-US" sz="2400" dirty="0" smtClean="0">
+                <a:solidFill>
+                  <a:schemeClr val="tx1"/>
+                </a:solidFill>
+                <a:latin typeface="Calibri" panose="020F0502020204030204" pitchFamily="34" charset="0"/>
+                <a:cs typeface="Calibri" panose="020F0502020204030204" pitchFamily="34" charset="0"/>
+              </a:rPr>
+              <a:t>Element wise multiply</a:t>
+            </a:r>
+          </a:p>
+          <a:p>
+            <a:r>
+              <a:rPr lang="en-US" sz="2400" dirty="0" smtClean="0">
+                <a:solidFill>
+                  <a:schemeClr val="tx1"/>
+                </a:solidFill>
+                <a:latin typeface="Calibri" panose="020F0502020204030204" pitchFamily="34" charset="0"/>
+                <a:cs typeface="Calibri" panose="020F0502020204030204" pitchFamily="34" charset="0"/>
+              </a:rPr>
+              <a:t>At test time : no dropout</a:t>
+            </a:r>
+          </a:p>
+        </p:txBody>
+      </p:sp>
+      <p:sp>
+        <p:nvSpPr>
+          <p:cNvPr id="4" name="TextBox 3"/>
+          <p:cNvSpPr txBox="1"/>
+          <p:nvPr/>
+        </p:nvSpPr>
+        <p:spPr>
+          <a:xfrm>
+            <a:off x="2002536" y="5477256"/>
+            <a:ext cx="4354077" cy="646331"/>
+          </a:xfrm>
+          <a:prstGeom prst="rect">
+            <a:avLst/>
+          </a:prstGeom>
+          <a:solidFill>
+            <a:schemeClr val="accent1"/>
+          </a:solidFill>
+        </p:spPr>
+        <p:txBody>
+          <a:bodyPr wrap="none" rtlCol="0">
+            <a:spAutoFit/>
+          </a:bodyPr>
+          <a:lstStyle/>
+          <a:p>
+            <a:r>
+              <a:rPr lang="en-US" dirty="0" smtClean="0"/>
+              <a:t>Cons: cost function is no longer well defined</a:t>
+            </a:r>
+          </a:p>
+          <a:p>
+            <a:r>
+              <a:rPr lang="en-US" dirty="0" smtClean="0"/>
+              <a:t>It is no longer monotonically decreasing</a:t>
+            </a:r>
+            <a:endParaRPr lang="en-US" dirty="0"/>
+          </a:p>
+        </p:txBody>
+      </p:sp>
+    </p:spTree>
+    <p:extLst>
+      <p:ext uri="{BB962C8B-B14F-4D97-AF65-F5344CB8AC3E}">
+        <p14:creationId xmlns:p14="http://schemas.microsoft.com/office/powerpoint/2010/main" val="2080365028"/>
+      </p:ext>
+    </p:extLst>
+  </p:cSld>
+  <p:clrMapOvr>
+    <a:masterClrMapping/>
+  </p:clrMapOvr>
+</p:sld>
+</file>
+
+<file path=ppt/slides/slide26.xml><?xml version="1.0" encoding="utf-8"?>
+<p:sld xmlns:a="http://schemas.openxmlformats.org/drawingml/2006/main" xmlns:r="http://schemas.openxmlformats.org/officeDocument/2006/relationships" xmlns:p="http://schemas.openxmlformats.org/presentationml/2006/main">
+  <p:cSld>
+    <p:spTree>
+      <p:nvGrpSpPr>
+        <p:cNvPr id="1" name=""/>
+        <p:cNvGrpSpPr/>
+        <p:nvPr/>
+      </p:nvGrpSpPr>
+      <p:grpSpPr>
+        <a:xfrm>
+          <a:off x="0" y="0"/>
+          <a:ext cx="0" cy="0"/>
+          <a:chOff x="0" y="0"/>
+          <a:chExt cx="0" cy="0"/>
+        </a:xfrm>
+      </p:grpSpPr>
+      <p:sp>
+        <p:nvSpPr>
+          <p:cNvPr id="2" name="Title 1"/>
+          <p:cNvSpPr>
+            <a:spLocks noGrp="1"/>
+          </p:cNvSpPr>
+          <p:nvPr>
+            <p:ph type="title"/>
+          </p:nvPr>
+        </p:nvSpPr>
+        <p:spPr/>
+        <p:txBody>
+          <a:bodyPr/>
+          <a:lstStyle/>
+          <a:p>
+            <a:r>
+              <a:rPr lang="en-US" dirty="0" smtClean="0">
+                <a:solidFill>
+                  <a:schemeClr val="tx1"/>
+                </a:solidFill>
+                <a:latin typeface="Calibri" panose="020F0502020204030204" pitchFamily="34" charset="0"/>
+                <a:cs typeface="Calibri" panose="020F0502020204030204" pitchFamily="34" charset="0"/>
+              </a:rPr>
+              <a:t>Other regularization techniques</a:t>
+            </a:r>
+            <a:endParaRPr lang="en-US" dirty="0">
+              <a:solidFill>
+                <a:schemeClr val="tx1"/>
+              </a:solidFill>
+              <a:latin typeface="Calibri" panose="020F0502020204030204" pitchFamily="34" charset="0"/>
+              <a:cs typeface="Calibri" panose="020F0502020204030204" pitchFamily="34" charset="0"/>
+            </a:endParaRPr>
+          </a:p>
+        </p:txBody>
+      </p:sp>
+      <p:sp>
+        <p:nvSpPr>
+          <p:cNvPr id="3" name="Content Placeholder 2"/>
+          <p:cNvSpPr>
+            <a:spLocks noGrp="1"/>
+          </p:cNvSpPr>
+          <p:nvPr>
+            <p:ph idx="1"/>
+          </p:nvPr>
+        </p:nvSpPr>
+        <p:spPr/>
+        <p:txBody>
+          <a:bodyPr/>
+          <a:lstStyle/>
+          <a:p>
+            <a:r>
+              <a:rPr lang="en-US" dirty="0" smtClean="0">
+                <a:solidFill>
+                  <a:schemeClr val="tx1"/>
+                </a:solidFill>
+              </a:rPr>
+              <a:t>Data Augmentation</a:t>
+            </a:r>
+          </a:p>
+          <a:p>
+            <a:r>
+              <a:rPr lang="en-US" dirty="0" smtClean="0">
+                <a:solidFill>
+                  <a:schemeClr val="tx1"/>
+                </a:solidFill>
+              </a:rPr>
+              <a:t>Early stopping</a:t>
+            </a:r>
+          </a:p>
+          <a:p>
+            <a:r>
+              <a:rPr lang="en-US" dirty="0" smtClean="0">
+                <a:solidFill>
+                  <a:schemeClr val="tx1"/>
+                </a:solidFill>
+              </a:rPr>
+              <a:t>Normalization of Input</a:t>
+            </a:r>
+          </a:p>
+          <a:p>
+            <a:r>
+              <a:rPr lang="en-US" dirty="0" smtClean="0">
+                <a:solidFill>
+                  <a:schemeClr val="tx1"/>
+                </a:solidFill>
+              </a:rPr>
+              <a:t>Weighted initialization</a:t>
+            </a:r>
+          </a:p>
+          <a:p>
+            <a:endParaRPr lang="en-US" dirty="0">
+              <a:solidFill>
+                <a:schemeClr val="tx1"/>
+              </a:solidFill>
+            </a:endParaRPr>
+          </a:p>
+        </p:txBody>
+      </p:sp>
+    </p:spTree>
+    <p:extLst>
+      <p:ext uri="{BB962C8B-B14F-4D97-AF65-F5344CB8AC3E}">
+        <p14:creationId xmlns:p14="http://schemas.microsoft.com/office/powerpoint/2010/main" val="4153982666"/>
+      </p:ext>
+    </p:extLst>
+  </p:cSld>
+  <p:clrMapOvr>
+    <a:masterClrMapping/>
+  </p:clrMapOvr>
+</p:sld>
+</file>
+
+<file path=ppt/slides/slide27.xml><?xml version="1.0" encoding="utf-8"?>
+<p:sld xmlns:a="http://schemas.openxmlformats.org/drawingml/2006/main" xmlns:r="http://schemas.openxmlformats.org/officeDocument/2006/relationships" xmlns:p="http://schemas.openxmlformats.org/presentationml/2006/main">
+  <p:cSld>
+    <p:spTree>
+      <p:nvGrpSpPr>
+        <p:cNvPr id="1" name=""/>
+        <p:cNvGrpSpPr/>
+        <p:nvPr/>
+      </p:nvGrpSpPr>
+      <p:grpSpPr>
+        <a:xfrm>
+          <a:off x="0" y="0"/>
+          <a:ext cx="0" cy="0"/>
+          <a:chOff x="0" y="0"/>
+          <a:chExt cx="0" cy="0"/>
+        </a:xfrm>
+      </p:grpSpPr>
+      <p:sp>
+        <p:nvSpPr>
+          <p:cNvPr id="2" name="Title 1"/>
+          <p:cNvSpPr>
+            <a:spLocks noGrp="1"/>
+          </p:cNvSpPr>
+          <p:nvPr>
+            <p:ph type="title"/>
+          </p:nvPr>
+        </p:nvSpPr>
+        <p:spPr/>
+        <p:txBody>
+          <a:bodyPr/>
+          <a:lstStyle/>
+          <a:p>
+            <a:pPr algn="ctr"/>
+            <a:r>
+              <a:rPr lang="en-US" dirty="0" smtClean="0">
+                <a:solidFill>
+                  <a:schemeClr val="tx1"/>
+                </a:solidFill>
+                <a:latin typeface="Calibri" panose="020F0502020204030204" pitchFamily="34" charset="0"/>
+                <a:cs typeface="Calibri" panose="020F0502020204030204" pitchFamily="34" charset="0"/>
+              </a:rPr>
+              <a:t>Optimizers</a:t>
+            </a:r>
+            <a:endParaRPr lang="en-US" dirty="0">
+              <a:solidFill>
+                <a:schemeClr val="tx1"/>
+              </a:solidFill>
+              <a:latin typeface="Calibri" panose="020F0502020204030204" pitchFamily="34" charset="0"/>
+              <a:cs typeface="Calibri" panose="020F0502020204030204" pitchFamily="34" charset="0"/>
+            </a:endParaRPr>
+          </a:p>
+        </p:txBody>
+      </p:sp>
+      <p:sp>
+        <p:nvSpPr>
+          <p:cNvPr id="3" name="Content Placeholder 2"/>
+          <p:cNvSpPr>
+            <a:spLocks noGrp="1"/>
+          </p:cNvSpPr>
+          <p:nvPr>
+            <p:ph idx="1"/>
+          </p:nvPr>
+        </p:nvSpPr>
+        <p:spPr/>
+        <p:txBody>
+          <a:bodyPr>
+            <a:normAutofit/>
+          </a:bodyPr>
+          <a:lstStyle/>
+          <a:p>
+            <a:r>
+              <a:rPr lang="en-US" sz="2400" dirty="0" smtClean="0">
+                <a:solidFill>
+                  <a:schemeClr val="tx1"/>
+                </a:solidFill>
+                <a:latin typeface="Calibri" panose="020F0502020204030204" pitchFamily="34" charset="0"/>
+                <a:cs typeface="Calibri" panose="020F0502020204030204" pitchFamily="34" charset="0"/>
+              </a:rPr>
+              <a:t>Moment</a:t>
+            </a:r>
+          </a:p>
+          <a:p>
+            <a:r>
+              <a:rPr lang="en-US" sz="2400" dirty="0" err="1" smtClean="0">
+                <a:solidFill>
+                  <a:schemeClr val="tx1"/>
+                </a:solidFill>
+                <a:latin typeface="Calibri" panose="020F0502020204030204" pitchFamily="34" charset="0"/>
+                <a:cs typeface="Calibri" panose="020F0502020204030204" pitchFamily="34" charset="0"/>
+              </a:rPr>
+              <a:t>RMSprop</a:t>
+            </a:r>
+            <a:endParaRPr lang="en-US" sz="2400" dirty="0" smtClean="0">
+              <a:solidFill>
+                <a:schemeClr val="tx1"/>
+              </a:solidFill>
+              <a:latin typeface="Calibri" panose="020F0502020204030204" pitchFamily="34" charset="0"/>
+              <a:cs typeface="Calibri" panose="020F0502020204030204" pitchFamily="34" charset="0"/>
+            </a:endParaRPr>
+          </a:p>
+          <a:p>
+            <a:r>
+              <a:rPr lang="en-US" sz="2400" dirty="0" smtClean="0">
+                <a:solidFill>
+                  <a:schemeClr val="tx1"/>
+                </a:solidFill>
+                <a:latin typeface="Calibri" panose="020F0502020204030204" pitchFamily="34" charset="0"/>
+                <a:cs typeface="Calibri" panose="020F0502020204030204" pitchFamily="34" charset="0"/>
+              </a:rPr>
+              <a:t>ADAM</a:t>
+            </a:r>
+            <a:endParaRPr lang="en-US" sz="2400" dirty="0">
+              <a:solidFill>
+                <a:schemeClr val="tx1"/>
+              </a:solidFill>
+              <a:latin typeface="Calibri" panose="020F0502020204030204" pitchFamily="34" charset="0"/>
+              <a:cs typeface="Calibri" panose="020F0502020204030204" pitchFamily="34" charset="0"/>
+            </a:endParaRPr>
+          </a:p>
+        </p:txBody>
+      </p:sp>
+    </p:spTree>
+    <p:extLst>
+      <p:ext uri="{BB962C8B-B14F-4D97-AF65-F5344CB8AC3E}">
+        <p14:creationId xmlns:p14="http://schemas.microsoft.com/office/powerpoint/2010/main" val="1391438053"/>
+      </p:ext>
+    </p:extLst>
+  </p:cSld>
+  <p:clrMapOvr>
+    <a:masterClrMapping/>
+  </p:clrMapOvr>
+</p:sld>
+</file>
+
+<file path=ppt/slides/slide28.xml><?xml version="1.0" encoding="utf-8"?>
+<p:sld xmlns:a="http://schemas.openxmlformats.org/drawingml/2006/main" xmlns:r="http://schemas.openxmlformats.org/officeDocument/2006/relationships" xmlns:p="http://schemas.openxmlformats.org/presentationml/2006/main">
+  <p:cSld>
+    <p:spTree>
+      <p:nvGrpSpPr>
+        <p:cNvPr id="1" name=""/>
+        <p:cNvGrpSpPr/>
+        <p:nvPr/>
+      </p:nvGrpSpPr>
+      <p:grpSpPr>
+        <a:xfrm>
+          <a:off x="0" y="0"/>
+          <a:ext cx="0" cy="0"/>
+          <a:chOff x="0" y="0"/>
+          <a:chExt cx="0" cy="0"/>
+        </a:xfrm>
+      </p:grpSpPr>
+      <p:sp>
+        <p:nvSpPr>
+          <p:cNvPr id="2" name="Title 1"/>
+          <p:cNvSpPr>
+            <a:spLocks noGrp="1"/>
+          </p:cNvSpPr>
+          <p:nvPr>
+            <p:ph type="title"/>
+          </p:nvPr>
+        </p:nvSpPr>
+        <p:spPr/>
+        <p:txBody>
+          <a:bodyPr/>
+          <a:lstStyle/>
+          <a:p>
+            <a:pPr algn="ctr"/>
+            <a:r>
+              <a:rPr lang="en-US" dirty="0" smtClean="0">
+                <a:solidFill>
+                  <a:schemeClr val="tx1"/>
+                </a:solidFill>
+                <a:latin typeface="Calibri" panose="020F0502020204030204" pitchFamily="34" charset="0"/>
+                <a:cs typeface="Calibri" panose="020F0502020204030204" pitchFamily="34" charset="0"/>
+              </a:rPr>
+              <a:t>Weighted/Exponential/moving average</a:t>
+            </a:r>
+            <a:endParaRPr lang="en-US" dirty="0">
+              <a:solidFill>
+                <a:schemeClr val="tx1"/>
+              </a:solidFill>
+              <a:latin typeface="Calibri" panose="020F0502020204030204" pitchFamily="34" charset="0"/>
+              <a:cs typeface="Calibri" panose="020F0502020204030204" pitchFamily="34" charset="0"/>
+            </a:endParaRPr>
+          </a:p>
+        </p:txBody>
+      </p:sp>
+      <mc:AlternateContent xmlns:mc="http://schemas.openxmlformats.org/markup-compatibility/2006">
+        <mc:Choice xmlns:a14="http://schemas.microsoft.com/office/drawing/2010/main" Requires="a14">
+          <p:sp>
+            <p:nvSpPr>
+              <p:cNvPr id="3" name="Content Placeholder 2"/>
+              <p:cNvSpPr>
+                <a:spLocks noGrp="1"/>
+              </p:cNvSpPr>
+              <p:nvPr>
+                <p:ph idx="1"/>
+              </p:nvPr>
+            </p:nvSpPr>
+            <p:spPr/>
+            <p:txBody>
+              <a:bodyPr/>
+              <a:lstStyle/>
+              <a:p>
+                <a:r>
+                  <a:rPr lang="en-US" dirty="0" smtClean="0">
+                    <a:solidFill>
+                      <a:schemeClr val="tx1"/>
+                    </a:solidFill>
+                    <a:latin typeface="Calibri" panose="020F0502020204030204" pitchFamily="34" charset="0"/>
+                    <a:cs typeface="Calibri" panose="020F0502020204030204" pitchFamily="34" charset="0"/>
+                  </a:rPr>
+                  <a:t>It is also called weighted average or exponentially weighted average or moving average</a:t>
+                </a:r>
+              </a:p>
+              <a:p>
+                <a:pPr marL="34290" indent="0">
+                  <a:buNone/>
+                </a:pPr>
+                <a14:m>
+                  <m:oMathPara xmlns:m="http://schemas.openxmlformats.org/officeDocument/2006/math">
+                    <m:oMathParaPr>
+                      <m:jc m:val="centerGroup"/>
+                    </m:oMathParaPr>
+                    <m:oMath xmlns:m="http://schemas.openxmlformats.org/officeDocument/2006/math">
+                      <m:sSub>
+                        <m:sSubPr>
+                          <m:ctrlPr>
+                            <a:rPr lang="en-US" i="1" smtClean="0">
+                              <a:solidFill>
+                                <a:schemeClr val="tx1"/>
+                              </a:solidFill>
+                              <a:latin typeface="Cambria Math" panose="02040503050406030204" pitchFamily="18" charset="0"/>
+                              <a:cs typeface="Calibri" panose="020F0502020204030204" pitchFamily="34" charset="0"/>
+                            </a:rPr>
+                          </m:ctrlPr>
+                        </m:sSubPr>
+                        <m:e>
+                          <m:r>
+                            <a:rPr lang="en-US" b="0" i="1" smtClean="0">
+                              <a:solidFill>
+                                <a:schemeClr val="tx1"/>
+                              </a:solidFill>
+                              <a:latin typeface="Cambria Math" panose="02040503050406030204" pitchFamily="18" charset="0"/>
+                              <a:cs typeface="Calibri" panose="020F0502020204030204" pitchFamily="34" charset="0"/>
+                            </a:rPr>
+                            <m:t>𝑉</m:t>
+                          </m:r>
+                        </m:e>
+                        <m:sub>
+                          <m:r>
+                            <a:rPr lang="en-US" b="0" i="1" smtClean="0">
+                              <a:solidFill>
+                                <a:schemeClr val="tx1"/>
+                              </a:solidFill>
+                              <a:latin typeface="Cambria Math" panose="02040503050406030204" pitchFamily="18" charset="0"/>
+                              <a:cs typeface="Calibri" panose="020F0502020204030204" pitchFamily="34" charset="0"/>
+                            </a:rPr>
+                            <m:t>𝑡</m:t>
+                          </m:r>
+                        </m:sub>
+                      </m:sSub>
+                      <m:r>
+                        <a:rPr lang="en-US" b="0" i="1" smtClean="0">
+                          <a:solidFill>
+                            <a:schemeClr val="tx1"/>
+                          </a:solidFill>
+                          <a:latin typeface="Cambria Math" panose="02040503050406030204" pitchFamily="18" charset="0"/>
+                          <a:cs typeface="Calibri" panose="020F0502020204030204" pitchFamily="34" charset="0"/>
+                        </a:rPr>
+                        <m:t>=</m:t>
+                      </m:r>
+                      <m:r>
+                        <a:rPr lang="en-US" b="0" i="1" smtClean="0">
+                          <a:solidFill>
+                            <a:schemeClr val="tx1"/>
+                          </a:solidFill>
+                          <a:latin typeface="Cambria Math" panose="02040503050406030204" pitchFamily="18" charset="0"/>
+                          <a:ea typeface="Cambria Math" panose="02040503050406030204" pitchFamily="18" charset="0"/>
+                          <a:cs typeface="Calibri" panose="020F0502020204030204" pitchFamily="34" charset="0"/>
+                        </a:rPr>
+                        <m:t>𝛽</m:t>
+                      </m:r>
+                      <m:sSub>
+                        <m:sSubPr>
+                          <m:ctrlPr>
+                            <a:rPr lang="en-US" b="0" i="1" smtClean="0">
+                              <a:solidFill>
+                                <a:schemeClr val="tx1"/>
+                              </a:solidFill>
+                              <a:latin typeface="Cambria Math" panose="02040503050406030204" pitchFamily="18" charset="0"/>
+                              <a:ea typeface="Cambria Math" panose="02040503050406030204" pitchFamily="18" charset="0"/>
+                              <a:cs typeface="Calibri" panose="020F0502020204030204" pitchFamily="34" charset="0"/>
+                            </a:rPr>
+                          </m:ctrlPr>
+                        </m:sSubPr>
+                        <m:e>
+                          <m:r>
+                            <a:rPr lang="en-US" b="0" i="1" smtClean="0">
+                              <a:solidFill>
+                                <a:schemeClr val="tx1"/>
+                              </a:solidFill>
+                              <a:latin typeface="Cambria Math" panose="02040503050406030204" pitchFamily="18" charset="0"/>
+                              <a:ea typeface="Cambria Math" panose="02040503050406030204" pitchFamily="18" charset="0"/>
+                              <a:cs typeface="Calibri" panose="020F0502020204030204" pitchFamily="34" charset="0"/>
+                            </a:rPr>
+                            <m:t>𝑉</m:t>
+                          </m:r>
+                        </m:e>
+                        <m:sub>
+                          <m:r>
+                            <a:rPr lang="en-US" b="0" i="1" smtClean="0">
+                              <a:solidFill>
+                                <a:schemeClr val="tx1"/>
+                              </a:solidFill>
+                              <a:latin typeface="Cambria Math" panose="02040503050406030204" pitchFamily="18" charset="0"/>
+                              <a:ea typeface="Cambria Math" panose="02040503050406030204" pitchFamily="18" charset="0"/>
+                              <a:cs typeface="Calibri" panose="020F0502020204030204" pitchFamily="34" charset="0"/>
+                            </a:rPr>
+                            <m:t>𝑡</m:t>
+                          </m:r>
+                          <m:r>
+                            <a:rPr lang="en-US" b="0" i="1" smtClean="0">
+                              <a:solidFill>
+                                <a:schemeClr val="tx1"/>
+                              </a:solidFill>
+                              <a:latin typeface="Cambria Math" panose="02040503050406030204" pitchFamily="18" charset="0"/>
+                              <a:ea typeface="Cambria Math" panose="02040503050406030204" pitchFamily="18" charset="0"/>
+                              <a:cs typeface="Calibri" panose="020F0502020204030204" pitchFamily="34" charset="0"/>
+                            </a:rPr>
+                            <m:t>−1</m:t>
+                          </m:r>
+                        </m:sub>
+                      </m:sSub>
+                      <m:r>
+                        <a:rPr lang="en-US" b="0" i="1" smtClean="0">
+                          <a:solidFill>
+                            <a:schemeClr val="tx1"/>
+                          </a:solidFill>
+                          <a:latin typeface="Cambria Math" panose="02040503050406030204" pitchFamily="18" charset="0"/>
+                          <a:ea typeface="Cambria Math" panose="02040503050406030204" pitchFamily="18" charset="0"/>
+                          <a:cs typeface="Calibri" panose="020F0502020204030204" pitchFamily="34" charset="0"/>
+                        </a:rPr>
+                        <m:t>+(1−</m:t>
+                      </m:r>
+                      <m:r>
+                        <a:rPr lang="en-US" b="0" i="1" smtClean="0">
+                          <a:solidFill>
+                            <a:schemeClr val="tx1"/>
+                          </a:solidFill>
+                          <a:latin typeface="Cambria Math" panose="02040503050406030204" pitchFamily="18" charset="0"/>
+                          <a:ea typeface="Cambria Math" panose="02040503050406030204" pitchFamily="18" charset="0"/>
+                          <a:cs typeface="Calibri" panose="020F0502020204030204" pitchFamily="34" charset="0"/>
+                        </a:rPr>
+                        <m:t>𝛽</m:t>
+                      </m:r>
+                      <m:r>
+                        <a:rPr lang="en-US" b="0" i="1" smtClean="0">
+                          <a:solidFill>
+                            <a:schemeClr val="tx1"/>
+                          </a:solidFill>
+                          <a:latin typeface="Cambria Math" panose="02040503050406030204" pitchFamily="18" charset="0"/>
+                          <a:ea typeface="Cambria Math" panose="02040503050406030204" pitchFamily="18" charset="0"/>
+                          <a:cs typeface="Calibri" panose="020F0502020204030204" pitchFamily="34" charset="0"/>
+                        </a:rPr>
+                        <m:t>)</m:t>
+                      </m:r>
+                      <m:sSub>
+                        <m:sSubPr>
+                          <m:ctrlPr>
+                            <a:rPr lang="en-US" b="0" i="1" smtClean="0">
+                              <a:solidFill>
+                                <a:schemeClr val="tx1"/>
+                              </a:solidFill>
+                              <a:latin typeface="Cambria Math" panose="02040503050406030204" pitchFamily="18" charset="0"/>
+                              <a:ea typeface="Cambria Math" panose="02040503050406030204" pitchFamily="18" charset="0"/>
+                              <a:cs typeface="Calibri" panose="020F0502020204030204" pitchFamily="34" charset="0"/>
+                            </a:rPr>
+                          </m:ctrlPr>
+                        </m:sSubPr>
+                        <m:e>
+                          <m:r>
+                            <a:rPr lang="en-US" b="0" i="1" smtClean="0">
+                              <a:solidFill>
+                                <a:schemeClr val="tx1"/>
+                              </a:solidFill>
+                              <a:latin typeface="Cambria Math" panose="02040503050406030204" pitchFamily="18" charset="0"/>
+                              <a:ea typeface="Cambria Math" panose="02040503050406030204" pitchFamily="18" charset="0"/>
+                              <a:cs typeface="Calibri" panose="020F0502020204030204" pitchFamily="34" charset="0"/>
+                            </a:rPr>
+                            <m:t>𝜃</m:t>
+                          </m:r>
+                        </m:e>
+                        <m:sub>
+                          <m:r>
+                            <a:rPr lang="en-US" b="0" i="1" smtClean="0">
+                              <a:solidFill>
+                                <a:schemeClr val="tx1"/>
+                              </a:solidFill>
+                              <a:latin typeface="Cambria Math" panose="02040503050406030204" pitchFamily="18" charset="0"/>
+                              <a:ea typeface="Cambria Math" panose="02040503050406030204" pitchFamily="18" charset="0"/>
+                              <a:cs typeface="Calibri" panose="020F0502020204030204" pitchFamily="34" charset="0"/>
+                            </a:rPr>
+                            <m:t>𝑡</m:t>
+                          </m:r>
+                        </m:sub>
+                      </m:sSub>
+                    </m:oMath>
+                  </m:oMathPara>
+                </a14:m>
+                <a:endParaRPr lang="en-US" dirty="0">
+                  <a:solidFill>
+                    <a:schemeClr val="tx1"/>
+                  </a:solidFill>
+                  <a:latin typeface="Calibri" panose="020F0502020204030204" pitchFamily="34" charset="0"/>
+                  <a:cs typeface="Calibri" panose="020F0502020204030204" pitchFamily="34" charset="0"/>
+                </a:endParaRPr>
+              </a:p>
+              <a:p>
+                <a:r>
+                  <a:rPr lang="en-US" dirty="0" smtClean="0">
+                    <a:solidFill>
+                      <a:schemeClr val="tx1"/>
+                    </a:solidFill>
+                    <a:latin typeface="Calibri" panose="020F0502020204030204" pitchFamily="34" charset="0"/>
+                    <a:cs typeface="Calibri" panose="020F0502020204030204" pitchFamily="34" charset="0"/>
+                  </a:rPr>
+                  <a:t>For implementation:</a:t>
+                </a:r>
+              </a:p>
+              <a:p>
+                <a:pPr marL="34290" indent="0">
+                  <a:buNone/>
+                </a:pPr>
+                <a:r>
+                  <a:rPr lang="en-US" dirty="0" smtClean="0">
+                    <a:solidFill>
+                      <a:schemeClr val="tx1"/>
+                    </a:solidFill>
+                    <a:latin typeface="Calibri" panose="020F0502020204030204" pitchFamily="34" charset="0"/>
+                    <a:cs typeface="Calibri" panose="020F0502020204030204" pitchFamily="34" charset="0"/>
+                  </a:rPr>
+                  <a:t>                                        </a:t>
+                </a:r>
+                <a:r>
+                  <a:rPr lang="en-US" dirty="0" err="1" smtClean="0">
+                    <a:solidFill>
+                      <a:schemeClr val="tx1"/>
+                    </a:solidFill>
+                    <a:latin typeface="Calibri" panose="020F0502020204030204" pitchFamily="34" charset="0"/>
+                    <a:cs typeface="Calibri" panose="020F0502020204030204" pitchFamily="34" charset="0"/>
+                  </a:rPr>
+                  <a:t>V</a:t>
+                </a:r>
+                <a:r>
+                  <a:rPr lang="en-US" baseline="-25000" dirty="0" err="1" smtClean="0">
+                    <a:solidFill>
+                      <a:schemeClr val="tx1"/>
+                    </a:solidFill>
+                    <a:latin typeface="Calibri" panose="020F0502020204030204" pitchFamily="34" charset="0"/>
+                    <a:cs typeface="Calibri" panose="020F0502020204030204" pitchFamily="34" charset="0"/>
+                  </a:rPr>
+                  <a:t>θ</a:t>
+                </a:r>
+                <a:r>
+                  <a:rPr lang="en-US" dirty="0" smtClean="0">
+                    <a:solidFill>
+                      <a:schemeClr val="tx1"/>
+                    </a:solidFill>
+                    <a:latin typeface="Calibri" panose="020F0502020204030204" pitchFamily="34" charset="0"/>
+                    <a:cs typeface="Calibri" panose="020F0502020204030204" pitchFamily="34" charset="0"/>
+                  </a:rPr>
+                  <a:t> = 0</a:t>
+                </a:r>
+              </a:p>
+              <a:p>
+                <a:pPr marL="34290" indent="0">
+                  <a:buNone/>
+                </a:pPr>
+                <a:r>
+                  <a:rPr lang="en-US" dirty="0" smtClean="0">
+                    <a:solidFill>
+                      <a:schemeClr val="tx1"/>
+                    </a:solidFill>
+                    <a:latin typeface="Calibri" panose="020F0502020204030204" pitchFamily="34" charset="0"/>
+                    <a:cs typeface="Calibri" panose="020F0502020204030204" pitchFamily="34" charset="0"/>
+                  </a:rPr>
+                  <a:t>                                         Keep{</a:t>
+                </a:r>
+              </a:p>
+              <a:p>
+                <a:pPr marL="34290" indent="0">
+                  <a:buNone/>
+                </a:pPr>
+                <a:r>
+                  <a:rPr lang="en-US" dirty="0" smtClean="0">
+                    <a:solidFill>
+                      <a:schemeClr val="tx1"/>
+                    </a:solidFill>
+                    <a:latin typeface="Calibri" panose="020F0502020204030204" pitchFamily="34" charset="0"/>
+                    <a:cs typeface="Calibri" panose="020F0502020204030204" pitchFamily="34" charset="0"/>
+                  </a:rPr>
+                  <a:t>			      </a:t>
+                </a:r>
+                <a:r>
+                  <a:rPr lang="en-US" dirty="0" err="1" smtClean="0">
+                    <a:solidFill>
+                      <a:schemeClr val="tx1"/>
+                    </a:solidFill>
+                    <a:latin typeface="Calibri" panose="020F0502020204030204" pitchFamily="34" charset="0"/>
+                    <a:cs typeface="Calibri" panose="020F0502020204030204" pitchFamily="34" charset="0"/>
+                  </a:rPr>
+                  <a:t>gotNext</a:t>
+                </a:r>
+                <a:r>
+                  <a:rPr lang="en-US" dirty="0" smtClean="0">
+                    <a:solidFill>
+                      <a:schemeClr val="tx1"/>
+                    </a:solidFill>
+                    <a:latin typeface="Calibri" panose="020F0502020204030204" pitchFamily="34" charset="0"/>
+                    <a:cs typeface="Calibri" panose="020F0502020204030204" pitchFamily="34" charset="0"/>
+                  </a:rPr>
+                  <a:t> </a:t>
+                </a:r>
+                <a:r>
+                  <a:rPr lang="el-GR" dirty="0" smtClean="0">
+                    <a:solidFill>
+                      <a:schemeClr val="tx1"/>
+                    </a:solidFill>
+                    <a:latin typeface="Calibri" panose="020F0502020204030204" pitchFamily="34" charset="0"/>
+                    <a:cs typeface="Calibri" panose="020F0502020204030204" pitchFamily="34" charset="0"/>
+                  </a:rPr>
+                  <a:t>θ</a:t>
+                </a:r>
+                <a:r>
+                  <a:rPr lang="en-US" baseline="-25000" dirty="0" smtClean="0">
+                    <a:solidFill>
+                      <a:schemeClr val="tx1"/>
+                    </a:solidFill>
+                    <a:latin typeface="Calibri" panose="020F0502020204030204" pitchFamily="34" charset="0"/>
+                    <a:cs typeface="Calibri" panose="020F0502020204030204" pitchFamily="34" charset="0"/>
+                  </a:rPr>
+                  <a:t>t</a:t>
+                </a:r>
+                <a:r>
+                  <a:rPr lang="en-US" dirty="0" smtClean="0">
+                    <a:solidFill>
+                      <a:schemeClr val="tx1"/>
+                    </a:solidFill>
+                    <a:latin typeface="Calibri" panose="020F0502020204030204" pitchFamily="34" charset="0"/>
+                    <a:cs typeface="Calibri" panose="020F0502020204030204" pitchFamily="34" charset="0"/>
+                  </a:rPr>
+                  <a:t> </a:t>
+                </a:r>
+                <a:br>
+                  <a:rPr lang="en-US" dirty="0" smtClean="0">
+                    <a:solidFill>
+                      <a:schemeClr val="tx1"/>
+                    </a:solidFill>
+                    <a:latin typeface="Calibri" panose="020F0502020204030204" pitchFamily="34" charset="0"/>
+                    <a:cs typeface="Calibri" panose="020F0502020204030204" pitchFamily="34" charset="0"/>
+                  </a:rPr>
+                </a:br>
+                <a14:m>
+                  <m:oMathPara xmlns:m="http://schemas.openxmlformats.org/officeDocument/2006/math">
+                    <m:oMathParaPr>
+                      <m:jc m:val="centerGroup"/>
+                    </m:oMathParaPr>
+                    <m:oMath xmlns:m="http://schemas.openxmlformats.org/officeDocument/2006/math">
+                      <m:sSub>
+                        <m:sSubPr>
+                          <m:ctrlPr>
+                            <a:rPr lang="en-US" i="1">
+                              <a:solidFill>
+                                <a:schemeClr val="tx1"/>
+                              </a:solidFill>
+                              <a:latin typeface="Cambria Math" panose="02040503050406030204" pitchFamily="18" charset="0"/>
+                              <a:cs typeface="Calibri" panose="020F0502020204030204" pitchFamily="34" charset="0"/>
+                            </a:rPr>
+                          </m:ctrlPr>
+                        </m:sSubPr>
+                        <m:e>
+                          <m:r>
+                            <a:rPr lang="en-US" i="1">
+                              <a:solidFill>
+                                <a:schemeClr val="tx1"/>
+                              </a:solidFill>
+                              <a:latin typeface="Cambria Math" panose="02040503050406030204" pitchFamily="18" charset="0"/>
+                              <a:cs typeface="Calibri" panose="020F0502020204030204" pitchFamily="34" charset="0"/>
+                            </a:rPr>
+                            <m:t>𝑉</m:t>
+                          </m:r>
+                        </m:e>
+                        <m:sub>
+                          <m:r>
+                            <m:rPr>
+                              <m:sty m:val="p"/>
+                            </m:rPr>
+                            <a:rPr lang="el-GR" i="1" smtClean="0">
+                              <a:solidFill>
+                                <a:schemeClr val="tx1"/>
+                              </a:solidFill>
+                              <a:latin typeface="Cambria Math" panose="02040503050406030204" pitchFamily="18" charset="0"/>
+                              <a:cs typeface="Calibri" panose="020F0502020204030204" pitchFamily="34" charset="0"/>
+                            </a:rPr>
+                            <m:t>θ</m:t>
+                          </m:r>
+                        </m:sub>
+                      </m:sSub>
+                      <m:r>
+                        <a:rPr lang="en-US" i="1">
+                          <a:solidFill>
+                            <a:schemeClr val="tx1"/>
+                          </a:solidFill>
+                          <a:latin typeface="Cambria Math" panose="02040503050406030204" pitchFamily="18" charset="0"/>
+                          <a:cs typeface="Calibri" panose="020F0502020204030204" pitchFamily="34" charset="0"/>
+                        </a:rPr>
+                        <m:t>=</m:t>
+                      </m:r>
+                      <m:r>
+                        <a:rPr lang="en-US" i="1">
+                          <a:solidFill>
+                            <a:schemeClr val="tx1"/>
+                          </a:solidFill>
+                          <a:latin typeface="Cambria Math" panose="02040503050406030204" pitchFamily="18" charset="0"/>
+                          <a:ea typeface="Cambria Math" panose="02040503050406030204" pitchFamily="18" charset="0"/>
+                          <a:cs typeface="Calibri" panose="020F0502020204030204" pitchFamily="34" charset="0"/>
+                        </a:rPr>
+                        <m:t>𝛽</m:t>
+                      </m:r>
+                      <m:sSub>
+                        <m:sSubPr>
+                          <m:ctrlPr>
+                            <a:rPr lang="en-US" i="1">
+                              <a:solidFill>
+                                <a:schemeClr val="tx1"/>
+                              </a:solidFill>
+                              <a:latin typeface="Cambria Math" panose="02040503050406030204" pitchFamily="18" charset="0"/>
+                              <a:ea typeface="Cambria Math" panose="02040503050406030204" pitchFamily="18" charset="0"/>
+                              <a:cs typeface="Calibri" panose="020F0502020204030204" pitchFamily="34" charset="0"/>
+                            </a:rPr>
+                          </m:ctrlPr>
+                        </m:sSubPr>
+                        <m:e>
+                          <m:r>
+                            <a:rPr lang="en-US" i="1">
+                              <a:solidFill>
+                                <a:schemeClr val="tx1"/>
+                              </a:solidFill>
+                              <a:latin typeface="Cambria Math" panose="02040503050406030204" pitchFamily="18" charset="0"/>
+                              <a:ea typeface="Cambria Math" panose="02040503050406030204" pitchFamily="18" charset="0"/>
+                              <a:cs typeface="Calibri" panose="020F0502020204030204" pitchFamily="34" charset="0"/>
+                            </a:rPr>
+                            <m:t>𝑉</m:t>
+                          </m:r>
+                        </m:e>
+                        <m:sub>
+                          <m:r>
+                            <m:rPr>
+                              <m:sty m:val="p"/>
+                            </m:rPr>
+                            <a:rPr lang="el-GR" i="1" smtClean="0">
+                              <a:solidFill>
+                                <a:schemeClr val="tx1"/>
+                              </a:solidFill>
+                              <a:latin typeface="Cambria Math" panose="02040503050406030204" pitchFamily="18" charset="0"/>
+                              <a:ea typeface="Cambria Math" panose="02040503050406030204" pitchFamily="18" charset="0"/>
+                              <a:cs typeface="Calibri" panose="020F0502020204030204" pitchFamily="34" charset="0"/>
+                            </a:rPr>
+                            <m:t>θ</m:t>
+                          </m:r>
+                        </m:sub>
+                      </m:sSub>
+                      <m:r>
+                        <a:rPr lang="en-US" i="1">
+                          <a:solidFill>
+                            <a:schemeClr val="tx1"/>
+                          </a:solidFill>
+                          <a:latin typeface="Cambria Math" panose="02040503050406030204" pitchFamily="18" charset="0"/>
+                          <a:ea typeface="Cambria Math" panose="02040503050406030204" pitchFamily="18" charset="0"/>
+                          <a:cs typeface="Calibri" panose="020F0502020204030204" pitchFamily="34" charset="0"/>
+                        </a:rPr>
+                        <m:t>+(1−</m:t>
+                      </m:r>
+                      <m:r>
+                        <a:rPr lang="en-US" i="1">
+                          <a:solidFill>
+                            <a:schemeClr val="tx1"/>
+                          </a:solidFill>
+                          <a:latin typeface="Cambria Math" panose="02040503050406030204" pitchFamily="18" charset="0"/>
+                          <a:ea typeface="Cambria Math" panose="02040503050406030204" pitchFamily="18" charset="0"/>
+                          <a:cs typeface="Calibri" panose="020F0502020204030204" pitchFamily="34" charset="0"/>
+                        </a:rPr>
+                        <m:t>𝛽</m:t>
+                      </m:r>
+                      <m:r>
+                        <a:rPr lang="en-US" i="1">
+                          <a:solidFill>
+                            <a:schemeClr val="tx1"/>
+                          </a:solidFill>
+                          <a:latin typeface="Cambria Math" panose="02040503050406030204" pitchFamily="18" charset="0"/>
+                          <a:ea typeface="Cambria Math" panose="02040503050406030204" pitchFamily="18" charset="0"/>
+                          <a:cs typeface="Calibri" panose="020F0502020204030204" pitchFamily="34" charset="0"/>
+                        </a:rPr>
+                        <m:t>)</m:t>
+                      </m:r>
+                      <m:sSub>
+                        <m:sSubPr>
+                          <m:ctrlPr>
+                            <a:rPr lang="en-US" i="1">
+                              <a:solidFill>
+                                <a:schemeClr val="tx1"/>
+                              </a:solidFill>
+                              <a:latin typeface="Cambria Math" panose="02040503050406030204" pitchFamily="18" charset="0"/>
+                              <a:ea typeface="Cambria Math" panose="02040503050406030204" pitchFamily="18" charset="0"/>
+                              <a:cs typeface="Calibri" panose="020F0502020204030204" pitchFamily="34" charset="0"/>
+                            </a:rPr>
+                          </m:ctrlPr>
+                        </m:sSubPr>
+                        <m:e>
+                          <m:r>
+                            <a:rPr lang="en-US" i="1">
+                              <a:solidFill>
+                                <a:schemeClr val="tx1"/>
+                              </a:solidFill>
+                              <a:latin typeface="Cambria Math" panose="02040503050406030204" pitchFamily="18" charset="0"/>
+                              <a:ea typeface="Cambria Math" panose="02040503050406030204" pitchFamily="18" charset="0"/>
+                              <a:cs typeface="Calibri" panose="020F0502020204030204" pitchFamily="34" charset="0"/>
+                            </a:rPr>
+                            <m:t>𝜃</m:t>
+                          </m:r>
+                        </m:e>
+                        <m:sub>
+                          <m:r>
+                            <a:rPr lang="en-US" i="1">
+                              <a:solidFill>
+                                <a:schemeClr val="tx1"/>
+                              </a:solidFill>
+                              <a:latin typeface="Cambria Math" panose="02040503050406030204" pitchFamily="18" charset="0"/>
+                              <a:ea typeface="Cambria Math" panose="02040503050406030204" pitchFamily="18" charset="0"/>
+                              <a:cs typeface="Calibri" panose="020F0502020204030204" pitchFamily="34" charset="0"/>
+                            </a:rPr>
+                            <m:t>𝑡</m:t>
+                          </m:r>
+                        </m:sub>
+                      </m:sSub>
+                    </m:oMath>
+                  </m:oMathPara>
+                </a14:m>
+                <a:endParaRPr lang="en-US" dirty="0" smtClean="0">
+                  <a:solidFill>
+                    <a:schemeClr val="tx1"/>
+                  </a:solidFill>
+                  <a:latin typeface="Calibri" panose="020F0502020204030204" pitchFamily="34" charset="0"/>
+                  <a:cs typeface="Calibri" panose="020F0502020204030204" pitchFamily="34" charset="0"/>
+                </a:endParaRPr>
+              </a:p>
+              <a:p>
+                <a:pPr marL="34290" indent="0">
+                  <a:buNone/>
+                </a:pPr>
+                <a:r>
+                  <a:rPr lang="en-US" dirty="0" smtClean="0">
+                    <a:solidFill>
+                      <a:schemeClr val="tx1"/>
+                    </a:solidFill>
+                    <a:latin typeface="Calibri" panose="020F0502020204030204" pitchFamily="34" charset="0"/>
+                    <a:cs typeface="Calibri" panose="020F0502020204030204" pitchFamily="34" charset="0"/>
+                  </a:rPr>
+                  <a:t>                                           }</a:t>
+                </a:r>
+                <a:endParaRPr lang="en-US" dirty="0">
+                  <a:solidFill>
+                    <a:schemeClr val="tx1"/>
+                  </a:solidFill>
+                  <a:latin typeface="Calibri" panose="020F0502020204030204" pitchFamily="34" charset="0"/>
+                  <a:cs typeface="Calibri" panose="020F0502020204030204" pitchFamily="34" charset="0"/>
+                </a:endParaRPr>
+              </a:p>
+            </p:txBody>
+          </p:sp>
+        </mc:Choice>
+        <mc:Fallback>
+          <p:sp>
+            <p:nvSpPr>
+              <p:cNvPr id="3" name="Content Placeholder 2"/>
+              <p:cNvSpPr>
+                <a:spLocks noGrp="1" noRot="1" noChangeAspect="1" noMove="1" noResize="1" noEditPoints="1" noAdjustHandles="1" noChangeArrowheads="1" noChangeShapeType="1" noTextEdit="1"/>
+              </p:cNvSpPr>
+              <p:nvPr>
+                <p:ph idx="1"/>
+              </p:nvPr>
+            </p:nvSpPr>
+            <p:spPr>
+              <a:blipFill rotWithShape="0">
+                <a:blip r:embed="rId2"/>
+                <a:stretch>
+                  <a:fillRect t="-1662" r="-741"/>
+                </a:stretch>
+              </a:blipFill>
+            </p:spPr>
+            <p:txBody>
+              <a:bodyPr/>
+              <a:lstStyle/>
+              <a:p>
+                <a:r>
+                  <a:rPr lang="en-US">
+                    <a:noFill/>
+                  </a:rPr>
+                  <a:t> </a:t>
+                </a:r>
+              </a:p>
+            </p:txBody>
+          </p:sp>
+        </mc:Fallback>
+      </mc:AlternateContent>
+      <p:sp>
+        <p:nvSpPr>
+          <p:cNvPr id="4" name="TextBox 3"/>
+          <p:cNvSpPr txBox="1"/>
+          <p:nvPr/>
+        </p:nvSpPr>
+        <p:spPr>
+          <a:xfrm>
+            <a:off x="1243584" y="5458968"/>
+            <a:ext cx="6347379" cy="369332"/>
+          </a:xfrm>
+          <a:prstGeom prst="rect">
+            <a:avLst/>
+          </a:prstGeom>
+          <a:solidFill>
+            <a:schemeClr val="accent1"/>
+          </a:solidFill>
+        </p:spPr>
+        <p:txBody>
+          <a:bodyPr wrap="none" rtlCol="0">
+            <a:spAutoFit/>
+          </a:bodyPr>
+          <a:lstStyle/>
+          <a:p>
+            <a:r>
+              <a:rPr lang="en-US" dirty="0" smtClean="0"/>
+              <a:t>Note: It is memory efficient. No need to keep track of every input</a:t>
+            </a:r>
+            <a:endParaRPr lang="en-US" dirty="0"/>
+          </a:p>
+        </p:txBody>
+      </p:sp>
+    </p:spTree>
+    <p:extLst>
+      <p:ext uri="{BB962C8B-B14F-4D97-AF65-F5344CB8AC3E}">
+        <p14:creationId xmlns:p14="http://schemas.microsoft.com/office/powerpoint/2010/main" val="4054269544"/>
+      </p:ext>
+    </p:extLst>
+  </p:cSld>
+  <p:clrMapOvr>
+    <a:masterClrMapping/>
+  </p:clrMapOvr>
+</p:sld>
+</file>
+
+<file path=ppt/slides/slide29.xml><?xml version="1.0" encoding="utf-8"?>
+<p:sld xmlns:a="http://schemas.openxmlformats.org/drawingml/2006/main" xmlns:r="http://schemas.openxmlformats.org/officeDocument/2006/relationships" xmlns:p="http://schemas.openxmlformats.org/presentationml/2006/main">
+  <p:cSld>
+    <p:spTree>
+      <p:nvGrpSpPr>
+        <p:cNvPr id="1" name=""/>
+        <p:cNvGrpSpPr/>
+        <p:nvPr/>
+      </p:nvGrpSpPr>
+      <p:grpSpPr>
+        <a:xfrm>
+          <a:off x="0" y="0"/>
+          <a:ext cx="0" cy="0"/>
+          <a:chOff x="0" y="0"/>
+          <a:chExt cx="0" cy="0"/>
+        </a:xfrm>
+      </p:grpSpPr>
+      <p:sp>
+        <p:nvSpPr>
+          <p:cNvPr id="2" name="Title 1"/>
+          <p:cNvSpPr>
+            <a:spLocks noGrp="1"/>
+          </p:cNvSpPr>
+          <p:nvPr>
+            <p:ph type="title"/>
+          </p:nvPr>
+        </p:nvSpPr>
+        <p:spPr/>
+        <p:txBody>
+          <a:bodyPr/>
+          <a:lstStyle/>
+          <a:p>
+            <a:pPr algn="ctr"/>
+            <a:r>
+              <a:rPr lang="en-US" dirty="0" smtClean="0">
+                <a:solidFill>
+                  <a:schemeClr val="tx1"/>
+                </a:solidFill>
+                <a:latin typeface="Calibri" panose="020F0502020204030204" pitchFamily="34" charset="0"/>
+                <a:cs typeface="Calibri" panose="020F0502020204030204" pitchFamily="34" charset="0"/>
+              </a:rPr>
+              <a:t>Bias correction</a:t>
+            </a:r>
+            <a:endParaRPr lang="en-US" dirty="0">
+              <a:solidFill>
+                <a:schemeClr val="tx1"/>
+              </a:solidFill>
+              <a:latin typeface="Calibri" panose="020F0502020204030204" pitchFamily="34" charset="0"/>
+              <a:cs typeface="Calibri" panose="020F0502020204030204" pitchFamily="34" charset="0"/>
+            </a:endParaRPr>
+          </a:p>
+        </p:txBody>
+      </p:sp>
+      <mc:AlternateContent xmlns:mc="http://schemas.openxmlformats.org/markup-compatibility/2006">
+        <mc:Choice xmlns:a14="http://schemas.microsoft.com/office/drawing/2010/main" Requires="a14">
+          <p:sp>
+            <p:nvSpPr>
+              <p:cNvPr id="3" name="Content Placeholder 2"/>
+              <p:cNvSpPr>
+                <a:spLocks noGrp="1"/>
+              </p:cNvSpPr>
+              <p:nvPr>
+                <p:ph idx="1"/>
+              </p:nvPr>
+            </p:nvSpPr>
+            <p:spPr/>
+            <p:txBody>
+              <a:bodyPr>
+                <a:normAutofit/>
+              </a:bodyPr>
+              <a:lstStyle/>
+              <a:p>
+                <a14:m>
+                  <m:oMath xmlns:m="http://schemas.openxmlformats.org/officeDocument/2006/math">
+                    <m:sSub>
+                      <m:sSubPr>
+                        <m:ctrlPr>
+                          <a:rPr lang="en-US" sz="2400" i="1" smtClean="0">
+                            <a:solidFill>
+                              <a:schemeClr val="tx1"/>
+                            </a:solidFill>
+                            <a:latin typeface="Cambria Math" panose="02040503050406030204" pitchFamily="18" charset="0"/>
+                            <a:cs typeface="Calibri" panose="020F0502020204030204" pitchFamily="34" charset="0"/>
+                          </a:rPr>
+                        </m:ctrlPr>
+                      </m:sSubPr>
+                      <m:e>
+                        <m:r>
+                          <a:rPr lang="en-US" sz="2400" i="1">
+                            <a:solidFill>
+                              <a:schemeClr val="tx1"/>
+                            </a:solidFill>
+                            <a:latin typeface="Cambria Math" panose="02040503050406030204" pitchFamily="18" charset="0"/>
+                            <a:cs typeface="Calibri" panose="020F0502020204030204" pitchFamily="34" charset="0"/>
+                          </a:rPr>
+                          <m:t>𝑉</m:t>
+                        </m:r>
+                      </m:e>
+                      <m:sub>
+                        <m:r>
+                          <a:rPr lang="en-US" sz="2400" i="1">
+                            <a:solidFill>
+                              <a:schemeClr val="tx1"/>
+                            </a:solidFill>
+                            <a:latin typeface="Cambria Math" panose="02040503050406030204" pitchFamily="18" charset="0"/>
+                            <a:cs typeface="Calibri" panose="020F0502020204030204" pitchFamily="34" charset="0"/>
+                          </a:rPr>
+                          <m:t>𝑡</m:t>
+                        </m:r>
+                      </m:sub>
+                    </m:sSub>
+                    <m:r>
+                      <a:rPr lang="en-US" sz="2400" i="1">
+                        <a:solidFill>
+                          <a:schemeClr val="tx1"/>
+                        </a:solidFill>
+                        <a:latin typeface="Cambria Math" panose="02040503050406030204" pitchFamily="18" charset="0"/>
+                        <a:cs typeface="Calibri" panose="020F0502020204030204" pitchFamily="34" charset="0"/>
+                      </a:rPr>
+                      <m:t>=</m:t>
+                    </m:r>
+                    <m:r>
+                      <a:rPr lang="en-US" sz="2400" i="1">
+                        <a:solidFill>
+                          <a:schemeClr val="tx1"/>
+                        </a:solidFill>
+                        <a:latin typeface="Cambria Math" panose="02040503050406030204" pitchFamily="18" charset="0"/>
+                        <a:ea typeface="Cambria Math" panose="02040503050406030204" pitchFamily="18" charset="0"/>
+                        <a:cs typeface="Calibri" panose="020F0502020204030204" pitchFamily="34" charset="0"/>
+                      </a:rPr>
+                      <m:t>𝛽</m:t>
+                    </m:r>
+                    <m:sSub>
+                      <m:sSubPr>
+                        <m:ctrlPr>
+                          <a:rPr lang="en-US" sz="2400" i="1">
+                            <a:solidFill>
+                              <a:schemeClr val="tx1"/>
+                            </a:solidFill>
+                            <a:latin typeface="Cambria Math" panose="02040503050406030204" pitchFamily="18" charset="0"/>
+                            <a:ea typeface="Cambria Math" panose="02040503050406030204" pitchFamily="18" charset="0"/>
+                            <a:cs typeface="Calibri" panose="020F0502020204030204" pitchFamily="34" charset="0"/>
+                          </a:rPr>
+                        </m:ctrlPr>
+                      </m:sSubPr>
+                      <m:e>
+                        <m:r>
+                          <a:rPr lang="en-US" sz="2400" i="1">
+                            <a:solidFill>
+                              <a:schemeClr val="tx1"/>
+                            </a:solidFill>
+                            <a:latin typeface="Cambria Math" panose="02040503050406030204" pitchFamily="18" charset="0"/>
+                            <a:ea typeface="Cambria Math" panose="02040503050406030204" pitchFamily="18" charset="0"/>
+                            <a:cs typeface="Calibri" panose="020F0502020204030204" pitchFamily="34" charset="0"/>
+                          </a:rPr>
+                          <m:t>𝑉</m:t>
+                        </m:r>
+                      </m:e>
+                      <m:sub>
+                        <m:r>
+                          <a:rPr lang="en-US" sz="2400" i="1">
+                            <a:solidFill>
+                              <a:schemeClr val="tx1"/>
+                            </a:solidFill>
+                            <a:latin typeface="Cambria Math" panose="02040503050406030204" pitchFamily="18" charset="0"/>
+                            <a:ea typeface="Cambria Math" panose="02040503050406030204" pitchFamily="18" charset="0"/>
+                            <a:cs typeface="Calibri" panose="020F0502020204030204" pitchFamily="34" charset="0"/>
+                          </a:rPr>
+                          <m:t>𝑡</m:t>
+                        </m:r>
+                        <m:r>
+                          <a:rPr lang="en-US" sz="2400" i="1">
+                            <a:solidFill>
+                              <a:schemeClr val="tx1"/>
+                            </a:solidFill>
+                            <a:latin typeface="Cambria Math" panose="02040503050406030204" pitchFamily="18" charset="0"/>
+                            <a:ea typeface="Cambria Math" panose="02040503050406030204" pitchFamily="18" charset="0"/>
+                            <a:cs typeface="Calibri" panose="020F0502020204030204" pitchFamily="34" charset="0"/>
+                          </a:rPr>
+                          <m:t>−1</m:t>
+                        </m:r>
+                      </m:sub>
+                    </m:sSub>
+                    <m:r>
+                      <a:rPr lang="en-US" sz="2400" i="1">
+                        <a:solidFill>
+                          <a:schemeClr val="tx1"/>
+                        </a:solidFill>
+                        <a:latin typeface="Cambria Math" panose="02040503050406030204" pitchFamily="18" charset="0"/>
+                        <a:ea typeface="Cambria Math" panose="02040503050406030204" pitchFamily="18" charset="0"/>
+                        <a:cs typeface="Calibri" panose="020F0502020204030204" pitchFamily="34" charset="0"/>
+                      </a:rPr>
+                      <m:t>+(1−</m:t>
+                    </m:r>
+                    <m:r>
+                      <a:rPr lang="en-US" sz="2400" i="1">
+                        <a:solidFill>
+                          <a:schemeClr val="tx1"/>
+                        </a:solidFill>
+                        <a:latin typeface="Cambria Math" panose="02040503050406030204" pitchFamily="18" charset="0"/>
+                        <a:ea typeface="Cambria Math" panose="02040503050406030204" pitchFamily="18" charset="0"/>
+                        <a:cs typeface="Calibri" panose="020F0502020204030204" pitchFamily="34" charset="0"/>
+                      </a:rPr>
+                      <m:t>𝛽</m:t>
+                    </m:r>
+                    <m:r>
+                      <a:rPr lang="en-US" sz="2400" i="1">
+                        <a:solidFill>
+                          <a:schemeClr val="tx1"/>
+                        </a:solidFill>
+                        <a:latin typeface="Cambria Math" panose="02040503050406030204" pitchFamily="18" charset="0"/>
+                        <a:ea typeface="Cambria Math" panose="02040503050406030204" pitchFamily="18" charset="0"/>
+                        <a:cs typeface="Calibri" panose="020F0502020204030204" pitchFamily="34" charset="0"/>
+                      </a:rPr>
+                      <m:t>)</m:t>
+                    </m:r>
+                    <m:sSub>
+                      <m:sSubPr>
+                        <m:ctrlPr>
+                          <a:rPr lang="en-US" sz="2400" i="1">
+                            <a:solidFill>
+                              <a:schemeClr val="tx1"/>
+                            </a:solidFill>
+                            <a:latin typeface="Cambria Math" panose="02040503050406030204" pitchFamily="18" charset="0"/>
+                            <a:ea typeface="Cambria Math" panose="02040503050406030204" pitchFamily="18" charset="0"/>
+                            <a:cs typeface="Calibri" panose="020F0502020204030204" pitchFamily="34" charset="0"/>
+                          </a:rPr>
+                        </m:ctrlPr>
+                      </m:sSubPr>
+                      <m:e>
+                        <m:r>
+                          <a:rPr lang="en-US" sz="2400" i="1">
+                            <a:solidFill>
+                              <a:schemeClr val="tx1"/>
+                            </a:solidFill>
+                            <a:latin typeface="Cambria Math" panose="02040503050406030204" pitchFamily="18" charset="0"/>
+                            <a:ea typeface="Cambria Math" panose="02040503050406030204" pitchFamily="18" charset="0"/>
+                            <a:cs typeface="Calibri" panose="020F0502020204030204" pitchFamily="34" charset="0"/>
+                          </a:rPr>
+                          <m:t>𝜃</m:t>
+                        </m:r>
+                      </m:e>
+                      <m:sub>
+                        <m:r>
+                          <a:rPr lang="en-US" sz="2400" i="1">
+                            <a:solidFill>
+                              <a:schemeClr val="tx1"/>
+                            </a:solidFill>
+                            <a:latin typeface="Cambria Math" panose="02040503050406030204" pitchFamily="18" charset="0"/>
+                            <a:ea typeface="Cambria Math" panose="02040503050406030204" pitchFamily="18" charset="0"/>
+                            <a:cs typeface="Calibri" panose="020F0502020204030204" pitchFamily="34" charset="0"/>
+                          </a:rPr>
+                          <m:t>𝑡</m:t>
+                        </m:r>
+                      </m:sub>
+                    </m:sSub>
+                  </m:oMath>
+                </a14:m>
+                <a:endParaRPr lang="en-US" sz="2400" dirty="0" smtClean="0">
+                  <a:solidFill>
+                    <a:schemeClr val="tx1"/>
+                  </a:solidFill>
+                  <a:latin typeface="Calibri" panose="020F0502020204030204" pitchFamily="34" charset="0"/>
+                  <a:cs typeface="Calibri" panose="020F0502020204030204" pitchFamily="34" charset="0"/>
+                </a:endParaRPr>
+              </a:p>
+              <a:p>
+                <a:r>
+                  <a:rPr lang="en-US" sz="2400" dirty="0" smtClean="0">
+                    <a:solidFill>
+                      <a:schemeClr val="tx1"/>
+                    </a:solidFill>
+                    <a:latin typeface="Calibri" panose="020F0502020204030204" pitchFamily="34" charset="0"/>
+                    <a:cs typeface="Calibri" panose="020F0502020204030204" pitchFamily="34" charset="0"/>
+                  </a:rPr>
+                  <a:t>V</a:t>
+                </a:r>
+                <a:r>
+                  <a:rPr lang="en-US" sz="2400" baseline="-25000" dirty="0" smtClean="0">
+                    <a:solidFill>
+                      <a:schemeClr val="tx1"/>
+                    </a:solidFill>
+                    <a:latin typeface="Calibri" panose="020F0502020204030204" pitchFamily="34" charset="0"/>
+                    <a:cs typeface="Calibri" panose="020F0502020204030204" pitchFamily="34" charset="0"/>
+                  </a:rPr>
+                  <a:t>0</a:t>
+                </a:r>
+                <a:r>
+                  <a:rPr lang="en-US" sz="2400" dirty="0" smtClean="0">
+                    <a:solidFill>
+                      <a:schemeClr val="tx1"/>
+                    </a:solidFill>
+                    <a:latin typeface="Calibri" panose="020F0502020204030204" pitchFamily="34" charset="0"/>
+                    <a:cs typeface="Calibri" panose="020F0502020204030204" pitchFamily="34" charset="0"/>
+                  </a:rPr>
+                  <a:t> = 0</a:t>
+                </a:r>
+              </a:p>
+              <a:p>
+                <a:r>
+                  <a:rPr lang="en-US" sz="2400" dirty="0" smtClean="0">
+                    <a:solidFill>
+                      <a:schemeClr val="tx1"/>
+                    </a:solidFill>
+                    <a:latin typeface="Calibri" panose="020F0502020204030204" pitchFamily="34" charset="0"/>
+                    <a:cs typeface="Calibri" panose="020F0502020204030204" pitchFamily="34" charset="0"/>
+                  </a:rPr>
+                  <a:t>V</a:t>
+                </a:r>
+                <a:r>
+                  <a:rPr lang="en-US" sz="2400" baseline="-25000" dirty="0" smtClean="0">
+                    <a:solidFill>
+                      <a:schemeClr val="tx1"/>
+                    </a:solidFill>
+                    <a:latin typeface="Calibri" panose="020F0502020204030204" pitchFamily="34" charset="0"/>
+                    <a:cs typeface="Calibri" panose="020F0502020204030204" pitchFamily="34" charset="0"/>
+                  </a:rPr>
+                  <a:t>1</a:t>
+                </a:r>
+                <a:r>
+                  <a:rPr lang="en-US" sz="2400" dirty="0" smtClean="0">
+                    <a:solidFill>
+                      <a:schemeClr val="tx1"/>
+                    </a:solidFill>
+                    <a:latin typeface="Calibri" panose="020F0502020204030204" pitchFamily="34" charset="0"/>
+                    <a:cs typeface="Calibri" panose="020F0502020204030204" pitchFamily="34" charset="0"/>
+                  </a:rPr>
+                  <a:t> = 0 + 0.02</a:t>
+                </a:r>
+                <a14:m>
+                  <m:oMath xmlns:m="http://schemas.openxmlformats.org/officeDocument/2006/math">
+                    <m:sSub>
+                      <m:sSubPr>
+                        <m:ctrlPr>
+                          <a:rPr lang="en-US" sz="2400" i="1">
+                            <a:solidFill>
+                              <a:schemeClr val="tx1"/>
+                            </a:solidFill>
+                            <a:latin typeface="Cambria Math" panose="02040503050406030204" pitchFamily="18" charset="0"/>
+                            <a:ea typeface="Cambria Math" panose="02040503050406030204" pitchFamily="18" charset="0"/>
+                            <a:cs typeface="Calibri" panose="020F0502020204030204" pitchFamily="34" charset="0"/>
+                          </a:rPr>
+                        </m:ctrlPr>
+                      </m:sSubPr>
+                      <m:e>
+                        <m:r>
+                          <a:rPr lang="en-US" sz="2400" i="1">
+                            <a:solidFill>
+                              <a:schemeClr val="tx1"/>
+                            </a:solidFill>
+                            <a:latin typeface="Cambria Math" panose="02040503050406030204" pitchFamily="18" charset="0"/>
+                            <a:ea typeface="Cambria Math" panose="02040503050406030204" pitchFamily="18" charset="0"/>
+                            <a:cs typeface="Calibri" panose="020F0502020204030204" pitchFamily="34" charset="0"/>
+                          </a:rPr>
+                          <m:t>𝜃</m:t>
+                        </m:r>
+                      </m:e>
+                      <m:sub>
+                        <m:r>
+                          <a:rPr lang="en-US" sz="2400" b="0" i="1" smtClean="0">
+                            <a:solidFill>
+                              <a:schemeClr val="tx1"/>
+                            </a:solidFill>
+                            <a:latin typeface="Cambria Math" panose="02040503050406030204" pitchFamily="18" charset="0"/>
+                            <a:ea typeface="Cambria Math" panose="02040503050406030204" pitchFamily="18" charset="0"/>
+                            <a:cs typeface="Calibri" panose="020F0502020204030204" pitchFamily="34" charset="0"/>
+                          </a:rPr>
+                          <m:t>1</m:t>
+                        </m:r>
+                      </m:sub>
+                    </m:sSub>
+                  </m:oMath>
+                </a14:m>
+                <a:endParaRPr lang="en-US" sz="2400" dirty="0" smtClean="0">
+                  <a:solidFill>
+                    <a:schemeClr val="tx1"/>
+                  </a:solidFill>
+                  <a:latin typeface="Calibri" panose="020F0502020204030204" pitchFamily="34" charset="0"/>
+                  <a:cs typeface="Calibri" panose="020F0502020204030204" pitchFamily="34" charset="0"/>
+                </a:endParaRPr>
+              </a:p>
+              <a:p>
+                <a:r>
+                  <a:rPr lang="en-US" sz="2400" dirty="0" smtClean="0">
+                    <a:solidFill>
+                      <a:schemeClr val="tx1"/>
+                    </a:solidFill>
+                    <a:latin typeface="Calibri" panose="020F0502020204030204" pitchFamily="34" charset="0"/>
+                    <a:cs typeface="Calibri" panose="020F0502020204030204" pitchFamily="34" charset="0"/>
+                  </a:rPr>
+                  <a:t>V</a:t>
+                </a:r>
+                <a:r>
+                  <a:rPr lang="en-US" sz="2400" baseline="-25000" dirty="0" smtClean="0">
+                    <a:solidFill>
+                      <a:schemeClr val="tx1"/>
+                    </a:solidFill>
+                    <a:latin typeface="Calibri" panose="020F0502020204030204" pitchFamily="34" charset="0"/>
+                    <a:cs typeface="Calibri" panose="020F0502020204030204" pitchFamily="34" charset="0"/>
+                  </a:rPr>
+                  <a:t>2</a:t>
+                </a:r>
+                <a:r>
+                  <a:rPr lang="en-US" sz="2400" dirty="0" smtClean="0">
+                    <a:solidFill>
+                      <a:schemeClr val="tx1"/>
+                    </a:solidFill>
+                    <a:latin typeface="Calibri" panose="020F0502020204030204" pitchFamily="34" charset="0"/>
+                    <a:cs typeface="Calibri" panose="020F0502020204030204" pitchFamily="34" charset="0"/>
+                  </a:rPr>
+                  <a:t> = 0.98 V</a:t>
+                </a:r>
+                <a:r>
+                  <a:rPr lang="en-US" sz="2400" baseline="-25000" dirty="0" smtClean="0">
+                    <a:solidFill>
+                      <a:schemeClr val="tx1"/>
+                    </a:solidFill>
+                    <a:latin typeface="Calibri" panose="020F0502020204030204" pitchFamily="34" charset="0"/>
+                    <a:cs typeface="Calibri" panose="020F0502020204030204" pitchFamily="34" charset="0"/>
+                  </a:rPr>
+                  <a:t>1</a:t>
+                </a:r>
+                <a:r>
+                  <a:rPr lang="en-US" sz="2400" dirty="0" smtClean="0">
+                    <a:solidFill>
+                      <a:schemeClr val="tx1"/>
+                    </a:solidFill>
+                    <a:latin typeface="Calibri" panose="020F0502020204030204" pitchFamily="34" charset="0"/>
+                    <a:cs typeface="Calibri" panose="020F0502020204030204" pitchFamily="34" charset="0"/>
+                  </a:rPr>
+                  <a:t> + 0.02</a:t>
+                </a:r>
+                <a14:m>
+                  <m:oMath xmlns:m="http://schemas.openxmlformats.org/officeDocument/2006/math">
+                    <m:sSub>
+                      <m:sSubPr>
+                        <m:ctrlPr>
+                          <a:rPr lang="en-US" sz="2400" i="1" smtClean="0">
+                            <a:solidFill>
+                              <a:schemeClr val="tx1"/>
+                            </a:solidFill>
+                            <a:latin typeface="Cambria Math" panose="02040503050406030204" pitchFamily="18" charset="0"/>
+                            <a:ea typeface="Cambria Math" panose="02040503050406030204" pitchFamily="18" charset="0"/>
+                            <a:cs typeface="Calibri" panose="020F0502020204030204" pitchFamily="34" charset="0"/>
+                          </a:rPr>
+                        </m:ctrlPr>
+                      </m:sSubPr>
+                      <m:e>
+                        <m:r>
+                          <a:rPr lang="en-US" sz="2400" i="1">
+                            <a:solidFill>
+                              <a:schemeClr val="tx1"/>
+                            </a:solidFill>
+                            <a:latin typeface="Cambria Math" panose="02040503050406030204" pitchFamily="18" charset="0"/>
+                            <a:ea typeface="Cambria Math" panose="02040503050406030204" pitchFamily="18" charset="0"/>
+                            <a:cs typeface="Calibri" panose="020F0502020204030204" pitchFamily="34" charset="0"/>
+                          </a:rPr>
+                          <m:t>𝜃</m:t>
+                        </m:r>
+                      </m:e>
+                      <m:sub>
+                        <m:r>
+                          <a:rPr lang="en-US" sz="2400" b="0" i="1" smtClean="0">
+                            <a:solidFill>
+                              <a:schemeClr val="tx1"/>
+                            </a:solidFill>
+                            <a:latin typeface="Cambria Math" panose="02040503050406030204" pitchFamily="18" charset="0"/>
+                            <a:ea typeface="Cambria Math" panose="02040503050406030204" pitchFamily="18" charset="0"/>
+                            <a:cs typeface="Calibri" panose="020F0502020204030204" pitchFamily="34" charset="0"/>
+                          </a:rPr>
+                          <m:t>2</m:t>
+                        </m:r>
+                      </m:sub>
+                    </m:sSub>
+                  </m:oMath>
+                </a14:m>
+                <a:endParaRPr lang="en-US" sz="2400" dirty="0" smtClean="0">
+                  <a:solidFill>
+                    <a:schemeClr val="tx1"/>
+                  </a:solidFill>
+                  <a:latin typeface="Calibri" panose="020F0502020204030204" pitchFamily="34" charset="0"/>
+                  <a:cs typeface="Calibri" panose="020F0502020204030204" pitchFamily="34" charset="0"/>
+                </a:endParaRPr>
+              </a:p>
+              <a:p>
+                <a:pPr marL="34290" indent="0">
+                  <a:buNone/>
+                </a:pPr>
+                <a:r>
+                  <a:rPr lang="en-US" sz="2400" dirty="0" smtClean="0">
+                    <a:solidFill>
+                      <a:schemeClr val="tx1"/>
+                    </a:solidFill>
+                    <a:latin typeface="Calibri" panose="020F0502020204030204" pitchFamily="34" charset="0"/>
+                    <a:cs typeface="Calibri" panose="020F0502020204030204" pitchFamily="34" charset="0"/>
+                  </a:rPr>
+                  <a:t>       = </a:t>
+                </a:r>
+                <a:r>
+                  <a:rPr lang="en-US" sz="2400" dirty="0" smtClean="0">
+                    <a:solidFill>
+                      <a:srgbClr val="FF0000"/>
+                    </a:solidFill>
+                    <a:latin typeface="Calibri" panose="020F0502020204030204" pitchFamily="34" charset="0"/>
+                    <a:cs typeface="Calibri" panose="020F0502020204030204" pitchFamily="34" charset="0"/>
+                  </a:rPr>
+                  <a:t>0.0196</a:t>
+                </a:r>
+                <a14:m>
+                  <m:oMath xmlns:m="http://schemas.openxmlformats.org/officeDocument/2006/math">
+                    <m:sSub>
+                      <m:sSubPr>
+                        <m:ctrlPr>
+                          <a:rPr lang="en-US" sz="2400" i="1">
+                            <a:solidFill>
+                              <a:srgbClr val="FF0000"/>
+                            </a:solidFill>
+                            <a:latin typeface="Cambria Math" panose="02040503050406030204" pitchFamily="18" charset="0"/>
+                            <a:ea typeface="Cambria Math" panose="02040503050406030204" pitchFamily="18" charset="0"/>
+                            <a:cs typeface="Calibri" panose="020F0502020204030204" pitchFamily="34" charset="0"/>
+                          </a:rPr>
+                        </m:ctrlPr>
+                      </m:sSubPr>
+                      <m:e>
+                        <m:r>
+                          <a:rPr lang="en-US" sz="2400" i="1">
+                            <a:solidFill>
+                              <a:srgbClr val="FF0000"/>
+                            </a:solidFill>
+                            <a:latin typeface="Cambria Math" panose="02040503050406030204" pitchFamily="18" charset="0"/>
+                            <a:ea typeface="Cambria Math" panose="02040503050406030204" pitchFamily="18" charset="0"/>
+                            <a:cs typeface="Calibri" panose="020F0502020204030204" pitchFamily="34" charset="0"/>
+                          </a:rPr>
+                          <m:t>𝜃</m:t>
+                        </m:r>
+                      </m:e>
+                      <m:sub>
+                        <m:r>
+                          <a:rPr lang="en-US" sz="2400" b="0" i="1" smtClean="0">
+                            <a:solidFill>
+                              <a:srgbClr val="FF0000"/>
+                            </a:solidFill>
+                            <a:latin typeface="Cambria Math" panose="02040503050406030204" pitchFamily="18" charset="0"/>
+                            <a:ea typeface="Cambria Math" panose="02040503050406030204" pitchFamily="18" charset="0"/>
+                            <a:cs typeface="Calibri" panose="020F0502020204030204" pitchFamily="34" charset="0"/>
+                          </a:rPr>
+                          <m:t>1</m:t>
+                        </m:r>
+                      </m:sub>
+                    </m:sSub>
+                  </m:oMath>
+                </a14:m>
+                <a:r>
+                  <a:rPr lang="en-US" sz="2400" dirty="0" smtClean="0">
+                    <a:solidFill>
+                      <a:schemeClr val="tx1"/>
+                    </a:solidFill>
+                    <a:latin typeface="Calibri" panose="020F0502020204030204" pitchFamily="34" charset="0"/>
+                    <a:cs typeface="Calibri" panose="020F0502020204030204" pitchFamily="34" charset="0"/>
+                  </a:rPr>
+                  <a:t>+ 0.02</a:t>
+                </a:r>
+                <a14:m>
+                  <m:oMath xmlns:m="http://schemas.openxmlformats.org/officeDocument/2006/math">
+                    <m:sSub>
+                      <m:sSubPr>
+                        <m:ctrlPr>
+                          <a:rPr lang="en-US" sz="2400" i="1">
+                            <a:solidFill>
+                              <a:schemeClr val="tx1"/>
+                            </a:solidFill>
+                            <a:latin typeface="Cambria Math" panose="02040503050406030204" pitchFamily="18" charset="0"/>
+                            <a:ea typeface="Cambria Math" panose="02040503050406030204" pitchFamily="18" charset="0"/>
+                            <a:cs typeface="Calibri" panose="020F0502020204030204" pitchFamily="34" charset="0"/>
+                          </a:rPr>
+                        </m:ctrlPr>
+                      </m:sSubPr>
+                      <m:e>
+                        <m:r>
+                          <a:rPr lang="en-US" sz="2400" i="1">
+                            <a:solidFill>
+                              <a:schemeClr val="tx1"/>
+                            </a:solidFill>
+                            <a:latin typeface="Cambria Math" panose="02040503050406030204" pitchFamily="18" charset="0"/>
+                            <a:ea typeface="Cambria Math" panose="02040503050406030204" pitchFamily="18" charset="0"/>
+                            <a:cs typeface="Calibri" panose="020F0502020204030204" pitchFamily="34" charset="0"/>
+                          </a:rPr>
+                          <m:t>𝜃</m:t>
+                        </m:r>
+                      </m:e>
+                      <m:sub>
+                        <m:r>
+                          <a:rPr lang="en-US" sz="2400" b="0" i="1" smtClean="0">
+                            <a:solidFill>
+                              <a:schemeClr val="tx1"/>
+                            </a:solidFill>
+                            <a:latin typeface="Cambria Math" panose="02040503050406030204" pitchFamily="18" charset="0"/>
+                            <a:ea typeface="Cambria Math" panose="02040503050406030204" pitchFamily="18" charset="0"/>
+                            <a:cs typeface="Calibri" panose="020F0502020204030204" pitchFamily="34" charset="0"/>
+                          </a:rPr>
+                          <m:t>2</m:t>
+                        </m:r>
+                      </m:sub>
+                    </m:sSub>
+                  </m:oMath>
+                </a14:m>
+                <a:endParaRPr lang="en-US" sz="2400" dirty="0" smtClean="0">
+                  <a:solidFill>
+                    <a:schemeClr val="tx1"/>
+                  </a:solidFill>
+                  <a:latin typeface="Calibri" panose="020F0502020204030204" pitchFamily="34" charset="0"/>
+                  <a:cs typeface="Calibri" panose="020F0502020204030204" pitchFamily="34" charset="0"/>
+                </a:endParaRPr>
+              </a:p>
+              <a:p>
+                <a:r>
+                  <a:rPr lang="en-US" sz="2400" dirty="0" smtClean="0">
+                    <a:solidFill>
+                      <a:schemeClr val="tx1"/>
+                    </a:solidFill>
+                    <a:latin typeface="Calibri" panose="020F0502020204030204" pitchFamily="34" charset="0"/>
+                    <a:cs typeface="Calibri" panose="020F0502020204030204" pitchFamily="34" charset="0"/>
+                  </a:rPr>
+                  <a:t>Bias correction </a:t>
+                </a:r>
+              </a:p>
+              <a:p>
+                <a:pPr marL="34290" indent="0">
+                  <a:buNone/>
+                </a:pPr>
+                <a14:m>
+                  <m:oMathPara xmlns:m="http://schemas.openxmlformats.org/officeDocument/2006/math">
+                    <m:oMathParaPr>
+                      <m:jc m:val="centerGroup"/>
+                    </m:oMathParaPr>
+                    <m:oMath xmlns:m="http://schemas.openxmlformats.org/officeDocument/2006/math">
+                      <m:f>
+                        <m:fPr>
+                          <m:ctrlPr>
+                            <a:rPr lang="en-US" sz="2400" i="1" smtClean="0">
+                              <a:solidFill>
+                                <a:schemeClr val="tx1"/>
+                              </a:solidFill>
+                              <a:latin typeface="Cambria Math" panose="02040503050406030204" pitchFamily="18" charset="0"/>
+                              <a:cs typeface="Calibri" panose="020F0502020204030204" pitchFamily="34" charset="0"/>
+                            </a:rPr>
+                          </m:ctrlPr>
+                        </m:fPr>
+                        <m:num>
+                          <m:sSub>
+                            <m:sSubPr>
+                              <m:ctrlPr>
+                                <a:rPr lang="en-US" sz="2400" i="1" smtClean="0">
+                                  <a:solidFill>
+                                    <a:schemeClr val="tx1"/>
+                                  </a:solidFill>
+                                  <a:latin typeface="Cambria Math" panose="02040503050406030204" pitchFamily="18" charset="0"/>
+                                  <a:cs typeface="Calibri" panose="020F0502020204030204" pitchFamily="34" charset="0"/>
+                                </a:rPr>
+                              </m:ctrlPr>
+                            </m:sSubPr>
+                            <m:e>
+                              <m:r>
+                                <a:rPr lang="en-US" sz="2400" b="0" i="1" smtClean="0">
+                                  <a:solidFill>
+                                    <a:schemeClr val="tx1"/>
+                                  </a:solidFill>
+                                  <a:latin typeface="Cambria Math" panose="02040503050406030204" pitchFamily="18" charset="0"/>
+                                  <a:cs typeface="Calibri" panose="020F0502020204030204" pitchFamily="34" charset="0"/>
+                                </a:rPr>
+                                <m:t>𝑉</m:t>
+                              </m:r>
+                            </m:e>
+                            <m:sub>
+                              <m:r>
+                                <a:rPr lang="en-US" sz="2400" b="0" i="1" smtClean="0">
+                                  <a:solidFill>
+                                    <a:schemeClr val="tx1"/>
+                                  </a:solidFill>
+                                  <a:latin typeface="Cambria Math" panose="02040503050406030204" pitchFamily="18" charset="0"/>
+                                  <a:cs typeface="Calibri" panose="020F0502020204030204" pitchFamily="34" charset="0"/>
+                                </a:rPr>
+                                <m:t>𝑡</m:t>
+                              </m:r>
+                            </m:sub>
+                          </m:sSub>
+                        </m:num>
+                        <m:den>
+                          <m:r>
+                            <a:rPr lang="en-US" sz="2400" b="0" i="1" smtClean="0">
+                              <a:solidFill>
+                                <a:schemeClr val="tx1"/>
+                              </a:solidFill>
+                              <a:latin typeface="Cambria Math" panose="02040503050406030204" pitchFamily="18" charset="0"/>
+                              <a:cs typeface="Calibri" panose="020F0502020204030204" pitchFamily="34" charset="0"/>
+                            </a:rPr>
+                            <m:t>1−</m:t>
+                          </m:r>
+                          <m:sSup>
+                            <m:sSupPr>
+                              <m:ctrlPr>
+                                <a:rPr lang="en-US" sz="2400" b="0" i="1" smtClean="0">
+                                  <a:solidFill>
+                                    <a:schemeClr val="tx1"/>
+                                  </a:solidFill>
+                                  <a:latin typeface="Cambria Math" panose="02040503050406030204" pitchFamily="18" charset="0"/>
+                                  <a:cs typeface="Calibri" panose="020F0502020204030204" pitchFamily="34" charset="0"/>
+                                </a:rPr>
+                              </m:ctrlPr>
+                            </m:sSupPr>
+                            <m:e>
+                              <m:r>
+                                <a:rPr lang="en-US" sz="2400" b="0" i="1" smtClean="0">
+                                  <a:solidFill>
+                                    <a:schemeClr val="tx1"/>
+                                  </a:solidFill>
+                                  <a:latin typeface="Cambria Math" panose="02040503050406030204" pitchFamily="18" charset="0"/>
+                                  <a:ea typeface="Cambria Math" panose="02040503050406030204" pitchFamily="18" charset="0"/>
+                                  <a:cs typeface="Calibri" panose="020F0502020204030204" pitchFamily="34" charset="0"/>
+                                </a:rPr>
+                                <m:t>𝛽</m:t>
+                              </m:r>
+                            </m:e>
+                            <m:sup>
+                              <m:r>
+                                <a:rPr lang="en-US" sz="2400" b="0" i="1" smtClean="0">
+                                  <a:solidFill>
+                                    <a:schemeClr val="tx1"/>
+                                  </a:solidFill>
+                                  <a:latin typeface="Cambria Math" panose="02040503050406030204" pitchFamily="18" charset="0"/>
+                                  <a:cs typeface="Calibri" panose="020F0502020204030204" pitchFamily="34" charset="0"/>
+                                </a:rPr>
+                                <m:t>𝑡</m:t>
+                              </m:r>
+                            </m:sup>
+                          </m:sSup>
+                        </m:den>
+                      </m:f>
+                    </m:oMath>
+                  </m:oMathPara>
+                </a14:m>
+                <a:endParaRPr lang="en-US" sz="2400" dirty="0" smtClean="0">
+                  <a:solidFill>
+                    <a:schemeClr val="tx1"/>
+                  </a:solidFill>
+                  <a:latin typeface="Calibri" panose="020F0502020204030204" pitchFamily="34" charset="0"/>
+                  <a:cs typeface="Calibri" panose="020F0502020204030204" pitchFamily="34" charset="0"/>
+                </a:endParaRPr>
+              </a:p>
+              <a:p>
+                <a:pPr marL="34290" indent="0">
+                  <a:buNone/>
+                </a:pPr>
+                <a:endParaRPr lang="en-US" sz="2400" dirty="0">
+                  <a:solidFill>
+                    <a:schemeClr val="tx1"/>
+                  </a:solidFill>
+                  <a:latin typeface="Calibri" panose="020F0502020204030204" pitchFamily="34" charset="0"/>
+                  <a:cs typeface="Calibri" panose="020F0502020204030204" pitchFamily="34" charset="0"/>
+                </a:endParaRPr>
+              </a:p>
+            </p:txBody>
+          </p:sp>
+        </mc:Choice>
+        <mc:Fallback>
+          <p:sp>
+            <p:nvSpPr>
+              <p:cNvPr id="3" name="Content Placeholder 2"/>
+              <p:cNvSpPr>
+                <a:spLocks noGrp="1" noRot="1" noChangeAspect="1" noMove="1" noResize="1" noEditPoints="1" noAdjustHandles="1" noChangeArrowheads="1" noChangeShapeType="1" noTextEdit="1"/>
+              </p:cNvSpPr>
+              <p:nvPr>
+                <p:ph idx="1"/>
+              </p:nvPr>
+            </p:nvSpPr>
+            <p:spPr>
+              <a:blipFill rotWithShape="0">
+                <a:blip r:embed="rId2"/>
+                <a:stretch>
+                  <a:fillRect l="-329" t="-453"/>
+                </a:stretch>
+              </a:blipFill>
+            </p:spPr>
+            <p:txBody>
+              <a:bodyPr/>
+              <a:lstStyle/>
+              <a:p>
+                <a:r>
+                  <a:rPr lang="en-US">
+                    <a:noFill/>
+                  </a:rPr>
+                  <a:t> </a:t>
+                </a:r>
+              </a:p>
+            </p:txBody>
+          </p:sp>
+        </mc:Fallback>
+      </mc:AlternateContent>
+      <p:sp>
+        <p:nvSpPr>
+          <p:cNvPr id="4" name="TextBox 3"/>
+          <p:cNvSpPr txBox="1"/>
+          <p:nvPr/>
+        </p:nvSpPr>
+        <p:spPr>
+          <a:xfrm>
+            <a:off x="1179576" y="5600438"/>
+            <a:ext cx="3024867" cy="369332"/>
+          </a:xfrm>
+          <a:prstGeom prst="rect">
+            <a:avLst/>
+          </a:prstGeom>
+          <a:solidFill>
+            <a:schemeClr val="accent1"/>
+          </a:solidFill>
+        </p:spPr>
+        <p:txBody>
+          <a:bodyPr wrap="none" rtlCol="0">
+            <a:spAutoFit/>
+          </a:bodyPr>
+          <a:lstStyle/>
+          <a:p>
+            <a:r>
+              <a:rPr lang="en-US" dirty="0" smtClean="0"/>
+              <a:t>Note: Use only when t is small</a:t>
+            </a:r>
+            <a:endParaRPr lang="en-US" dirty="0"/>
+          </a:p>
+        </p:txBody>
+      </p:sp>
+    </p:spTree>
+    <p:extLst>
+      <p:ext uri="{BB962C8B-B14F-4D97-AF65-F5344CB8AC3E}">
+        <p14:creationId xmlns:p14="http://schemas.microsoft.com/office/powerpoint/2010/main" val="2869154342"/>
+      </p:ext>
+    </p:extLst>
+  </p:cSld>
+  <p:clrMapOvr>
+    <a:masterClrMapping/>
+  </p:clrMapOvr>
+</p:sld>
+</file>
+
 <file path=ppt/slides/slide3.xml><?xml version="1.0" encoding="utf-8"?>
 <p:sld xmlns:a="http://schemas.openxmlformats.org/drawingml/2006/main" xmlns:r="http://schemas.openxmlformats.org/officeDocument/2006/relationships" xmlns:p="http://schemas.openxmlformats.org/presentationml/2006/main">
   <p:cSld>
@@ -13914,6 +18239,879 @@
       </p:par>
     </p:tnLst>
   </p:timing>
+</p:sld>
+</file>
+
+<file path=ppt/slides/slide30.xml><?xml version="1.0" encoding="utf-8"?>
+<p:sld xmlns:a="http://schemas.openxmlformats.org/drawingml/2006/main" xmlns:r="http://schemas.openxmlformats.org/officeDocument/2006/relationships" xmlns:p="http://schemas.openxmlformats.org/presentationml/2006/main">
+  <p:cSld>
+    <p:spTree>
+      <p:nvGrpSpPr>
+        <p:cNvPr id="1" name=""/>
+        <p:cNvGrpSpPr/>
+        <p:nvPr/>
+      </p:nvGrpSpPr>
+      <p:grpSpPr>
+        <a:xfrm>
+          <a:off x="0" y="0"/>
+          <a:ext cx="0" cy="0"/>
+          <a:chOff x="0" y="0"/>
+          <a:chExt cx="0" cy="0"/>
+        </a:xfrm>
+      </p:grpSpPr>
+      <p:sp>
+        <p:nvSpPr>
+          <p:cNvPr id="2" name="Title 1"/>
+          <p:cNvSpPr>
+            <a:spLocks noGrp="1"/>
+          </p:cNvSpPr>
+          <p:nvPr>
+            <p:ph type="title"/>
+          </p:nvPr>
+        </p:nvSpPr>
+        <p:spPr/>
+        <p:txBody>
+          <a:bodyPr/>
+          <a:lstStyle/>
+          <a:p>
+            <a:pPr algn="ctr"/>
+            <a:r>
+              <a:rPr lang="en-US" dirty="0" smtClean="0">
+                <a:solidFill>
+                  <a:schemeClr val="tx1"/>
+                </a:solidFill>
+                <a:latin typeface="Calibri" panose="020F0502020204030204" pitchFamily="34" charset="0"/>
+                <a:cs typeface="Calibri" panose="020F0502020204030204" pitchFamily="34" charset="0"/>
+              </a:rPr>
+              <a:t>GD with momentum</a:t>
+            </a:r>
+            <a:endParaRPr lang="en-US" dirty="0">
+              <a:solidFill>
+                <a:schemeClr val="tx1"/>
+              </a:solidFill>
+              <a:latin typeface="Calibri" panose="020F0502020204030204" pitchFamily="34" charset="0"/>
+              <a:cs typeface="Calibri" panose="020F0502020204030204" pitchFamily="34" charset="0"/>
+            </a:endParaRPr>
+          </a:p>
+        </p:txBody>
+      </p:sp>
+      <mc:AlternateContent xmlns:mc="http://schemas.openxmlformats.org/markup-compatibility/2006">
+        <mc:Choice xmlns:a14="http://schemas.microsoft.com/office/drawing/2010/main" Requires="a14">
+          <p:sp>
+            <p:nvSpPr>
+              <p:cNvPr id="3" name="Content Placeholder 2"/>
+              <p:cNvSpPr>
+                <a:spLocks noGrp="1"/>
+              </p:cNvSpPr>
+              <p:nvPr>
+                <p:ph idx="1"/>
+              </p:nvPr>
+            </p:nvSpPr>
+            <p:spPr/>
+            <p:txBody>
+              <a:bodyPr>
+                <a:normAutofit/>
+              </a:bodyPr>
+              <a:lstStyle/>
+              <a:p>
+                <a:r>
+                  <a:rPr lang="en-US" sz="2400" dirty="0" smtClean="0">
+                    <a:solidFill>
+                      <a:schemeClr val="tx1"/>
+                    </a:solidFill>
+                    <a:latin typeface="Calibri" panose="020F0502020204030204" pitchFamily="34" charset="0"/>
+                    <a:cs typeface="Calibri" panose="020F0502020204030204" pitchFamily="34" charset="0"/>
+                  </a:rPr>
+                  <a:t>Always works better in terms of speed than GD without momentum.</a:t>
+                </a:r>
+              </a:p>
+              <a:p>
+                <a:r>
+                  <a:rPr lang="en-US" sz="2400" dirty="0" smtClean="0">
+                    <a:solidFill>
+                      <a:schemeClr val="tx1"/>
+                    </a:solidFill>
+                    <a:latin typeface="Calibri" panose="020F0502020204030204" pitchFamily="34" charset="0"/>
+                    <a:cs typeface="Calibri" panose="020F0502020204030204" pitchFamily="34" charset="0"/>
+                  </a:rPr>
+                  <a:t>Momentum:</a:t>
+                </a:r>
+              </a:p>
+              <a:p>
+                <a:r>
+                  <a:rPr lang="en-US" sz="2400" dirty="0" smtClean="0">
+                    <a:solidFill>
+                      <a:schemeClr val="tx1"/>
+                    </a:solidFill>
+                    <a:latin typeface="Calibri" panose="020F0502020204030204" pitchFamily="34" charset="0"/>
+                    <a:cs typeface="Calibri" panose="020F0502020204030204" pitchFamily="34" charset="0"/>
+                  </a:rPr>
+                  <a:t>On iteration t:</a:t>
+                </a:r>
+              </a:p>
+              <a:p>
+                <a:r>
+                  <a:rPr lang="en-US" sz="2400" dirty="0" smtClean="0">
+                    <a:solidFill>
+                      <a:schemeClr val="tx1"/>
+                    </a:solidFill>
+                    <a:latin typeface="Calibri" panose="020F0502020204030204" pitchFamily="34" charset="0"/>
+                    <a:cs typeface="Calibri" panose="020F0502020204030204" pitchFamily="34" charset="0"/>
+                  </a:rPr>
+                  <a:t>Compute </a:t>
+                </a:r>
+                <a:r>
+                  <a:rPr lang="en-US" sz="2400" dirty="0" err="1" smtClean="0">
+                    <a:solidFill>
+                      <a:schemeClr val="tx1"/>
+                    </a:solidFill>
+                    <a:latin typeface="Calibri" panose="020F0502020204030204" pitchFamily="34" charset="0"/>
+                    <a:cs typeface="Calibri" panose="020F0502020204030204" pitchFamily="34" charset="0"/>
+                  </a:rPr>
+                  <a:t>dW</a:t>
+                </a:r>
+                <a:r>
+                  <a:rPr lang="en-US" sz="2400" dirty="0" smtClean="0">
+                    <a:solidFill>
+                      <a:schemeClr val="tx1"/>
+                    </a:solidFill>
+                    <a:latin typeface="Calibri" panose="020F0502020204030204" pitchFamily="34" charset="0"/>
+                    <a:cs typeface="Calibri" panose="020F0502020204030204" pitchFamily="34" charset="0"/>
+                  </a:rPr>
+                  <a:t>, </a:t>
+                </a:r>
+                <a:r>
+                  <a:rPr lang="en-US" sz="2400" dirty="0" err="1" smtClean="0">
+                    <a:solidFill>
+                      <a:schemeClr val="tx1"/>
+                    </a:solidFill>
+                    <a:latin typeface="Calibri" panose="020F0502020204030204" pitchFamily="34" charset="0"/>
+                    <a:cs typeface="Calibri" panose="020F0502020204030204" pitchFamily="34" charset="0"/>
+                  </a:rPr>
+                  <a:t>db</a:t>
+                </a:r>
+                <a:r>
+                  <a:rPr lang="en-US" sz="2400" dirty="0" smtClean="0">
+                    <a:solidFill>
+                      <a:schemeClr val="tx1"/>
+                    </a:solidFill>
+                    <a:latin typeface="Calibri" panose="020F0502020204030204" pitchFamily="34" charset="0"/>
+                    <a:cs typeface="Calibri" panose="020F0502020204030204" pitchFamily="34" charset="0"/>
+                  </a:rPr>
+                  <a:t> on current </a:t>
+                </a:r>
+                <a:r>
+                  <a:rPr lang="en-US" sz="2400" dirty="0" err="1" smtClean="0">
+                    <a:solidFill>
+                      <a:schemeClr val="tx1"/>
+                    </a:solidFill>
+                    <a:latin typeface="Calibri" panose="020F0502020204030204" pitchFamily="34" charset="0"/>
+                    <a:cs typeface="Calibri" panose="020F0502020204030204" pitchFamily="34" charset="0"/>
+                  </a:rPr>
+                  <a:t>minibatch</a:t>
+                </a:r>
+                <a:endParaRPr lang="en-US" sz="2400" dirty="0" smtClean="0">
+                  <a:solidFill>
+                    <a:schemeClr val="tx1"/>
+                  </a:solidFill>
+                  <a:latin typeface="Calibri" panose="020F0502020204030204" pitchFamily="34" charset="0"/>
+                  <a:cs typeface="Calibri" panose="020F0502020204030204" pitchFamily="34" charset="0"/>
+                </a:endParaRPr>
+              </a:p>
+              <a:p>
+                <a14:m>
+                  <m:oMath xmlns:m="http://schemas.openxmlformats.org/officeDocument/2006/math">
+                    <m:sSub>
+                      <m:sSubPr>
+                        <m:ctrlPr>
+                          <a:rPr lang="en-US" sz="2400" i="1" smtClean="0">
+                            <a:solidFill>
+                              <a:schemeClr val="tx1"/>
+                            </a:solidFill>
+                            <a:latin typeface="Cambria Math" panose="02040503050406030204" pitchFamily="18" charset="0"/>
+                            <a:cs typeface="Calibri" panose="020F0502020204030204" pitchFamily="34" charset="0"/>
+                          </a:rPr>
+                        </m:ctrlPr>
+                      </m:sSubPr>
+                      <m:e>
+                        <m:r>
+                          <a:rPr lang="en-US" sz="2400" b="0" i="1" smtClean="0">
+                            <a:solidFill>
+                              <a:schemeClr val="tx1"/>
+                            </a:solidFill>
+                            <a:latin typeface="Cambria Math" panose="02040503050406030204" pitchFamily="18" charset="0"/>
+                            <a:cs typeface="Calibri" panose="020F0502020204030204" pitchFamily="34" charset="0"/>
+                          </a:rPr>
+                          <m:t>𝑉</m:t>
+                        </m:r>
+                      </m:e>
+                      <m:sub>
+                        <m:r>
+                          <a:rPr lang="en-US" sz="2400" b="0" i="1" smtClean="0">
+                            <a:solidFill>
+                              <a:schemeClr val="tx1"/>
+                            </a:solidFill>
+                            <a:latin typeface="Cambria Math" panose="02040503050406030204" pitchFamily="18" charset="0"/>
+                            <a:cs typeface="Calibri" panose="020F0502020204030204" pitchFamily="34" charset="0"/>
+                          </a:rPr>
+                          <m:t>𝑑𝑊</m:t>
+                        </m:r>
+                      </m:sub>
+                    </m:sSub>
+                    <m:r>
+                      <a:rPr lang="en-US" sz="2400" b="0" i="1" smtClean="0">
+                        <a:solidFill>
+                          <a:schemeClr val="tx1"/>
+                        </a:solidFill>
+                        <a:latin typeface="Cambria Math" panose="02040503050406030204" pitchFamily="18" charset="0"/>
+                        <a:cs typeface="Calibri" panose="020F0502020204030204" pitchFamily="34" charset="0"/>
+                      </a:rPr>
+                      <m:t>=</m:t>
+                    </m:r>
+                    <m:r>
+                      <a:rPr lang="en-US" sz="2400" b="0" i="1" smtClean="0">
+                        <a:solidFill>
+                          <a:schemeClr val="tx1"/>
+                        </a:solidFill>
+                        <a:latin typeface="Cambria Math" panose="02040503050406030204" pitchFamily="18" charset="0"/>
+                        <a:ea typeface="Cambria Math" panose="02040503050406030204" pitchFamily="18" charset="0"/>
+                        <a:cs typeface="Calibri" panose="020F0502020204030204" pitchFamily="34" charset="0"/>
+                      </a:rPr>
+                      <m:t>𝛽</m:t>
+                    </m:r>
+                    <m:sSub>
+                      <m:sSubPr>
+                        <m:ctrlPr>
+                          <a:rPr lang="en-US" sz="2400" b="0" i="1" smtClean="0">
+                            <a:solidFill>
+                              <a:schemeClr val="tx1"/>
+                            </a:solidFill>
+                            <a:latin typeface="Cambria Math" panose="02040503050406030204" pitchFamily="18" charset="0"/>
+                            <a:ea typeface="Cambria Math" panose="02040503050406030204" pitchFamily="18" charset="0"/>
+                            <a:cs typeface="Calibri" panose="020F0502020204030204" pitchFamily="34" charset="0"/>
+                          </a:rPr>
+                        </m:ctrlPr>
+                      </m:sSubPr>
+                      <m:e>
+                        <m:r>
+                          <a:rPr lang="en-US" sz="2400" b="0" i="1" smtClean="0">
+                            <a:solidFill>
+                              <a:schemeClr val="tx1"/>
+                            </a:solidFill>
+                            <a:latin typeface="Cambria Math" panose="02040503050406030204" pitchFamily="18" charset="0"/>
+                            <a:ea typeface="Cambria Math" panose="02040503050406030204" pitchFamily="18" charset="0"/>
+                            <a:cs typeface="Calibri" panose="020F0502020204030204" pitchFamily="34" charset="0"/>
+                          </a:rPr>
+                          <m:t>𝑉</m:t>
+                        </m:r>
+                      </m:e>
+                      <m:sub>
+                        <m:r>
+                          <a:rPr lang="en-US" sz="2400" b="0" i="1" smtClean="0">
+                            <a:solidFill>
+                              <a:schemeClr val="tx1"/>
+                            </a:solidFill>
+                            <a:latin typeface="Cambria Math" panose="02040503050406030204" pitchFamily="18" charset="0"/>
+                            <a:ea typeface="Cambria Math" panose="02040503050406030204" pitchFamily="18" charset="0"/>
+                            <a:cs typeface="Calibri" panose="020F0502020204030204" pitchFamily="34" charset="0"/>
+                          </a:rPr>
+                          <m:t>𝑑𝑊</m:t>
+                        </m:r>
+                      </m:sub>
+                    </m:sSub>
+                    <m:r>
+                      <a:rPr lang="en-US" sz="2400" b="0" i="1" smtClean="0">
+                        <a:solidFill>
+                          <a:schemeClr val="tx1"/>
+                        </a:solidFill>
+                        <a:latin typeface="Cambria Math" panose="02040503050406030204" pitchFamily="18" charset="0"/>
+                        <a:ea typeface="Cambria Math" panose="02040503050406030204" pitchFamily="18" charset="0"/>
+                        <a:cs typeface="Calibri" panose="020F0502020204030204" pitchFamily="34" charset="0"/>
+                      </a:rPr>
+                      <m:t>+</m:t>
+                    </m:r>
+                    <m:d>
+                      <m:dPr>
+                        <m:ctrlPr>
+                          <a:rPr lang="en-US" sz="2400" b="0" i="1" smtClean="0">
+                            <a:solidFill>
+                              <a:schemeClr val="tx1"/>
+                            </a:solidFill>
+                            <a:latin typeface="Cambria Math" panose="02040503050406030204" pitchFamily="18" charset="0"/>
+                            <a:ea typeface="Cambria Math" panose="02040503050406030204" pitchFamily="18" charset="0"/>
+                            <a:cs typeface="Calibri" panose="020F0502020204030204" pitchFamily="34" charset="0"/>
+                          </a:rPr>
+                        </m:ctrlPr>
+                      </m:dPr>
+                      <m:e>
+                        <m:r>
+                          <a:rPr lang="en-US" sz="2400" b="0" i="1" smtClean="0">
+                            <a:solidFill>
+                              <a:schemeClr val="tx1"/>
+                            </a:solidFill>
+                            <a:latin typeface="Cambria Math" panose="02040503050406030204" pitchFamily="18" charset="0"/>
+                            <a:ea typeface="Cambria Math" panose="02040503050406030204" pitchFamily="18" charset="0"/>
+                            <a:cs typeface="Calibri" panose="020F0502020204030204" pitchFamily="34" charset="0"/>
+                          </a:rPr>
+                          <m:t>1−</m:t>
+                        </m:r>
+                        <m:r>
+                          <a:rPr lang="en-US" sz="2400" b="0" i="1" smtClean="0">
+                            <a:solidFill>
+                              <a:schemeClr val="tx1"/>
+                            </a:solidFill>
+                            <a:latin typeface="Cambria Math" panose="02040503050406030204" pitchFamily="18" charset="0"/>
+                            <a:ea typeface="Cambria Math" panose="02040503050406030204" pitchFamily="18" charset="0"/>
+                            <a:cs typeface="Calibri" panose="020F0502020204030204" pitchFamily="34" charset="0"/>
+                          </a:rPr>
+                          <m:t>𝛽</m:t>
+                        </m:r>
+                      </m:e>
+                    </m:d>
+                    <m:r>
+                      <a:rPr lang="en-US" sz="2400" b="0" i="1" smtClean="0">
+                        <a:solidFill>
+                          <a:schemeClr val="tx1"/>
+                        </a:solidFill>
+                        <a:latin typeface="Cambria Math" panose="02040503050406030204" pitchFamily="18" charset="0"/>
+                        <a:ea typeface="Cambria Math" panose="02040503050406030204" pitchFamily="18" charset="0"/>
+                        <a:cs typeface="Calibri" panose="020F0502020204030204" pitchFamily="34" charset="0"/>
+                      </a:rPr>
+                      <m:t>𝑑𝑊</m:t>
+                    </m:r>
+                    <m:r>
+                      <a:rPr lang="en-US" sz="2400" b="0" i="0" smtClean="0">
+                        <a:solidFill>
+                          <a:schemeClr val="tx1"/>
+                        </a:solidFill>
+                        <a:latin typeface="Cambria Math" panose="02040503050406030204" pitchFamily="18" charset="0"/>
+                        <a:ea typeface="Cambria Math" panose="02040503050406030204" pitchFamily="18" charset="0"/>
+                        <a:cs typeface="Calibri" panose="020F0502020204030204" pitchFamily="34" charset="0"/>
+                      </a:rPr>
+                      <m:t>, </m:t>
+                    </m:r>
+                  </m:oMath>
+                </a14:m>
+                <a:endParaRPr lang="en-US" sz="2400" b="0" i="0" dirty="0" smtClean="0">
+                  <a:solidFill>
+                    <a:schemeClr val="tx1"/>
+                  </a:solidFill>
+                  <a:latin typeface="Cambria Math" panose="02040503050406030204" pitchFamily="18" charset="0"/>
+                  <a:ea typeface="Cambria Math" panose="02040503050406030204" pitchFamily="18" charset="0"/>
+                  <a:cs typeface="Calibri" panose="020F0502020204030204" pitchFamily="34" charset="0"/>
+                </a:endParaRPr>
+              </a:p>
+              <a:p>
+                <a14:m>
+                  <m:oMath xmlns:m="http://schemas.openxmlformats.org/officeDocument/2006/math">
+                    <m:sSub>
+                      <m:sSubPr>
+                        <m:ctrlPr>
+                          <a:rPr lang="en-US" sz="2400" i="1">
+                            <a:solidFill>
+                              <a:schemeClr val="tx1"/>
+                            </a:solidFill>
+                            <a:latin typeface="Cambria Math" panose="02040503050406030204" pitchFamily="18" charset="0"/>
+                            <a:cs typeface="Calibri" panose="020F0502020204030204" pitchFamily="34" charset="0"/>
+                          </a:rPr>
+                        </m:ctrlPr>
+                      </m:sSubPr>
+                      <m:e>
+                        <m:r>
+                          <a:rPr lang="en-US" sz="2400" i="1">
+                            <a:solidFill>
+                              <a:schemeClr val="tx1"/>
+                            </a:solidFill>
+                            <a:latin typeface="Cambria Math" panose="02040503050406030204" pitchFamily="18" charset="0"/>
+                            <a:cs typeface="Calibri" panose="020F0502020204030204" pitchFamily="34" charset="0"/>
+                          </a:rPr>
+                          <m:t>𝑉</m:t>
+                        </m:r>
+                      </m:e>
+                      <m:sub>
+                        <m:r>
+                          <a:rPr lang="en-US" sz="2400" i="1">
+                            <a:solidFill>
+                              <a:schemeClr val="tx1"/>
+                            </a:solidFill>
+                            <a:latin typeface="Cambria Math" panose="02040503050406030204" pitchFamily="18" charset="0"/>
+                            <a:cs typeface="Calibri" panose="020F0502020204030204" pitchFamily="34" charset="0"/>
+                          </a:rPr>
+                          <m:t>𝑑</m:t>
+                        </m:r>
+                        <m:r>
+                          <a:rPr lang="en-US" sz="2400" b="0" i="1" smtClean="0">
+                            <a:solidFill>
+                              <a:schemeClr val="tx1"/>
+                            </a:solidFill>
+                            <a:latin typeface="Cambria Math" panose="02040503050406030204" pitchFamily="18" charset="0"/>
+                            <a:cs typeface="Calibri" panose="020F0502020204030204" pitchFamily="34" charset="0"/>
+                          </a:rPr>
+                          <m:t>𝑏</m:t>
+                        </m:r>
+                      </m:sub>
+                    </m:sSub>
+                    <m:r>
+                      <a:rPr lang="en-US" sz="2400" i="1">
+                        <a:solidFill>
+                          <a:schemeClr val="tx1"/>
+                        </a:solidFill>
+                        <a:latin typeface="Cambria Math" panose="02040503050406030204" pitchFamily="18" charset="0"/>
+                        <a:cs typeface="Calibri" panose="020F0502020204030204" pitchFamily="34" charset="0"/>
+                      </a:rPr>
+                      <m:t>=</m:t>
+                    </m:r>
+                    <m:r>
+                      <a:rPr lang="en-US" sz="2400" i="1">
+                        <a:solidFill>
+                          <a:schemeClr val="tx1"/>
+                        </a:solidFill>
+                        <a:latin typeface="Cambria Math" panose="02040503050406030204" pitchFamily="18" charset="0"/>
+                        <a:ea typeface="Cambria Math" panose="02040503050406030204" pitchFamily="18" charset="0"/>
+                        <a:cs typeface="Calibri" panose="020F0502020204030204" pitchFamily="34" charset="0"/>
+                      </a:rPr>
+                      <m:t>𝛽</m:t>
+                    </m:r>
+                    <m:sSub>
+                      <m:sSubPr>
+                        <m:ctrlPr>
+                          <a:rPr lang="en-US" sz="2400" i="1">
+                            <a:solidFill>
+                              <a:schemeClr val="tx1"/>
+                            </a:solidFill>
+                            <a:latin typeface="Cambria Math" panose="02040503050406030204" pitchFamily="18" charset="0"/>
+                            <a:ea typeface="Cambria Math" panose="02040503050406030204" pitchFamily="18" charset="0"/>
+                            <a:cs typeface="Calibri" panose="020F0502020204030204" pitchFamily="34" charset="0"/>
+                          </a:rPr>
+                        </m:ctrlPr>
+                      </m:sSubPr>
+                      <m:e>
+                        <m:r>
+                          <a:rPr lang="en-US" sz="2400" i="1">
+                            <a:solidFill>
+                              <a:schemeClr val="tx1"/>
+                            </a:solidFill>
+                            <a:latin typeface="Cambria Math" panose="02040503050406030204" pitchFamily="18" charset="0"/>
+                            <a:ea typeface="Cambria Math" panose="02040503050406030204" pitchFamily="18" charset="0"/>
+                            <a:cs typeface="Calibri" panose="020F0502020204030204" pitchFamily="34" charset="0"/>
+                          </a:rPr>
+                          <m:t>𝑉</m:t>
+                        </m:r>
+                      </m:e>
+                      <m:sub>
+                        <m:r>
+                          <a:rPr lang="en-US" sz="2400" i="1">
+                            <a:solidFill>
+                              <a:schemeClr val="tx1"/>
+                            </a:solidFill>
+                            <a:latin typeface="Cambria Math" panose="02040503050406030204" pitchFamily="18" charset="0"/>
+                            <a:ea typeface="Cambria Math" panose="02040503050406030204" pitchFamily="18" charset="0"/>
+                            <a:cs typeface="Calibri" panose="020F0502020204030204" pitchFamily="34" charset="0"/>
+                          </a:rPr>
+                          <m:t>𝑑</m:t>
+                        </m:r>
+                        <m:r>
+                          <a:rPr lang="en-US" sz="2400" b="0" i="1" smtClean="0">
+                            <a:solidFill>
+                              <a:schemeClr val="tx1"/>
+                            </a:solidFill>
+                            <a:latin typeface="Cambria Math" panose="02040503050406030204" pitchFamily="18" charset="0"/>
+                            <a:ea typeface="Cambria Math" panose="02040503050406030204" pitchFamily="18" charset="0"/>
+                            <a:cs typeface="Calibri" panose="020F0502020204030204" pitchFamily="34" charset="0"/>
+                          </a:rPr>
+                          <m:t>𝑏</m:t>
+                        </m:r>
+                      </m:sub>
+                    </m:sSub>
+                    <m:r>
+                      <a:rPr lang="en-US" sz="2400" i="1">
+                        <a:solidFill>
+                          <a:schemeClr val="tx1"/>
+                        </a:solidFill>
+                        <a:latin typeface="Cambria Math" panose="02040503050406030204" pitchFamily="18" charset="0"/>
+                        <a:ea typeface="Cambria Math" panose="02040503050406030204" pitchFamily="18" charset="0"/>
+                        <a:cs typeface="Calibri" panose="020F0502020204030204" pitchFamily="34" charset="0"/>
+                      </a:rPr>
+                      <m:t>+</m:t>
+                    </m:r>
+                    <m:d>
+                      <m:dPr>
+                        <m:ctrlPr>
+                          <a:rPr lang="en-US" sz="2400" i="1">
+                            <a:solidFill>
+                              <a:schemeClr val="tx1"/>
+                            </a:solidFill>
+                            <a:latin typeface="Cambria Math" panose="02040503050406030204" pitchFamily="18" charset="0"/>
+                            <a:ea typeface="Cambria Math" panose="02040503050406030204" pitchFamily="18" charset="0"/>
+                            <a:cs typeface="Calibri" panose="020F0502020204030204" pitchFamily="34" charset="0"/>
+                          </a:rPr>
+                        </m:ctrlPr>
+                      </m:dPr>
+                      <m:e>
+                        <m:r>
+                          <a:rPr lang="en-US" sz="2400" i="1">
+                            <a:solidFill>
+                              <a:schemeClr val="tx1"/>
+                            </a:solidFill>
+                            <a:latin typeface="Cambria Math" panose="02040503050406030204" pitchFamily="18" charset="0"/>
+                            <a:ea typeface="Cambria Math" panose="02040503050406030204" pitchFamily="18" charset="0"/>
+                            <a:cs typeface="Calibri" panose="020F0502020204030204" pitchFamily="34" charset="0"/>
+                          </a:rPr>
+                          <m:t>1−</m:t>
+                        </m:r>
+                        <m:r>
+                          <a:rPr lang="en-US" sz="2400" i="1">
+                            <a:solidFill>
+                              <a:schemeClr val="tx1"/>
+                            </a:solidFill>
+                            <a:latin typeface="Cambria Math" panose="02040503050406030204" pitchFamily="18" charset="0"/>
+                            <a:ea typeface="Cambria Math" panose="02040503050406030204" pitchFamily="18" charset="0"/>
+                            <a:cs typeface="Calibri" panose="020F0502020204030204" pitchFamily="34" charset="0"/>
+                          </a:rPr>
+                          <m:t>𝛽</m:t>
+                        </m:r>
+                      </m:e>
+                    </m:d>
+                    <m:r>
+                      <a:rPr lang="en-US" sz="2400" i="1">
+                        <a:solidFill>
+                          <a:schemeClr val="tx1"/>
+                        </a:solidFill>
+                        <a:latin typeface="Cambria Math" panose="02040503050406030204" pitchFamily="18" charset="0"/>
+                        <a:ea typeface="Cambria Math" panose="02040503050406030204" pitchFamily="18" charset="0"/>
+                        <a:cs typeface="Calibri" panose="020F0502020204030204" pitchFamily="34" charset="0"/>
+                      </a:rPr>
+                      <m:t>𝑑</m:t>
+                    </m:r>
+                    <m:r>
+                      <a:rPr lang="en-US" sz="2400" b="0" i="1" smtClean="0">
+                        <a:solidFill>
+                          <a:schemeClr val="tx1"/>
+                        </a:solidFill>
+                        <a:latin typeface="Cambria Math" panose="02040503050406030204" pitchFamily="18" charset="0"/>
+                        <a:ea typeface="Cambria Math" panose="02040503050406030204" pitchFamily="18" charset="0"/>
+                        <a:cs typeface="Calibri" panose="020F0502020204030204" pitchFamily="34" charset="0"/>
+                      </a:rPr>
+                      <m:t>𝑏</m:t>
+                    </m:r>
+                  </m:oMath>
+                </a14:m>
+                <a:endParaRPr lang="en-US" sz="2400" dirty="0" smtClean="0">
+                  <a:solidFill>
+                    <a:schemeClr val="tx1"/>
+                  </a:solidFill>
+                  <a:latin typeface="Calibri" panose="020F0502020204030204" pitchFamily="34" charset="0"/>
+                  <a:cs typeface="Calibri" panose="020F0502020204030204" pitchFamily="34" charset="0"/>
+                </a:endParaRPr>
+              </a:p>
+              <a:p>
+                <a:r>
+                  <a:rPr lang="en-US" sz="2400" dirty="0" smtClean="0">
+                    <a:solidFill>
+                      <a:schemeClr val="tx1"/>
+                    </a:solidFill>
+                    <a:latin typeface="Calibri" panose="020F0502020204030204" pitchFamily="34" charset="0"/>
+                    <a:cs typeface="Calibri" panose="020F0502020204030204" pitchFamily="34" charset="0"/>
+                  </a:rPr>
+                  <a:t>Update </a:t>
+                </a:r>
+                <a:r>
+                  <a:rPr lang="en-US" sz="2400" dirty="0" err="1" smtClean="0">
+                    <a:solidFill>
+                      <a:schemeClr val="tx1"/>
+                    </a:solidFill>
+                    <a:latin typeface="Calibri" panose="020F0502020204030204" pitchFamily="34" charset="0"/>
+                    <a:cs typeface="Calibri" panose="020F0502020204030204" pitchFamily="34" charset="0"/>
+                  </a:rPr>
+                  <a:t>W,b</a:t>
+                </a:r>
+                <a:endParaRPr lang="en-US" sz="2400" dirty="0" smtClean="0">
+                  <a:solidFill>
+                    <a:schemeClr val="tx1"/>
+                  </a:solidFill>
+                  <a:latin typeface="Calibri" panose="020F0502020204030204" pitchFamily="34" charset="0"/>
+                  <a:cs typeface="Calibri" panose="020F0502020204030204" pitchFamily="34" charset="0"/>
+                </a:endParaRPr>
+              </a:p>
+              <a:p>
+                <a14:m>
+                  <m:oMath xmlns:m="http://schemas.openxmlformats.org/officeDocument/2006/math">
+                    <m:r>
+                      <a:rPr lang="en-US" sz="2400" b="0" i="1" smtClean="0">
+                        <a:solidFill>
+                          <a:schemeClr val="tx1"/>
+                        </a:solidFill>
+                        <a:latin typeface="Cambria Math" panose="02040503050406030204" pitchFamily="18" charset="0"/>
+                        <a:cs typeface="Calibri" panose="020F0502020204030204" pitchFamily="34" charset="0"/>
+                      </a:rPr>
+                      <m:t>𝑊</m:t>
+                    </m:r>
+                    <m:r>
+                      <a:rPr lang="en-US" sz="2400" b="0" i="1" smtClean="0">
+                        <a:solidFill>
+                          <a:schemeClr val="tx1"/>
+                        </a:solidFill>
+                        <a:latin typeface="Cambria Math" panose="02040503050406030204" pitchFamily="18" charset="0"/>
+                        <a:cs typeface="Calibri" panose="020F0502020204030204" pitchFamily="34" charset="0"/>
+                      </a:rPr>
+                      <m:t>=</m:t>
+                    </m:r>
+                    <m:r>
+                      <a:rPr lang="en-US" sz="2400" b="0" i="1" smtClean="0">
+                        <a:solidFill>
+                          <a:schemeClr val="tx1"/>
+                        </a:solidFill>
+                        <a:latin typeface="Cambria Math" panose="02040503050406030204" pitchFamily="18" charset="0"/>
+                        <a:cs typeface="Calibri" panose="020F0502020204030204" pitchFamily="34" charset="0"/>
+                      </a:rPr>
+                      <m:t>𝑊</m:t>
+                    </m:r>
+                    <m:r>
+                      <a:rPr lang="en-US" sz="2400" b="0" i="1" smtClean="0">
+                        <a:solidFill>
+                          <a:schemeClr val="tx1"/>
+                        </a:solidFill>
+                        <a:latin typeface="Cambria Math" panose="02040503050406030204" pitchFamily="18" charset="0"/>
+                        <a:cs typeface="Calibri" panose="020F0502020204030204" pitchFamily="34" charset="0"/>
+                      </a:rPr>
+                      <m:t>−</m:t>
+                    </m:r>
+                    <m:r>
+                      <a:rPr lang="en-US" sz="2400" b="0" i="1" smtClean="0">
+                        <a:solidFill>
+                          <a:schemeClr val="tx1"/>
+                        </a:solidFill>
+                        <a:latin typeface="Cambria Math" panose="02040503050406030204" pitchFamily="18" charset="0"/>
+                        <a:ea typeface="Cambria Math" panose="02040503050406030204" pitchFamily="18" charset="0"/>
+                        <a:cs typeface="Calibri" panose="020F0502020204030204" pitchFamily="34" charset="0"/>
+                      </a:rPr>
+                      <m:t>𝛼</m:t>
+                    </m:r>
+                    <m:sSub>
+                      <m:sSubPr>
+                        <m:ctrlPr>
+                          <a:rPr lang="en-US" sz="2400" b="0" i="1" smtClean="0">
+                            <a:solidFill>
+                              <a:schemeClr val="tx1"/>
+                            </a:solidFill>
+                            <a:latin typeface="Cambria Math" panose="02040503050406030204" pitchFamily="18" charset="0"/>
+                            <a:ea typeface="Cambria Math" panose="02040503050406030204" pitchFamily="18" charset="0"/>
+                            <a:cs typeface="Calibri" panose="020F0502020204030204" pitchFamily="34" charset="0"/>
+                          </a:rPr>
+                        </m:ctrlPr>
+                      </m:sSubPr>
+                      <m:e>
+                        <m:r>
+                          <a:rPr lang="en-US" sz="2400" b="0" i="1" smtClean="0">
+                            <a:solidFill>
+                              <a:schemeClr val="tx1"/>
+                            </a:solidFill>
+                            <a:latin typeface="Cambria Math" panose="02040503050406030204" pitchFamily="18" charset="0"/>
+                            <a:ea typeface="Cambria Math" panose="02040503050406030204" pitchFamily="18" charset="0"/>
+                            <a:cs typeface="Calibri" panose="020F0502020204030204" pitchFamily="34" charset="0"/>
+                          </a:rPr>
+                          <m:t>𝑉</m:t>
+                        </m:r>
+                      </m:e>
+                      <m:sub>
+                        <m:r>
+                          <a:rPr lang="en-US" sz="2400" b="0" i="1" smtClean="0">
+                            <a:solidFill>
+                              <a:schemeClr val="tx1"/>
+                            </a:solidFill>
+                            <a:latin typeface="Cambria Math" panose="02040503050406030204" pitchFamily="18" charset="0"/>
+                            <a:ea typeface="Cambria Math" panose="02040503050406030204" pitchFamily="18" charset="0"/>
+                            <a:cs typeface="Calibri" panose="020F0502020204030204" pitchFamily="34" charset="0"/>
+                          </a:rPr>
+                          <m:t>𝑑𝑊</m:t>
+                        </m:r>
+                      </m:sub>
+                    </m:sSub>
+                  </m:oMath>
+                </a14:m>
+                <a:r>
+                  <a:rPr lang="en-US" sz="2400" dirty="0" smtClean="0">
+                    <a:solidFill>
+                      <a:schemeClr val="tx1"/>
+                    </a:solidFill>
+                    <a:latin typeface="Calibri" panose="020F0502020204030204" pitchFamily="34" charset="0"/>
+                    <a:cs typeface="Calibri" panose="020F0502020204030204" pitchFamily="34" charset="0"/>
+                  </a:rPr>
+                  <a:t>, </a:t>
+                </a:r>
+                <a14:m>
+                  <m:oMath xmlns:m="http://schemas.openxmlformats.org/officeDocument/2006/math">
+                    <m:r>
+                      <m:rPr>
+                        <m:sty m:val="p"/>
+                      </m:rPr>
+                      <a:rPr lang="en-US" sz="2400" b="0" i="0" smtClean="0">
+                        <a:solidFill>
+                          <a:schemeClr val="tx1"/>
+                        </a:solidFill>
+                        <a:latin typeface="Cambria Math" panose="02040503050406030204" pitchFamily="18" charset="0"/>
+                        <a:cs typeface="Calibri" panose="020F0502020204030204" pitchFamily="34" charset="0"/>
+                      </a:rPr>
+                      <m:t>b</m:t>
+                    </m:r>
+                    <m:r>
+                      <a:rPr lang="en-US" sz="2400" i="1">
+                        <a:solidFill>
+                          <a:schemeClr val="tx1"/>
+                        </a:solidFill>
+                        <a:latin typeface="Cambria Math" panose="02040503050406030204" pitchFamily="18" charset="0"/>
+                        <a:cs typeface="Calibri" panose="020F0502020204030204" pitchFamily="34" charset="0"/>
+                      </a:rPr>
+                      <m:t>=</m:t>
+                    </m:r>
+                    <m:r>
+                      <a:rPr lang="en-US" sz="2400" b="0" i="1" smtClean="0">
+                        <a:solidFill>
+                          <a:schemeClr val="tx1"/>
+                        </a:solidFill>
+                        <a:latin typeface="Cambria Math" panose="02040503050406030204" pitchFamily="18" charset="0"/>
+                        <a:cs typeface="Calibri" panose="020F0502020204030204" pitchFamily="34" charset="0"/>
+                      </a:rPr>
+                      <m:t>𝑏</m:t>
+                    </m:r>
+                    <m:r>
+                      <a:rPr lang="en-US" sz="2400" i="1">
+                        <a:solidFill>
+                          <a:schemeClr val="tx1"/>
+                        </a:solidFill>
+                        <a:latin typeface="Cambria Math" panose="02040503050406030204" pitchFamily="18" charset="0"/>
+                        <a:cs typeface="Calibri" panose="020F0502020204030204" pitchFamily="34" charset="0"/>
+                      </a:rPr>
+                      <m:t>−</m:t>
+                    </m:r>
+                    <m:r>
+                      <a:rPr lang="en-US" sz="2400" i="1">
+                        <a:solidFill>
+                          <a:schemeClr val="tx1"/>
+                        </a:solidFill>
+                        <a:latin typeface="Cambria Math" panose="02040503050406030204" pitchFamily="18" charset="0"/>
+                        <a:ea typeface="Cambria Math" panose="02040503050406030204" pitchFamily="18" charset="0"/>
+                        <a:cs typeface="Calibri" panose="020F0502020204030204" pitchFamily="34" charset="0"/>
+                      </a:rPr>
+                      <m:t>𝛼</m:t>
+                    </m:r>
+                    <m:sSub>
+                      <m:sSubPr>
+                        <m:ctrlPr>
+                          <a:rPr lang="en-US" sz="2400" i="1">
+                            <a:solidFill>
+                              <a:schemeClr val="tx1"/>
+                            </a:solidFill>
+                            <a:latin typeface="Cambria Math" panose="02040503050406030204" pitchFamily="18" charset="0"/>
+                            <a:ea typeface="Cambria Math" panose="02040503050406030204" pitchFamily="18" charset="0"/>
+                            <a:cs typeface="Calibri" panose="020F0502020204030204" pitchFamily="34" charset="0"/>
+                          </a:rPr>
+                        </m:ctrlPr>
+                      </m:sSubPr>
+                      <m:e>
+                        <m:r>
+                          <a:rPr lang="en-US" sz="2400" i="1">
+                            <a:solidFill>
+                              <a:schemeClr val="tx1"/>
+                            </a:solidFill>
+                            <a:latin typeface="Cambria Math" panose="02040503050406030204" pitchFamily="18" charset="0"/>
+                            <a:ea typeface="Cambria Math" panose="02040503050406030204" pitchFamily="18" charset="0"/>
+                            <a:cs typeface="Calibri" panose="020F0502020204030204" pitchFamily="34" charset="0"/>
+                          </a:rPr>
+                          <m:t>𝑉</m:t>
+                        </m:r>
+                      </m:e>
+                      <m:sub>
+                        <m:r>
+                          <a:rPr lang="en-US" sz="2400" i="1">
+                            <a:solidFill>
+                              <a:schemeClr val="tx1"/>
+                            </a:solidFill>
+                            <a:latin typeface="Cambria Math" panose="02040503050406030204" pitchFamily="18" charset="0"/>
+                            <a:ea typeface="Cambria Math" panose="02040503050406030204" pitchFamily="18" charset="0"/>
+                            <a:cs typeface="Calibri" panose="020F0502020204030204" pitchFamily="34" charset="0"/>
+                          </a:rPr>
+                          <m:t>𝑑</m:t>
+                        </m:r>
+                        <m:r>
+                          <a:rPr lang="en-US" sz="2400" b="0" i="1" smtClean="0">
+                            <a:solidFill>
+                              <a:schemeClr val="tx1"/>
+                            </a:solidFill>
+                            <a:latin typeface="Cambria Math" panose="02040503050406030204" pitchFamily="18" charset="0"/>
+                            <a:ea typeface="Cambria Math" panose="02040503050406030204" pitchFamily="18" charset="0"/>
+                            <a:cs typeface="Calibri" panose="020F0502020204030204" pitchFamily="34" charset="0"/>
+                          </a:rPr>
+                          <m:t>𝑏</m:t>
+                        </m:r>
+                      </m:sub>
+                    </m:sSub>
+                  </m:oMath>
+                </a14:m>
+                <a:endParaRPr lang="en-US" sz="2400" dirty="0">
+                  <a:solidFill>
+                    <a:schemeClr val="tx1"/>
+                  </a:solidFill>
+                  <a:latin typeface="Calibri" panose="020F0502020204030204" pitchFamily="34" charset="0"/>
+                  <a:cs typeface="Calibri" panose="020F0502020204030204" pitchFamily="34" charset="0"/>
+                </a:endParaRPr>
+              </a:p>
+              <a:p>
+                <a:endParaRPr lang="en-US" sz="2400" dirty="0">
+                  <a:solidFill>
+                    <a:schemeClr val="tx1"/>
+                  </a:solidFill>
+                  <a:latin typeface="Calibri" panose="020F0502020204030204" pitchFamily="34" charset="0"/>
+                  <a:cs typeface="Calibri" panose="020F0502020204030204" pitchFamily="34" charset="0"/>
+                </a:endParaRPr>
+              </a:p>
+            </p:txBody>
+          </p:sp>
+        </mc:Choice>
+        <mc:Fallback>
+          <p:sp>
+            <p:nvSpPr>
+              <p:cNvPr id="3" name="Content Placeholder 2"/>
+              <p:cNvSpPr>
+                <a:spLocks noGrp="1" noRot="1" noChangeAspect="1" noMove="1" noResize="1" noEditPoints="1" noAdjustHandles="1" noChangeArrowheads="1" noChangeShapeType="1" noTextEdit="1"/>
+              </p:cNvSpPr>
+              <p:nvPr>
+                <p:ph idx="1"/>
+              </p:nvPr>
+            </p:nvSpPr>
+            <p:spPr>
+              <a:blipFill rotWithShape="0">
+                <a:blip r:embed="rId2"/>
+                <a:stretch>
+                  <a:fillRect l="-329" t="-2115" b="-1057"/>
+                </a:stretch>
+              </a:blipFill>
+            </p:spPr>
+            <p:txBody>
+              <a:bodyPr/>
+              <a:lstStyle/>
+              <a:p>
+                <a:r>
+                  <a:rPr lang="en-US">
+                    <a:noFill/>
+                  </a:rPr>
+                  <a:t> </a:t>
+                </a:r>
+              </a:p>
+            </p:txBody>
+          </p:sp>
+        </mc:Fallback>
+      </mc:AlternateContent>
+    </p:spTree>
+    <p:extLst>
+      <p:ext uri="{BB962C8B-B14F-4D97-AF65-F5344CB8AC3E}">
+        <p14:creationId xmlns:p14="http://schemas.microsoft.com/office/powerpoint/2010/main" val="1642104327"/>
+      </p:ext>
+    </p:extLst>
+  </p:cSld>
+  <p:clrMapOvr>
+    <a:masterClrMapping/>
+  </p:clrMapOvr>
 </p:sld>
 </file>
 
